--- a/docs/ArchitectureDiagrams.pptx
+++ b/docs/ArchitectureDiagrams.pptx
@@ -5,11 +5,14 @@
     <p:sldMasterId id="2147483648" r:id="rId1"/>
   </p:sldMasterIdLst>
   <p:notesMasterIdLst>
-    <p:notesMasterId r:id="rId4"/>
+    <p:notesMasterId r:id="rId7"/>
   </p:notesMasterIdLst>
   <p:sldIdLst>
     <p:sldId id="256" r:id="rId2"/>
     <p:sldId id="257" r:id="rId3"/>
+    <p:sldId id="258" r:id="rId4"/>
+    <p:sldId id="259" r:id="rId5"/>
+    <p:sldId id="260" r:id="rId6"/>
   </p:sldIdLst>
   <p:sldSz cx="12192000" cy="6858000"/>
   <p:notesSz cx="6858000" cy="9144000"/>
@@ -108,6 +111,11 @@
       </a:defRPr>
     </a:lvl9pPr>
   </p:defaultTextStyle>
+  <p:extLst>
+    <p:ext uri="{EFAFB233-063F-42B5-8137-9DF3F51BA10A}">
+      <p15:sldGuideLst xmlns:p15="http://schemas.microsoft.com/office/powerpoint/2012/main"/>
+    </p:ext>
+  </p:extLst>
 </p:presentation>
 </file>
 
@@ -193,7 +201,7 @@
           <a:p>
             <a:fld id="{2D03B87C-0D81-664D-B731-A4E62EA7916C}" type="datetimeFigureOut">
               <a:rPr lang="en-US" smtClean="0"/>
-              <a:t>8/6/19</a:t>
+              <a:t>11/12/19</a:t>
             </a:fld>
             <a:endParaRPr lang="en-US"/>
           </a:p>
@@ -628,6 +636,174 @@
 </p:notes>
 </file>
 
+<file path=ppt/notesSlides/notesSlide3.xml><?xml version="1.0" encoding="utf-8"?>
+<p:notes xmlns:a="http://schemas.openxmlformats.org/drawingml/2006/main" xmlns:r="http://schemas.openxmlformats.org/officeDocument/2006/relationships" xmlns:p="http://schemas.openxmlformats.org/presentationml/2006/main">
+  <p:cSld>
+    <p:spTree>
+      <p:nvGrpSpPr>
+        <p:cNvPr id="1" name=""/>
+        <p:cNvGrpSpPr/>
+        <p:nvPr/>
+      </p:nvGrpSpPr>
+      <p:grpSpPr>
+        <a:xfrm>
+          <a:off x="0" y="0"/>
+          <a:ext cx="0" cy="0"/>
+          <a:chOff x="0" y="0"/>
+          <a:chExt cx="0" cy="0"/>
+        </a:xfrm>
+      </p:grpSpPr>
+      <p:sp>
+        <p:nvSpPr>
+          <p:cNvPr id="2" name="Slide Image Placeholder 1"/>
+          <p:cNvSpPr>
+            <a:spLocks noGrp="1" noRot="1" noChangeAspect="1"/>
+          </p:cNvSpPr>
+          <p:nvPr>
+            <p:ph type="sldImg"/>
+          </p:nvPr>
+        </p:nvSpPr>
+        <p:spPr/>
+      </p:sp>
+      <p:sp>
+        <p:nvSpPr>
+          <p:cNvPr id="3" name="Notes Placeholder 2"/>
+          <p:cNvSpPr>
+            <a:spLocks noGrp="1"/>
+          </p:cNvSpPr>
+          <p:nvPr>
+            <p:ph type="body" idx="1"/>
+          </p:nvPr>
+        </p:nvSpPr>
+        <p:spPr/>
+        <p:txBody>
+          <a:bodyPr/>
+          <a:lstStyle/>
+          <a:p>
+            <a:endParaRPr lang="en-US" dirty="0"/>
+          </a:p>
+        </p:txBody>
+      </p:sp>
+      <p:sp>
+        <p:nvSpPr>
+          <p:cNvPr id="4" name="Slide Number Placeholder 3"/>
+          <p:cNvSpPr>
+            <a:spLocks noGrp="1"/>
+          </p:cNvSpPr>
+          <p:nvPr>
+            <p:ph type="sldNum" sz="quarter" idx="5"/>
+          </p:nvPr>
+        </p:nvSpPr>
+        <p:spPr/>
+        <p:txBody>
+          <a:bodyPr/>
+          <a:lstStyle/>
+          <a:p>
+            <a:fld id="{2D03F694-874C-4443-9729-720E4D6038B0}" type="slidenum">
+              <a:rPr lang="en-US" smtClean="0"/>
+              <a:t>3</a:t>
+            </a:fld>
+            <a:endParaRPr lang="en-US"/>
+          </a:p>
+        </p:txBody>
+      </p:sp>
+    </p:spTree>
+    <p:extLst>
+      <p:ext uri="{BB962C8B-B14F-4D97-AF65-F5344CB8AC3E}">
+        <p14:creationId xmlns:p14="http://schemas.microsoft.com/office/powerpoint/2010/main" val="421730409"/>
+      </p:ext>
+    </p:extLst>
+  </p:cSld>
+  <p:clrMapOvr>
+    <a:masterClrMapping/>
+  </p:clrMapOvr>
+</p:notes>
+</file>
+
+<file path=ppt/notesSlides/notesSlide4.xml><?xml version="1.0" encoding="utf-8"?>
+<p:notes xmlns:a="http://schemas.openxmlformats.org/drawingml/2006/main" xmlns:r="http://schemas.openxmlformats.org/officeDocument/2006/relationships" xmlns:p="http://schemas.openxmlformats.org/presentationml/2006/main">
+  <p:cSld>
+    <p:spTree>
+      <p:nvGrpSpPr>
+        <p:cNvPr id="1" name=""/>
+        <p:cNvGrpSpPr/>
+        <p:nvPr/>
+      </p:nvGrpSpPr>
+      <p:grpSpPr>
+        <a:xfrm>
+          <a:off x="0" y="0"/>
+          <a:ext cx="0" cy="0"/>
+          <a:chOff x="0" y="0"/>
+          <a:chExt cx="0" cy="0"/>
+        </a:xfrm>
+      </p:grpSpPr>
+      <p:sp>
+        <p:nvSpPr>
+          <p:cNvPr id="2" name="Slide Image Placeholder 1"/>
+          <p:cNvSpPr>
+            <a:spLocks noGrp="1" noRot="1" noChangeAspect="1"/>
+          </p:cNvSpPr>
+          <p:nvPr>
+            <p:ph type="sldImg"/>
+          </p:nvPr>
+        </p:nvSpPr>
+        <p:spPr/>
+      </p:sp>
+      <p:sp>
+        <p:nvSpPr>
+          <p:cNvPr id="3" name="Notes Placeholder 2"/>
+          <p:cNvSpPr>
+            <a:spLocks noGrp="1"/>
+          </p:cNvSpPr>
+          <p:nvPr>
+            <p:ph type="body" idx="1"/>
+          </p:nvPr>
+        </p:nvSpPr>
+        <p:spPr/>
+        <p:txBody>
+          <a:bodyPr/>
+          <a:lstStyle/>
+          <a:p>
+            <a:endParaRPr lang="en-US" dirty="0"/>
+          </a:p>
+        </p:txBody>
+      </p:sp>
+      <p:sp>
+        <p:nvSpPr>
+          <p:cNvPr id="4" name="Slide Number Placeholder 3"/>
+          <p:cNvSpPr>
+            <a:spLocks noGrp="1"/>
+          </p:cNvSpPr>
+          <p:nvPr>
+            <p:ph type="sldNum" sz="quarter" idx="5"/>
+          </p:nvPr>
+        </p:nvSpPr>
+        <p:spPr/>
+        <p:txBody>
+          <a:bodyPr/>
+          <a:lstStyle/>
+          <a:p>
+            <a:fld id="{2D03F694-874C-4443-9729-720E4D6038B0}" type="slidenum">
+              <a:rPr lang="en-US" smtClean="0"/>
+              <a:t>4</a:t>
+            </a:fld>
+            <a:endParaRPr lang="en-US"/>
+          </a:p>
+        </p:txBody>
+      </p:sp>
+    </p:spTree>
+    <p:extLst>
+      <p:ext uri="{BB962C8B-B14F-4D97-AF65-F5344CB8AC3E}">
+        <p14:creationId xmlns:p14="http://schemas.microsoft.com/office/powerpoint/2010/main" val="2483895132"/>
+      </p:ext>
+    </p:extLst>
+  </p:cSld>
+  <p:clrMapOvr>
+    <a:masterClrMapping/>
+  </p:clrMapOvr>
+</p:notes>
+</file>
+
 <file path=ppt/slideLayouts/slideLayout1.xml><?xml version="1.0" encoding="utf-8"?>
 <p:sldLayout xmlns:a="http://schemas.openxmlformats.org/drawingml/2006/main" xmlns:r="http://schemas.openxmlformats.org/officeDocument/2006/relationships" xmlns:p="http://schemas.openxmlformats.org/presentationml/2006/main" type="title" preserve="1">
   <p:cSld name="Title Slide">
@@ -775,7 +951,7 @@
           <a:p>
             <a:fld id="{6BDC0DE1-F881-F245-A591-026E6B4F9106}" type="datetimeFigureOut">
               <a:rPr lang="en-US" smtClean="0"/>
-              <a:t>8/6/19</a:t>
+              <a:t>11/12/19</a:t>
             </a:fld>
             <a:endParaRPr lang="en-US"/>
           </a:p>
@@ -973,7 +1149,7 @@
           <a:p>
             <a:fld id="{6BDC0DE1-F881-F245-A591-026E6B4F9106}" type="datetimeFigureOut">
               <a:rPr lang="en-US" smtClean="0"/>
-              <a:t>8/6/19</a:t>
+              <a:t>11/12/19</a:t>
             </a:fld>
             <a:endParaRPr lang="en-US"/>
           </a:p>
@@ -1181,7 +1357,7 @@
           <a:p>
             <a:fld id="{6BDC0DE1-F881-F245-A591-026E6B4F9106}" type="datetimeFigureOut">
               <a:rPr lang="en-US" smtClean="0"/>
-              <a:t>8/6/19</a:t>
+              <a:t>11/12/19</a:t>
             </a:fld>
             <a:endParaRPr lang="en-US"/>
           </a:p>
@@ -1379,7 +1555,7 @@
           <a:p>
             <a:fld id="{6BDC0DE1-F881-F245-A591-026E6B4F9106}" type="datetimeFigureOut">
               <a:rPr lang="en-US" smtClean="0"/>
-              <a:t>8/6/19</a:t>
+              <a:t>11/12/19</a:t>
             </a:fld>
             <a:endParaRPr lang="en-US"/>
           </a:p>
@@ -1654,7 +1830,7 @@
           <a:p>
             <a:fld id="{6BDC0DE1-F881-F245-A591-026E6B4F9106}" type="datetimeFigureOut">
               <a:rPr lang="en-US" smtClean="0"/>
-              <a:t>8/6/19</a:t>
+              <a:t>11/12/19</a:t>
             </a:fld>
             <a:endParaRPr lang="en-US"/>
           </a:p>
@@ -1919,7 +2095,7 @@
           <a:p>
             <a:fld id="{6BDC0DE1-F881-F245-A591-026E6B4F9106}" type="datetimeFigureOut">
               <a:rPr lang="en-US" smtClean="0"/>
-              <a:t>8/6/19</a:t>
+              <a:t>11/12/19</a:t>
             </a:fld>
             <a:endParaRPr lang="en-US"/>
           </a:p>
@@ -2331,7 +2507,7 @@
           <a:p>
             <a:fld id="{6BDC0DE1-F881-F245-A591-026E6B4F9106}" type="datetimeFigureOut">
               <a:rPr lang="en-US" smtClean="0"/>
-              <a:t>8/6/19</a:t>
+              <a:t>11/12/19</a:t>
             </a:fld>
             <a:endParaRPr lang="en-US"/>
           </a:p>
@@ -2472,7 +2648,7 @@
           <a:p>
             <a:fld id="{6BDC0DE1-F881-F245-A591-026E6B4F9106}" type="datetimeFigureOut">
               <a:rPr lang="en-US" smtClean="0"/>
-              <a:t>8/6/19</a:t>
+              <a:t>11/12/19</a:t>
             </a:fld>
             <a:endParaRPr lang="en-US"/>
           </a:p>
@@ -2585,7 +2761,7 @@
           <a:p>
             <a:fld id="{6BDC0DE1-F881-F245-A591-026E6B4F9106}" type="datetimeFigureOut">
               <a:rPr lang="en-US" smtClean="0"/>
-              <a:t>8/6/19</a:t>
+              <a:t>11/12/19</a:t>
             </a:fld>
             <a:endParaRPr lang="en-US"/>
           </a:p>
@@ -2896,7 +3072,7 @@
           <a:p>
             <a:fld id="{6BDC0DE1-F881-F245-A591-026E6B4F9106}" type="datetimeFigureOut">
               <a:rPr lang="en-US" smtClean="0"/>
-              <a:t>8/6/19</a:t>
+              <a:t>11/12/19</a:t>
             </a:fld>
             <a:endParaRPr lang="en-US"/>
           </a:p>
@@ -3184,7 +3360,7 @@
           <a:p>
             <a:fld id="{6BDC0DE1-F881-F245-A591-026E6B4F9106}" type="datetimeFigureOut">
               <a:rPr lang="en-US" smtClean="0"/>
-              <a:t>8/6/19</a:t>
+              <a:t>11/12/19</a:t>
             </a:fld>
             <a:endParaRPr lang="en-US"/>
           </a:p>
@@ -3425,7 +3601,7 @@
           <a:p>
             <a:fld id="{6BDC0DE1-F881-F245-A591-026E6B4F9106}" type="datetimeFigureOut">
               <a:rPr lang="en-US" smtClean="0"/>
-              <a:t>8/6/19</a:t>
+              <a:t>11/12/19</a:t>
             </a:fld>
             <a:endParaRPr lang="en-US"/>
           </a:p>
@@ -6063,6 +6239,77 @@
           </a:p>
         </p:txBody>
       </p:sp>
+      <p:pic>
+        <p:nvPicPr>
+          <p:cNvPr id="64" name="Graphic 63">
+            <a:extLst>
+              <a:ext uri="{FF2B5EF4-FFF2-40B4-BE49-F238E27FC236}">
+                <a16:creationId xmlns:a16="http://schemas.microsoft.com/office/drawing/2014/main" id="{EFCFA4F0-3E05-9642-BE27-CA9B1F7CE522}"/>
+              </a:ext>
+            </a:extLst>
+          </p:cNvPr>
+          <p:cNvPicPr>
+            <a:picLocks noChangeAspect="1"/>
+          </p:cNvPicPr>
+          <p:nvPr/>
+        </p:nvPicPr>
+        <p:blipFill>
+          <a:blip r:embed="rId25">
+            <a:extLst>
+              <a:ext uri="{96DAC541-7B7A-43D3-8B79-37D633B846F1}">
+                <asvg:svgBlip xmlns:asvg="http://schemas.microsoft.com/office/drawing/2016/SVG/main" r:embed="rId26"/>
+              </a:ext>
+            </a:extLst>
+          </a:blip>
+          <a:stretch>
+            <a:fillRect/>
+          </a:stretch>
+        </p:blipFill>
+        <p:spPr>
+          <a:xfrm>
+            <a:off x="8955780" y="4398520"/>
+            <a:ext cx="469900" cy="469900"/>
+          </a:xfrm>
+          <a:prstGeom prst="rect">
+            <a:avLst/>
+          </a:prstGeom>
+        </p:spPr>
+      </p:pic>
+      <p:sp>
+        <p:nvSpPr>
+          <p:cNvPr id="65" name="TextBox 64">
+            <a:extLst>
+              <a:ext uri="{FF2B5EF4-FFF2-40B4-BE49-F238E27FC236}">
+                <a16:creationId xmlns:a16="http://schemas.microsoft.com/office/drawing/2014/main" id="{68D6F9C6-97F5-434C-8110-F5BAFA65773E}"/>
+              </a:ext>
+            </a:extLst>
+          </p:cNvPr>
+          <p:cNvSpPr txBox="1"/>
+          <p:nvPr/>
+        </p:nvSpPr>
+        <p:spPr>
+          <a:xfrm>
+            <a:off x="9047731" y="4430075"/>
+            <a:ext cx="301686" cy="369332"/>
+          </a:xfrm>
+          <a:prstGeom prst="rect">
+            <a:avLst/>
+          </a:prstGeom>
+          <a:noFill/>
+        </p:spPr>
+        <p:txBody>
+          <a:bodyPr wrap="none" rtlCol="0">
+            <a:spAutoFit/>
+          </a:bodyPr>
+          <a:lstStyle/>
+          <a:p>
+            <a:r>
+              <a:rPr lang="en-US" dirty="0"/>
+              <a:t>5</a:t>
+            </a:r>
+          </a:p>
+        </p:txBody>
+      </p:sp>
     </p:spTree>
     <p:extLst>
       <p:ext uri="{BB962C8B-B14F-4D97-AF65-F5344CB8AC3E}">
@@ -8031,6 +8278,6779 @@
     <p:extLst>
       <p:ext uri="{BB962C8B-B14F-4D97-AF65-F5344CB8AC3E}">
         <p14:creationId xmlns:p14="http://schemas.microsoft.com/office/powerpoint/2010/main" val="3328930982"/>
+      </p:ext>
+    </p:extLst>
+  </p:cSld>
+  <p:clrMapOvr>
+    <a:masterClrMapping/>
+  </p:clrMapOvr>
+</p:sld>
+</file>
+
+<file path=ppt/slides/slide3.xml><?xml version="1.0" encoding="utf-8"?>
+<p:sld xmlns:a="http://schemas.openxmlformats.org/drawingml/2006/main" xmlns:r="http://schemas.openxmlformats.org/officeDocument/2006/relationships" xmlns:p="http://schemas.openxmlformats.org/presentationml/2006/main">
+  <p:cSld>
+    <p:spTree>
+      <p:nvGrpSpPr>
+        <p:cNvPr id="1" name=""/>
+        <p:cNvGrpSpPr/>
+        <p:nvPr/>
+      </p:nvGrpSpPr>
+      <p:grpSpPr>
+        <a:xfrm>
+          <a:off x="0" y="0"/>
+          <a:ext cx="0" cy="0"/>
+          <a:chOff x="0" y="0"/>
+          <a:chExt cx="0" cy="0"/>
+        </a:xfrm>
+      </p:grpSpPr>
+      <p:sp>
+        <p:nvSpPr>
+          <p:cNvPr id="20" name="Rectangle 19">
+            <a:extLst>
+              <a:ext uri="{FF2B5EF4-FFF2-40B4-BE49-F238E27FC236}">
+                <a16:creationId xmlns:a16="http://schemas.microsoft.com/office/drawing/2014/main" id="{AD20CEF3-4420-434A-9D90-2DEB17DFCB77}"/>
+              </a:ext>
+            </a:extLst>
+          </p:cNvPr>
+          <p:cNvSpPr/>
+          <p:nvPr/>
+        </p:nvSpPr>
+        <p:spPr>
+          <a:xfrm>
+            <a:off x="1603605" y="1359907"/>
+            <a:ext cx="5032676" cy="3832569"/>
+          </a:xfrm>
+          <a:prstGeom prst="rect">
+            <a:avLst/>
+          </a:prstGeom>
+          <a:solidFill>
+            <a:srgbClr val="007CBC">
+              <a:alpha val="9804"/>
+            </a:srgbClr>
+          </a:solidFill>
+          <a:ln w="12700">
+            <a:noFill/>
+            <a:prstDash val="dash"/>
+          </a:ln>
+        </p:spPr>
+        <p:style>
+          <a:lnRef idx="2">
+            <a:schemeClr val="accent1">
+              <a:shade val="50000"/>
+            </a:schemeClr>
+          </a:lnRef>
+          <a:fillRef idx="1">
+            <a:schemeClr val="accent1"/>
+          </a:fillRef>
+          <a:effectRef idx="0">
+            <a:schemeClr val="accent1"/>
+          </a:effectRef>
+          <a:fontRef idx="minor">
+            <a:schemeClr val="lt1"/>
+          </a:fontRef>
+        </p:style>
+        <p:txBody>
+          <a:bodyPr rot="0" spcFirstLastPara="0" vertOverflow="overflow" horzOverflow="overflow" vert="horz" wrap="square" lIns="338328" tIns="45720" rIns="91440" bIns="45720" numCol="1" spcCol="0" rtlCol="0" fromWordArt="0" anchor="t" anchorCtr="0" forceAA="0" compatLnSpc="1">
+            <a:prstTxWarp prst="textNoShape">
+              <a:avLst/>
+            </a:prstTxWarp>
+            <a:noAutofit/>
+          </a:bodyPr>
+          <a:lstStyle/>
+          <a:p>
+            <a:pPr algn="l"/>
+            <a:endParaRPr lang="en-US" sz="1200" dirty="0">
+              <a:solidFill>
+                <a:schemeClr val="accent3"/>
+              </a:solidFill>
+            </a:endParaRPr>
+          </a:p>
+        </p:txBody>
+      </p:sp>
+      <p:sp>
+        <p:nvSpPr>
+          <p:cNvPr id="4" name="Rectangle 3">
+            <a:extLst>
+              <a:ext uri="{FF2B5EF4-FFF2-40B4-BE49-F238E27FC236}">
+                <a16:creationId xmlns:a16="http://schemas.microsoft.com/office/drawing/2014/main" id="{352AB74B-8A19-8D4E-A3FE-E1CB28F92C03}"/>
+              </a:ext>
+            </a:extLst>
+          </p:cNvPr>
+          <p:cNvSpPr/>
+          <p:nvPr/>
+        </p:nvSpPr>
+        <p:spPr>
+          <a:xfrm>
+            <a:off x="1277353" y="1018995"/>
+            <a:ext cx="5686558" cy="4496211"/>
+          </a:xfrm>
+          <a:prstGeom prst="rect">
+            <a:avLst/>
+          </a:prstGeom>
+          <a:noFill/>
+          <a:ln w="12700">
+            <a:solidFill>
+              <a:schemeClr val="accent5"/>
+            </a:solidFill>
+          </a:ln>
+        </p:spPr>
+        <p:style>
+          <a:lnRef idx="2">
+            <a:schemeClr val="accent1">
+              <a:shade val="50000"/>
+            </a:schemeClr>
+          </a:lnRef>
+          <a:fillRef idx="1">
+            <a:schemeClr val="accent1"/>
+          </a:fillRef>
+          <a:effectRef idx="0">
+            <a:schemeClr val="accent1"/>
+          </a:effectRef>
+          <a:fontRef idx="minor">
+            <a:schemeClr val="lt1"/>
+          </a:fontRef>
+        </p:style>
+        <p:txBody>
+          <a:bodyPr rot="0" spcFirstLastPara="0" vertOverflow="overflow" horzOverflow="overflow" vert="horz" wrap="square" lIns="457200" tIns="91440" rIns="91440" bIns="45720" numCol="1" spcCol="0" rtlCol="0" fromWordArt="0" anchor="t" anchorCtr="0" forceAA="0" compatLnSpc="1">
+            <a:prstTxWarp prst="textNoShape">
+              <a:avLst/>
+            </a:prstTxWarp>
+            <a:noAutofit/>
+          </a:bodyPr>
+          <a:lstStyle/>
+          <a:p>
+            <a:pPr algn="l"/>
+            <a:endParaRPr lang="en-US" sz="1200" dirty="0">
+              <a:ln w="0"/>
+              <a:solidFill>
+                <a:schemeClr val="accent5"/>
+              </a:solidFill>
+            </a:endParaRPr>
+          </a:p>
+        </p:txBody>
+      </p:sp>
+      <p:pic>
+        <p:nvPicPr>
+          <p:cNvPr id="5" name="Graphic 4">
+            <a:extLst>
+              <a:ext uri="{FF2B5EF4-FFF2-40B4-BE49-F238E27FC236}">
+                <a16:creationId xmlns:a16="http://schemas.microsoft.com/office/drawing/2014/main" id="{44660AE2-3083-AA4B-B6A3-4A1D8FA53D26}"/>
+              </a:ext>
+            </a:extLst>
+          </p:cNvPr>
+          <p:cNvPicPr>
+            <a:picLocks noChangeAspect="1"/>
+          </p:cNvPicPr>
+          <p:nvPr/>
+        </p:nvPicPr>
+        <p:blipFill>
+          <a:blip r:embed="rId3">
+            <a:extLst>
+              <a:ext uri="{96DAC541-7B7A-43D3-8B79-37D633B846F1}">
+                <asvg:svgBlip xmlns:asvg="http://schemas.microsoft.com/office/drawing/2016/SVG/main" r:embed="rId4"/>
+              </a:ext>
+            </a:extLst>
+          </a:blip>
+          <a:stretch>
+            <a:fillRect/>
+          </a:stretch>
+        </p:blipFill>
+        <p:spPr>
+          <a:xfrm>
+            <a:off x="1277353" y="1018996"/>
+            <a:ext cx="330200" cy="330200"/>
+          </a:xfrm>
+          <a:prstGeom prst="rect">
+            <a:avLst/>
+          </a:prstGeom>
+        </p:spPr>
+      </p:pic>
+      <p:pic>
+        <p:nvPicPr>
+          <p:cNvPr id="6" name="Graphic 5">
+            <a:extLst>
+              <a:ext uri="{FF2B5EF4-FFF2-40B4-BE49-F238E27FC236}">
+                <a16:creationId xmlns:a16="http://schemas.microsoft.com/office/drawing/2014/main" id="{B1686650-CD67-694D-92DC-1795FA4E977F}"/>
+              </a:ext>
+            </a:extLst>
+          </p:cNvPr>
+          <p:cNvPicPr>
+            <a:picLocks noChangeAspect="1"/>
+          </p:cNvPicPr>
+          <p:nvPr/>
+        </p:nvPicPr>
+        <p:blipFill>
+          <a:blip r:embed="rId5">
+            <a:extLst>
+              <a:ext uri="{96DAC541-7B7A-43D3-8B79-37D633B846F1}">
+                <asvg:svgBlip xmlns:asvg="http://schemas.microsoft.com/office/drawing/2016/SVG/main" r:embed="rId6"/>
+              </a:ext>
+            </a:extLst>
+          </a:blip>
+          <a:stretch>
+            <a:fillRect/>
+          </a:stretch>
+        </p:blipFill>
+        <p:spPr>
+          <a:xfrm>
+            <a:off x="947153" y="688796"/>
+            <a:ext cx="330200" cy="330200"/>
+          </a:xfrm>
+          <a:prstGeom prst="rect">
+            <a:avLst/>
+          </a:prstGeom>
+        </p:spPr>
+      </p:pic>
+      <p:sp>
+        <p:nvSpPr>
+          <p:cNvPr id="7" name="Rectangle 6">
+            <a:extLst>
+              <a:ext uri="{FF2B5EF4-FFF2-40B4-BE49-F238E27FC236}">
+                <a16:creationId xmlns:a16="http://schemas.microsoft.com/office/drawing/2014/main" id="{C0E312F0-178B-4349-891D-0B5A24953F2B}"/>
+              </a:ext>
+            </a:extLst>
+          </p:cNvPr>
+          <p:cNvSpPr/>
+          <p:nvPr/>
+        </p:nvSpPr>
+        <p:spPr>
+          <a:xfrm>
+            <a:off x="947152" y="688796"/>
+            <a:ext cx="8376389" cy="5480407"/>
+          </a:xfrm>
+          <a:prstGeom prst="rect">
+            <a:avLst/>
+          </a:prstGeom>
+          <a:noFill/>
+          <a:ln w="12700">
+            <a:solidFill>
+              <a:schemeClr val="tx1"/>
+            </a:solidFill>
+          </a:ln>
+        </p:spPr>
+        <p:style>
+          <a:lnRef idx="2">
+            <a:schemeClr val="accent1">
+              <a:shade val="50000"/>
+            </a:schemeClr>
+          </a:lnRef>
+          <a:fillRef idx="1">
+            <a:schemeClr val="accent1"/>
+          </a:fillRef>
+          <a:effectRef idx="0">
+            <a:schemeClr val="accent1"/>
+          </a:effectRef>
+          <a:fontRef idx="minor">
+            <a:schemeClr val="lt1"/>
+          </a:fontRef>
+        </p:style>
+        <p:txBody>
+          <a:bodyPr rot="0" spcFirstLastPara="0" vertOverflow="overflow" horzOverflow="overflow" vert="horz" wrap="square" lIns="457200" tIns="91440" rIns="91440" bIns="45720" numCol="1" spcCol="0" rtlCol="0" fromWordArt="0" anchor="t" anchorCtr="0" forceAA="0" compatLnSpc="1">
+            <a:prstTxWarp prst="textNoShape">
+              <a:avLst/>
+            </a:prstTxWarp>
+            <a:noAutofit/>
+          </a:bodyPr>
+          <a:lstStyle/>
+          <a:p>
+            <a:pPr algn="l"/>
+            <a:endParaRPr lang="en-US" sz="1200" dirty="0">
+              <a:ln w="0"/>
+              <a:solidFill>
+                <a:sysClr val="windowText" lastClr="000000"/>
+              </a:solidFill>
+            </a:endParaRPr>
+          </a:p>
+        </p:txBody>
+      </p:sp>
+      <p:pic>
+        <p:nvPicPr>
+          <p:cNvPr id="9" name="Graphic 8">
+            <a:extLst>
+              <a:ext uri="{FF2B5EF4-FFF2-40B4-BE49-F238E27FC236}">
+                <a16:creationId xmlns:a16="http://schemas.microsoft.com/office/drawing/2014/main" id="{02879F90-254C-844F-94E7-7854E43AD1C8}"/>
+              </a:ext>
+            </a:extLst>
+          </p:cNvPr>
+          <p:cNvPicPr>
+            <a:picLocks noChangeAspect="1"/>
+          </p:cNvPicPr>
+          <p:nvPr/>
+        </p:nvPicPr>
+        <p:blipFill>
+          <a:blip r:embed="rId7">
+            <a:extLst>
+              <a:ext uri="{96DAC541-7B7A-43D3-8B79-37D633B846F1}">
+                <asvg:svgBlip xmlns:asvg="http://schemas.microsoft.com/office/drawing/2016/SVG/main" r:embed="rId8"/>
+              </a:ext>
+            </a:extLst>
+          </a:blip>
+          <a:stretch>
+            <a:fillRect/>
+          </a:stretch>
+        </p:blipFill>
+        <p:spPr>
+          <a:xfrm>
+            <a:off x="6973488" y="973482"/>
+            <a:ext cx="914400" cy="914400"/>
+          </a:xfrm>
+          <a:prstGeom prst="rect">
+            <a:avLst/>
+          </a:prstGeom>
+        </p:spPr>
+      </p:pic>
+      <p:pic>
+        <p:nvPicPr>
+          <p:cNvPr id="10" name="Graphic 9">
+            <a:extLst>
+              <a:ext uri="{FF2B5EF4-FFF2-40B4-BE49-F238E27FC236}">
+                <a16:creationId xmlns:a16="http://schemas.microsoft.com/office/drawing/2014/main" id="{42F3A835-E0A9-AD4B-A26B-3128CD099FF7}"/>
+              </a:ext>
+            </a:extLst>
+          </p:cNvPr>
+          <p:cNvPicPr>
+            <a:picLocks noChangeAspect="1"/>
+          </p:cNvPicPr>
+          <p:nvPr/>
+        </p:nvPicPr>
+        <p:blipFill>
+          <a:blip r:embed="rId9">
+            <a:extLst>
+              <a:ext uri="{96DAC541-7B7A-43D3-8B79-37D633B846F1}">
+                <asvg:svgBlip xmlns:asvg="http://schemas.microsoft.com/office/drawing/2016/SVG/main" r:embed="rId10"/>
+              </a:ext>
+            </a:extLst>
+          </a:blip>
+          <a:stretch>
+            <a:fillRect/>
+          </a:stretch>
+        </p:blipFill>
+        <p:spPr>
+          <a:xfrm>
+            <a:off x="8358969" y="973482"/>
+            <a:ext cx="914400" cy="914400"/>
+          </a:xfrm>
+          <a:prstGeom prst="rect">
+            <a:avLst/>
+          </a:prstGeom>
+        </p:spPr>
+      </p:pic>
+      <p:pic>
+        <p:nvPicPr>
+          <p:cNvPr id="11" name="Graphic 10">
+            <a:extLst>
+              <a:ext uri="{FF2B5EF4-FFF2-40B4-BE49-F238E27FC236}">
+                <a16:creationId xmlns:a16="http://schemas.microsoft.com/office/drawing/2014/main" id="{55BA43DA-400D-BC41-9608-F91822B023AF}"/>
+              </a:ext>
+            </a:extLst>
+          </p:cNvPr>
+          <p:cNvPicPr>
+            <a:picLocks noChangeAspect="1"/>
+          </p:cNvPicPr>
+          <p:nvPr/>
+        </p:nvPicPr>
+        <p:blipFill>
+          <a:blip r:embed="rId11">
+            <a:extLst>
+              <a:ext uri="{96DAC541-7B7A-43D3-8B79-37D633B846F1}">
+                <asvg:svgBlip xmlns:asvg="http://schemas.microsoft.com/office/drawing/2016/SVG/main" r:embed="rId12"/>
+              </a:ext>
+            </a:extLst>
+          </a:blip>
+          <a:stretch>
+            <a:fillRect/>
+          </a:stretch>
+        </p:blipFill>
+        <p:spPr>
+          <a:xfrm>
+            <a:off x="7615117" y="2649010"/>
+            <a:ext cx="914400" cy="914400"/>
+          </a:xfrm>
+          <a:prstGeom prst="rect">
+            <a:avLst/>
+          </a:prstGeom>
+        </p:spPr>
+      </p:pic>
+      <p:pic>
+        <p:nvPicPr>
+          <p:cNvPr id="12" name="Graphic 11">
+            <a:extLst>
+              <a:ext uri="{FF2B5EF4-FFF2-40B4-BE49-F238E27FC236}">
+                <a16:creationId xmlns:a16="http://schemas.microsoft.com/office/drawing/2014/main" id="{1C56465D-BAC0-DE44-857D-C10E76348939}"/>
+              </a:ext>
+            </a:extLst>
+          </p:cNvPr>
+          <p:cNvPicPr>
+            <a:picLocks noChangeAspect="1"/>
+          </p:cNvPicPr>
+          <p:nvPr/>
+        </p:nvPicPr>
+        <p:blipFill>
+          <a:blip r:embed="rId13">
+            <a:extLst>
+              <a:ext uri="{96DAC541-7B7A-43D3-8B79-37D633B846F1}">
+                <asvg:svgBlip xmlns:asvg="http://schemas.microsoft.com/office/drawing/2016/SVG/main" r:embed="rId14"/>
+              </a:ext>
+            </a:extLst>
+          </a:blip>
+          <a:stretch>
+            <a:fillRect/>
+          </a:stretch>
+        </p:blipFill>
+        <p:spPr>
+          <a:xfrm>
+            <a:off x="8358969" y="4370783"/>
+            <a:ext cx="914400" cy="914400"/>
+          </a:xfrm>
+          <a:prstGeom prst="rect">
+            <a:avLst/>
+          </a:prstGeom>
+        </p:spPr>
+      </p:pic>
+      <p:pic>
+        <p:nvPicPr>
+          <p:cNvPr id="13" name="Graphic 12">
+            <a:extLst>
+              <a:ext uri="{FF2B5EF4-FFF2-40B4-BE49-F238E27FC236}">
+                <a16:creationId xmlns:a16="http://schemas.microsoft.com/office/drawing/2014/main" id="{8042BCAF-8645-7241-9551-A393C2B08F46}"/>
+              </a:ext>
+            </a:extLst>
+          </p:cNvPr>
+          <p:cNvPicPr>
+            <a:picLocks noChangeAspect="1"/>
+          </p:cNvPicPr>
+          <p:nvPr/>
+        </p:nvPicPr>
+        <p:blipFill>
+          <a:blip r:embed="rId15">
+            <a:extLst>
+              <a:ext uri="{96DAC541-7B7A-43D3-8B79-37D633B846F1}">
+                <asvg:svgBlip xmlns:asvg="http://schemas.microsoft.com/office/drawing/2016/SVG/main" r:embed="rId16"/>
+              </a:ext>
+            </a:extLst>
+          </a:blip>
+          <a:stretch>
+            <a:fillRect/>
+          </a:stretch>
+        </p:blipFill>
+        <p:spPr>
+          <a:xfrm>
+            <a:off x="6973488" y="4362423"/>
+            <a:ext cx="914400" cy="914400"/>
+          </a:xfrm>
+          <a:prstGeom prst="rect">
+            <a:avLst/>
+          </a:prstGeom>
+        </p:spPr>
+      </p:pic>
+      <p:pic>
+        <p:nvPicPr>
+          <p:cNvPr id="15" name="Graphic 14">
+            <a:extLst>
+              <a:ext uri="{FF2B5EF4-FFF2-40B4-BE49-F238E27FC236}">
+                <a16:creationId xmlns:a16="http://schemas.microsoft.com/office/drawing/2014/main" id="{AC0D243B-EB4B-E04E-9C4B-B0EAED1706B9}"/>
+              </a:ext>
+            </a:extLst>
+          </p:cNvPr>
+          <p:cNvPicPr>
+            <a:picLocks noChangeAspect="1"/>
+          </p:cNvPicPr>
+          <p:nvPr/>
+        </p:nvPicPr>
+        <p:blipFill>
+          <a:blip r:embed="rId17">
+            <a:extLst>
+              <a:ext uri="{96DAC541-7B7A-43D3-8B79-37D633B846F1}">
+                <asvg:svgBlip xmlns:asvg="http://schemas.microsoft.com/office/drawing/2016/SVG/main" r:embed="rId18"/>
+              </a:ext>
+            </a:extLst>
+          </a:blip>
+          <a:stretch>
+            <a:fillRect/>
+          </a:stretch>
+        </p:blipFill>
+        <p:spPr>
+          <a:xfrm>
+            <a:off x="1877925" y="2528015"/>
+            <a:ext cx="1645088" cy="1371600"/>
+          </a:xfrm>
+          <a:prstGeom prst="rect">
+            <a:avLst/>
+          </a:prstGeom>
+        </p:spPr>
+      </p:pic>
+      <p:pic>
+        <p:nvPicPr>
+          <p:cNvPr id="16" name="Graphic 15">
+            <a:extLst>
+              <a:ext uri="{FF2B5EF4-FFF2-40B4-BE49-F238E27FC236}">
+                <a16:creationId xmlns:a16="http://schemas.microsoft.com/office/drawing/2014/main" id="{0A241AE2-5132-7F43-B824-307096105B14}"/>
+              </a:ext>
+            </a:extLst>
+          </p:cNvPr>
+          <p:cNvPicPr>
+            <a:picLocks noChangeAspect="1"/>
+          </p:cNvPicPr>
+          <p:nvPr/>
+        </p:nvPicPr>
+        <p:blipFill>
+          <a:blip r:embed="rId19">
+            <a:extLst>
+              <a:ext uri="{96DAC541-7B7A-43D3-8B79-37D633B846F1}">
+                <asvg:svgBlip xmlns:asvg="http://schemas.microsoft.com/office/drawing/2016/SVG/main" r:embed="rId20"/>
+              </a:ext>
+            </a:extLst>
+          </a:blip>
+          <a:stretch>
+            <a:fillRect/>
+          </a:stretch>
+        </p:blipFill>
+        <p:spPr>
+          <a:xfrm>
+            <a:off x="5025438" y="1501722"/>
+            <a:ext cx="914400" cy="914400"/>
+          </a:xfrm>
+          <a:prstGeom prst="rect">
+            <a:avLst/>
+          </a:prstGeom>
+        </p:spPr>
+      </p:pic>
+      <p:pic>
+        <p:nvPicPr>
+          <p:cNvPr id="17" name="Graphic 16">
+            <a:extLst>
+              <a:ext uri="{FF2B5EF4-FFF2-40B4-BE49-F238E27FC236}">
+                <a16:creationId xmlns:a16="http://schemas.microsoft.com/office/drawing/2014/main" id="{EA29E976-EF2E-6448-B49D-717C911FC69C}"/>
+              </a:ext>
+            </a:extLst>
+          </p:cNvPr>
+          <p:cNvPicPr>
+            <a:picLocks noChangeAspect="1"/>
+          </p:cNvPicPr>
+          <p:nvPr/>
+        </p:nvPicPr>
+        <p:blipFill>
+          <a:blip r:embed="rId21">
+            <a:extLst>
+              <a:ext uri="{96DAC541-7B7A-43D3-8B79-37D633B846F1}">
+                <asvg:svgBlip xmlns:asvg="http://schemas.microsoft.com/office/drawing/2016/SVG/main" r:embed="rId22"/>
+              </a:ext>
+            </a:extLst>
+          </a:blip>
+          <a:stretch>
+            <a:fillRect/>
+          </a:stretch>
+        </p:blipFill>
+        <p:spPr>
+          <a:xfrm>
+            <a:off x="10694906" y="4362423"/>
+            <a:ext cx="914400" cy="914400"/>
+          </a:xfrm>
+          <a:prstGeom prst="rect">
+            <a:avLst/>
+          </a:prstGeom>
+        </p:spPr>
+      </p:pic>
+      <p:sp>
+        <p:nvSpPr>
+          <p:cNvPr id="18" name="TextBox 17">
+            <a:extLst>
+              <a:ext uri="{FF2B5EF4-FFF2-40B4-BE49-F238E27FC236}">
+                <a16:creationId xmlns:a16="http://schemas.microsoft.com/office/drawing/2014/main" id="{3853B9A6-4B6B-A14F-98C7-4500A0A13C8E}"/>
+              </a:ext>
+            </a:extLst>
+          </p:cNvPr>
+          <p:cNvSpPr txBox="1"/>
+          <p:nvPr/>
+        </p:nvSpPr>
+        <p:spPr>
+          <a:xfrm>
+            <a:off x="1225880" y="709383"/>
+            <a:ext cx="514885" cy="276999"/>
+          </a:xfrm>
+          <a:prstGeom prst="rect">
+            <a:avLst/>
+          </a:prstGeom>
+          <a:noFill/>
+        </p:spPr>
+        <p:txBody>
+          <a:bodyPr wrap="none" rtlCol="0">
+            <a:spAutoFit/>
+          </a:bodyPr>
+          <a:lstStyle/>
+          <a:p>
+            <a:r>
+              <a:rPr lang="en-US" sz="1200" dirty="0">
+                <a:latin typeface="Amazon Ember" panose="020B0603020204020204" pitchFamily="34" charset="0"/>
+                <a:ea typeface="Amazon Ember" panose="020B0603020204020204" pitchFamily="34" charset="0"/>
+                <a:cs typeface="Amazon Ember" panose="020B0603020204020204" pitchFamily="34" charset="0"/>
+              </a:rPr>
+              <a:t>AWS</a:t>
+            </a:r>
+          </a:p>
+        </p:txBody>
+      </p:sp>
+      <p:sp>
+        <p:nvSpPr>
+          <p:cNvPr id="19" name="TextBox 18">
+            <a:extLst>
+              <a:ext uri="{FF2B5EF4-FFF2-40B4-BE49-F238E27FC236}">
+                <a16:creationId xmlns:a16="http://schemas.microsoft.com/office/drawing/2014/main" id="{B17227A5-2A94-3F42-B34B-9FA0370D04EA}"/>
+              </a:ext>
+            </a:extLst>
+          </p:cNvPr>
+          <p:cNvSpPr txBox="1"/>
+          <p:nvPr/>
+        </p:nvSpPr>
+        <p:spPr>
+          <a:xfrm>
+            <a:off x="1564891" y="1062243"/>
+            <a:ext cx="468398" cy="276999"/>
+          </a:xfrm>
+          <a:prstGeom prst="rect">
+            <a:avLst/>
+          </a:prstGeom>
+          <a:noFill/>
+        </p:spPr>
+        <p:txBody>
+          <a:bodyPr wrap="none" rtlCol="0">
+            <a:spAutoFit/>
+          </a:bodyPr>
+          <a:lstStyle/>
+          <a:p>
+            <a:r>
+              <a:rPr lang="en-US" sz="1200" dirty="0">
+                <a:latin typeface="Amazon Ember" panose="020B0603020204020204" pitchFamily="34" charset="0"/>
+                <a:ea typeface="Amazon Ember" panose="020B0603020204020204" pitchFamily="34" charset="0"/>
+                <a:cs typeface="Amazon Ember" panose="020B0603020204020204" pitchFamily="34" charset="0"/>
+              </a:rPr>
+              <a:t>VPC</a:t>
+            </a:r>
+          </a:p>
+        </p:txBody>
+      </p:sp>
+      <p:pic>
+        <p:nvPicPr>
+          <p:cNvPr id="21" name="Graphic 20">
+            <a:extLst>
+              <a:ext uri="{FF2B5EF4-FFF2-40B4-BE49-F238E27FC236}">
+                <a16:creationId xmlns:a16="http://schemas.microsoft.com/office/drawing/2014/main" id="{777409BF-3B04-8D46-8ED6-A4EFCFABDC11}"/>
+              </a:ext>
+            </a:extLst>
+          </p:cNvPr>
+          <p:cNvPicPr>
+            <a:picLocks noChangeAspect="1"/>
+          </p:cNvPicPr>
+          <p:nvPr/>
+        </p:nvPicPr>
+        <p:blipFill>
+          <a:blip r:embed="rId23">
+            <a:extLst>
+              <a:ext uri="{96DAC541-7B7A-43D3-8B79-37D633B846F1}">
+                <asvg:svgBlip xmlns:asvg="http://schemas.microsoft.com/office/drawing/2016/SVG/main" r:embed="rId24"/>
+              </a:ext>
+            </a:extLst>
+          </a:blip>
+          <a:stretch>
+            <a:fillRect/>
+          </a:stretch>
+        </p:blipFill>
+        <p:spPr>
+          <a:xfrm>
+            <a:off x="1603605" y="1357549"/>
+            <a:ext cx="274320" cy="274320"/>
+          </a:xfrm>
+          <a:prstGeom prst="rect">
+            <a:avLst/>
+          </a:prstGeom>
+        </p:spPr>
+      </p:pic>
+      <p:sp>
+        <p:nvSpPr>
+          <p:cNvPr id="22" name="TextBox 21">
+            <a:extLst>
+              <a:ext uri="{FF2B5EF4-FFF2-40B4-BE49-F238E27FC236}">
+                <a16:creationId xmlns:a16="http://schemas.microsoft.com/office/drawing/2014/main" id="{81FEB260-E897-184E-9FFA-152603C3AD47}"/>
+              </a:ext>
+            </a:extLst>
+          </p:cNvPr>
+          <p:cNvSpPr txBox="1"/>
+          <p:nvPr/>
+        </p:nvSpPr>
+        <p:spPr>
+          <a:xfrm>
+            <a:off x="1836529" y="1363223"/>
+            <a:ext cx="1213794" cy="276999"/>
+          </a:xfrm>
+          <a:prstGeom prst="rect">
+            <a:avLst/>
+          </a:prstGeom>
+          <a:noFill/>
+        </p:spPr>
+        <p:txBody>
+          <a:bodyPr wrap="none" rtlCol="0">
+            <a:spAutoFit/>
+          </a:bodyPr>
+          <a:lstStyle/>
+          <a:p>
+            <a:r>
+              <a:rPr lang="en-US" sz="1200" dirty="0">
+                <a:latin typeface="Amazon Ember" panose="020B0603020204020204" pitchFamily="34" charset="0"/>
+                <a:ea typeface="Amazon Ember" panose="020B0603020204020204" pitchFamily="34" charset="0"/>
+                <a:cs typeface="Amazon Ember" panose="020B0603020204020204" pitchFamily="34" charset="0"/>
+              </a:rPr>
+              <a:t>Private Subnet</a:t>
+            </a:r>
+          </a:p>
+        </p:txBody>
+      </p:sp>
+      <p:sp>
+        <p:nvSpPr>
+          <p:cNvPr id="23" name="TextBox 22">
+            <a:extLst>
+              <a:ext uri="{FF2B5EF4-FFF2-40B4-BE49-F238E27FC236}">
+                <a16:creationId xmlns:a16="http://schemas.microsoft.com/office/drawing/2014/main" id="{0C58BD56-E751-6641-8F7C-55453C858C9D}"/>
+              </a:ext>
+            </a:extLst>
+          </p:cNvPr>
+          <p:cNvSpPr txBox="1"/>
+          <p:nvPr/>
+        </p:nvSpPr>
+        <p:spPr>
+          <a:xfrm>
+            <a:off x="2109678" y="2988626"/>
+            <a:ext cx="1159292" cy="461665"/>
+          </a:xfrm>
+          <a:prstGeom prst="rect">
+            <a:avLst/>
+          </a:prstGeom>
+          <a:noFill/>
+        </p:spPr>
+        <p:txBody>
+          <a:bodyPr wrap="none" rtlCol="0">
+            <a:spAutoFit/>
+          </a:bodyPr>
+          <a:lstStyle/>
+          <a:p>
+            <a:r>
+              <a:rPr lang="en-US" sz="1200" dirty="0">
+                <a:latin typeface="Amazon Ember" panose="020B0603020204020204" pitchFamily="34" charset="0"/>
+                <a:ea typeface="Amazon Ember" panose="020B0603020204020204" pitchFamily="34" charset="0"/>
+                <a:cs typeface="Amazon Ember" panose="020B0603020204020204" pitchFamily="34" charset="0"/>
+              </a:rPr>
+              <a:t>Compromised</a:t>
+            </a:r>
+          </a:p>
+          <a:p>
+            <a:pPr algn="ctr"/>
+            <a:r>
+              <a:rPr lang="en-US" sz="1200" dirty="0">
+                <a:latin typeface="Amazon Ember" panose="020B0603020204020204" pitchFamily="34" charset="0"/>
+                <a:ea typeface="Amazon Ember" panose="020B0603020204020204" pitchFamily="34" charset="0"/>
+                <a:cs typeface="Amazon Ember" panose="020B0603020204020204" pitchFamily="34" charset="0"/>
+              </a:rPr>
+              <a:t>Instance</a:t>
+            </a:r>
+          </a:p>
+        </p:txBody>
+      </p:sp>
+      <p:pic>
+        <p:nvPicPr>
+          <p:cNvPr id="24" name="Graphic 23">
+            <a:extLst>
+              <a:ext uri="{FF2B5EF4-FFF2-40B4-BE49-F238E27FC236}">
+                <a16:creationId xmlns:a16="http://schemas.microsoft.com/office/drawing/2014/main" id="{15B90226-D6CA-2D4F-B891-8D6EF660EB73}"/>
+              </a:ext>
+            </a:extLst>
+          </p:cNvPr>
+          <p:cNvPicPr>
+            <a:picLocks noChangeAspect="1"/>
+          </p:cNvPicPr>
+          <p:nvPr/>
+        </p:nvPicPr>
+        <p:blipFill>
+          <a:blip r:embed="rId17">
+            <a:extLst>
+              <a:ext uri="{96DAC541-7B7A-43D3-8B79-37D633B846F1}">
+                <asvg:svgBlip xmlns:asvg="http://schemas.microsoft.com/office/drawing/2016/SVG/main" r:embed="rId18"/>
+              </a:ext>
+            </a:extLst>
+          </a:blip>
+          <a:stretch>
+            <a:fillRect/>
+          </a:stretch>
+        </p:blipFill>
+        <p:spPr>
+          <a:xfrm>
+            <a:off x="4660094" y="2528015"/>
+            <a:ext cx="1645088" cy="1371600"/>
+          </a:xfrm>
+          <a:prstGeom prst="rect">
+            <a:avLst/>
+          </a:prstGeom>
+        </p:spPr>
+      </p:pic>
+      <p:sp>
+        <p:nvSpPr>
+          <p:cNvPr id="25" name="TextBox 24">
+            <a:extLst>
+              <a:ext uri="{FF2B5EF4-FFF2-40B4-BE49-F238E27FC236}">
+                <a16:creationId xmlns:a16="http://schemas.microsoft.com/office/drawing/2014/main" id="{9485E412-218E-4445-925F-5C2936601208}"/>
+              </a:ext>
+            </a:extLst>
+          </p:cNvPr>
+          <p:cNvSpPr txBox="1"/>
+          <p:nvPr/>
+        </p:nvSpPr>
+        <p:spPr>
+          <a:xfrm>
+            <a:off x="4891847" y="2988626"/>
+            <a:ext cx="1143150" cy="461665"/>
+          </a:xfrm>
+          <a:prstGeom prst="rect">
+            <a:avLst/>
+          </a:prstGeom>
+          <a:noFill/>
+        </p:spPr>
+        <p:txBody>
+          <a:bodyPr wrap="square" rtlCol="0">
+            <a:spAutoFit/>
+          </a:bodyPr>
+          <a:lstStyle/>
+          <a:p>
+            <a:pPr algn="ctr"/>
+            <a:r>
+              <a:rPr lang="en-US" sz="1200" dirty="0">
+                <a:latin typeface="Amazon Ember" panose="020B0603020204020204" pitchFamily="34" charset="0"/>
+                <a:ea typeface="Amazon Ember" panose="020B0603020204020204" pitchFamily="34" charset="0"/>
+                <a:cs typeface="Amazon Ember" panose="020B0603020204020204" pitchFamily="34" charset="0"/>
+              </a:rPr>
+              <a:t>Malicious</a:t>
+            </a:r>
+          </a:p>
+          <a:p>
+            <a:pPr algn="ctr"/>
+            <a:r>
+              <a:rPr lang="en-US" sz="1200" dirty="0">
+                <a:latin typeface="Amazon Ember" panose="020B0603020204020204" pitchFamily="34" charset="0"/>
+                <a:ea typeface="Amazon Ember" panose="020B0603020204020204" pitchFamily="34" charset="0"/>
+                <a:cs typeface="Amazon Ember" panose="020B0603020204020204" pitchFamily="34" charset="0"/>
+              </a:rPr>
+              <a:t>Instance</a:t>
+            </a:r>
+          </a:p>
+        </p:txBody>
+      </p:sp>
+      <p:sp>
+        <p:nvSpPr>
+          <p:cNvPr id="26" name="TextBox 25">
+            <a:extLst>
+              <a:ext uri="{FF2B5EF4-FFF2-40B4-BE49-F238E27FC236}">
+                <a16:creationId xmlns:a16="http://schemas.microsoft.com/office/drawing/2014/main" id="{487358D7-051F-E140-AE17-B250D6AA7BFC}"/>
+              </a:ext>
+            </a:extLst>
+          </p:cNvPr>
+          <p:cNvSpPr txBox="1"/>
+          <p:nvPr/>
+        </p:nvSpPr>
+        <p:spPr>
+          <a:xfrm>
+            <a:off x="4926345" y="2064493"/>
+            <a:ext cx="1143150" cy="461665"/>
+          </a:xfrm>
+          <a:prstGeom prst="rect">
+            <a:avLst/>
+          </a:prstGeom>
+          <a:noFill/>
+        </p:spPr>
+        <p:txBody>
+          <a:bodyPr wrap="square" rtlCol="0">
+            <a:spAutoFit/>
+          </a:bodyPr>
+          <a:lstStyle/>
+          <a:p>
+            <a:pPr algn="ctr"/>
+            <a:r>
+              <a:rPr lang="en-US" sz="1200" dirty="0">
+                <a:latin typeface="Amazon Ember" panose="020B0603020204020204" pitchFamily="34" charset="0"/>
+                <a:ea typeface="Amazon Ember" panose="020B0603020204020204" pitchFamily="34" charset="0"/>
+                <a:cs typeface="Amazon Ember" panose="020B0603020204020204" pitchFamily="34" charset="0"/>
+              </a:rPr>
+              <a:t>Elastic IP-</a:t>
+            </a:r>
+          </a:p>
+          <a:p>
+            <a:pPr algn="ctr"/>
+            <a:r>
+              <a:rPr lang="en-US" sz="1200" dirty="0">
+                <a:latin typeface="Amazon Ember" panose="020B0603020204020204" pitchFamily="34" charset="0"/>
+                <a:ea typeface="Amazon Ember" panose="020B0603020204020204" pitchFamily="34" charset="0"/>
+                <a:cs typeface="Amazon Ember" panose="020B0603020204020204" pitchFamily="34" charset="0"/>
+              </a:rPr>
+              <a:t>In Threat List</a:t>
+            </a:r>
+          </a:p>
+        </p:txBody>
+      </p:sp>
+      <p:sp>
+        <p:nvSpPr>
+          <p:cNvPr id="27" name="TextBox 26">
+            <a:extLst>
+              <a:ext uri="{FF2B5EF4-FFF2-40B4-BE49-F238E27FC236}">
+                <a16:creationId xmlns:a16="http://schemas.microsoft.com/office/drawing/2014/main" id="{F2623216-84EA-0E40-B19A-095577A20F2B}"/>
+              </a:ext>
+            </a:extLst>
+          </p:cNvPr>
+          <p:cNvSpPr txBox="1"/>
+          <p:nvPr/>
+        </p:nvSpPr>
+        <p:spPr>
+          <a:xfrm>
+            <a:off x="7010540" y="1841637"/>
+            <a:ext cx="840295" cy="461665"/>
+          </a:xfrm>
+          <a:prstGeom prst="rect">
+            <a:avLst/>
+          </a:prstGeom>
+          <a:noFill/>
+        </p:spPr>
+        <p:txBody>
+          <a:bodyPr wrap="none" rtlCol="0">
+            <a:spAutoFit/>
+          </a:bodyPr>
+          <a:lstStyle/>
+          <a:p>
+            <a:r>
+              <a:rPr lang="en-US" sz="1200" dirty="0">
+                <a:latin typeface="Amazon Ember" panose="020B0603020204020204" pitchFamily="34" charset="0"/>
+                <a:ea typeface="Amazon Ember" panose="020B0603020204020204" pitchFamily="34" charset="0"/>
+                <a:cs typeface="Amazon Ember" panose="020B0603020204020204" pitchFamily="34" charset="0"/>
+              </a:rPr>
+              <a:t>VPC Flow</a:t>
+            </a:r>
+          </a:p>
+          <a:p>
+            <a:pPr algn="ctr"/>
+            <a:r>
+              <a:rPr lang="en-US" sz="1200" dirty="0">
+                <a:latin typeface="Amazon Ember" panose="020B0603020204020204" pitchFamily="34" charset="0"/>
+                <a:ea typeface="Amazon Ember" panose="020B0603020204020204" pitchFamily="34" charset="0"/>
+                <a:cs typeface="Amazon Ember" panose="020B0603020204020204" pitchFamily="34" charset="0"/>
+              </a:rPr>
+              <a:t>Logs</a:t>
+            </a:r>
+          </a:p>
+        </p:txBody>
+      </p:sp>
+      <p:sp>
+        <p:nvSpPr>
+          <p:cNvPr id="28" name="TextBox 27">
+            <a:extLst>
+              <a:ext uri="{FF2B5EF4-FFF2-40B4-BE49-F238E27FC236}">
+                <a16:creationId xmlns:a16="http://schemas.microsoft.com/office/drawing/2014/main" id="{2904577E-547B-EE40-B4A9-CBF54656F099}"/>
+              </a:ext>
+            </a:extLst>
+          </p:cNvPr>
+          <p:cNvSpPr txBox="1"/>
+          <p:nvPr/>
+        </p:nvSpPr>
+        <p:spPr>
+          <a:xfrm>
+            <a:off x="7555188" y="3486763"/>
+            <a:ext cx="1034257" cy="646331"/>
+          </a:xfrm>
+          <a:prstGeom prst="rect">
+            <a:avLst/>
+          </a:prstGeom>
+          <a:noFill/>
+        </p:spPr>
+        <p:txBody>
+          <a:bodyPr wrap="none" rtlCol="0">
+            <a:spAutoFit/>
+          </a:bodyPr>
+          <a:lstStyle/>
+          <a:p>
+            <a:pPr algn="ctr"/>
+            <a:r>
+              <a:rPr lang="en-US" sz="1200" dirty="0">
+                <a:latin typeface="Amazon Ember" panose="020B0603020204020204" pitchFamily="34" charset="0"/>
+                <a:ea typeface="Amazon Ember" panose="020B0603020204020204" pitchFamily="34" charset="0"/>
+                <a:cs typeface="Amazon Ember" panose="020B0603020204020204" pitchFamily="34" charset="0"/>
+              </a:rPr>
+              <a:t>Amazon</a:t>
+            </a:r>
+          </a:p>
+          <a:p>
+            <a:pPr algn="ctr"/>
+            <a:r>
+              <a:rPr lang="en-US" sz="1200" dirty="0">
+                <a:latin typeface="Amazon Ember" panose="020B0603020204020204" pitchFamily="34" charset="0"/>
+                <a:ea typeface="Amazon Ember" panose="020B0603020204020204" pitchFamily="34" charset="0"/>
+                <a:cs typeface="Amazon Ember" panose="020B0603020204020204" pitchFamily="34" charset="0"/>
+              </a:rPr>
+              <a:t>CloudWatch</a:t>
+            </a:r>
+          </a:p>
+          <a:p>
+            <a:pPr algn="ctr"/>
+            <a:r>
+              <a:rPr lang="en-US" sz="1200" dirty="0">
+                <a:latin typeface="Amazon Ember" panose="020B0603020204020204" pitchFamily="34" charset="0"/>
+                <a:ea typeface="Amazon Ember" panose="020B0603020204020204" pitchFamily="34" charset="0"/>
+                <a:cs typeface="Amazon Ember" panose="020B0603020204020204" pitchFamily="34" charset="0"/>
+              </a:rPr>
+              <a:t>Event Rule</a:t>
+            </a:r>
+          </a:p>
+        </p:txBody>
+      </p:sp>
+      <p:sp>
+        <p:nvSpPr>
+          <p:cNvPr id="29" name="TextBox 28">
+            <a:extLst>
+              <a:ext uri="{FF2B5EF4-FFF2-40B4-BE49-F238E27FC236}">
+                <a16:creationId xmlns:a16="http://schemas.microsoft.com/office/drawing/2014/main" id="{0456907C-9759-0B43-AB20-70E66FE71EA1}"/>
+              </a:ext>
+            </a:extLst>
+          </p:cNvPr>
+          <p:cNvSpPr txBox="1"/>
+          <p:nvPr/>
+        </p:nvSpPr>
+        <p:spPr>
+          <a:xfrm>
+            <a:off x="7035386" y="5265527"/>
+            <a:ext cx="790601" cy="461665"/>
+          </a:xfrm>
+          <a:prstGeom prst="rect">
+            <a:avLst/>
+          </a:prstGeom>
+          <a:noFill/>
+        </p:spPr>
+        <p:txBody>
+          <a:bodyPr wrap="none" rtlCol="0">
+            <a:spAutoFit/>
+          </a:bodyPr>
+          <a:lstStyle/>
+          <a:p>
+            <a:pPr algn="ctr"/>
+            <a:r>
+              <a:rPr lang="en-US" sz="1200" dirty="0">
+                <a:latin typeface="Amazon Ember" panose="020B0603020204020204" pitchFamily="34" charset="0"/>
+                <a:ea typeface="Amazon Ember" panose="020B0603020204020204" pitchFamily="34" charset="0"/>
+                <a:cs typeface="Amazon Ember" panose="020B0603020204020204" pitchFamily="34" charset="0"/>
+              </a:rPr>
+              <a:t>Lambda</a:t>
+            </a:r>
+          </a:p>
+          <a:p>
+            <a:pPr algn="ctr"/>
+            <a:r>
+              <a:rPr lang="en-US" sz="1200" dirty="0">
+                <a:latin typeface="Amazon Ember" panose="020B0603020204020204" pitchFamily="34" charset="0"/>
+                <a:ea typeface="Amazon Ember" panose="020B0603020204020204" pitchFamily="34" charset="0"/>
+                <a:cs typeface="Amazon Ember" panose="020B0603020204020204" pitchFamily="34" charset="0"/>
+              </a:rPr>
+              <a:t>Function</a:t>
+            </a:r>
+          </a:p>
+        </p:txBody>
+      </p:sp>
+      <p:sp>
+        <p:nvSpPr>
+          <p:cNvPr id="30" name="TextBox 29">
+            <a:extLst>
+              <a:ext uri="{FF2B5EF4-FFF2-40B4-BE49-F238E27FC236}">
+                <a16:creationId xmlns:a16="http://schemas.microsoft.com/office/drawing/2014/main" id="{342C93BA-36AC-0D4D-A5B4-6AFFDFC3231E}"/>
+              </a:ext>
+            </a:extLst>
+          </p:cNvPr>
+          <p:cNvSpPr txBox="1"/>
+          <p:nvPr/>
+        </p:nvSpPr>
+        <p:spPr>
+          <a:xfrm>
+            <a:off x="8428181" y="5265527"/>
+            <a:ext cx="756937" cy="461665"/>
+          </a:xfrm>
+          <a:prstGeom prst="rect">
+            <a:avLst/>
+          </a:prstGeom>
+          <a:noFill/>
+        </p:spPr>
+        <p:txBody>
+          <a:bodyPr wrap="none" rtlCol="0">
+            <a:spAutoFit/>
+          </a:bodyPr>
+          <a:lstStyle/>
+          <a:p>
+            <a:pPr algn="ctr"/>
+            <a:r>
+              <a:rPr lang="en-US" sz="1200" dirty="0">
+                <a:latin typeface="Amazon Ember" panose="020B0603020204020204" pitchFamily="34" charset="0"/>
+                <a:ea typeface="Amazon Ember" panose="020B0603020204020204" pitchFamily="34" charset="0"/>
+                <a:cs typeface="Amazon Ember" panose="020B0603020204020204" pitchFamily="34" charset="0"/>
+              </a:rPr>
+              <a:t>Amazon</a:t>
+            </a:r>
+          </a:p>
+          <a:p>
+            <a:pPr algn="ctr"/>
+            <a:r>
+              <a:rPr lang="en-US" sz="1200" dirty="0">
+                <a:latin typeface="Amazon Ember" panose="020B0603020204020204" pitchFamily="34" charset="0"/>
+                <a:ea typeface="Amazon Ember" panose="020B0603020204020204" pitchFamily="34" charset="0"/>
+                <a:cs typeface="Amazon Ember" panose="020B0603020204020204" pitchFamily="34" charset="0"/>
+              </a:rPr>
+              <a:t>SNS</a:t>
+            </a:r>
+          </a:p>
+        </p:txBody>
+      </p:sp>
+      <p:sp>
+        <p:nvSpPr>
+          <p:cNvPr id="31" name="TextBox 30">
+            <a:extLst>
+              <a:ext uri="{FF2B5EF4-FFF2-40B4-BE49-F238E27FC236}">
+                <a16:creationId xmlns:a16="http://schemas.microsoft.com/office/drawing/2014/main" id="{BACD3561-D9C2-6745-87B0-2526036F814C}"/>
+              </a:ext>
+            </a:extLst>
+          </p:cNvPr>
+          <p:cNvSpPr txBox="1"/>
+          <p:nvPr/>
+        </p:nvSpPr>
+        <p:spPr>
+          <a:xfrm>
+            <a:off x="8345527" y="1878054"/>
+            <a:ext cx="941283" cy="461665"/>
+          </a:xfrm>
+          <a:prstGeom prst="rect">
+            <a:avLst/>
+          </a:prstGeom>
+          <a:noFill/>
+        </p:spPr>
+        <p:txBody>
+          <a:bodyPr wrap="none" rtlCol="0">
+            <a:spAutoFit/>
+          </a:bodyPr>
+          <a:lstStyle/>
+          <a:p>
+            <a:pPr algn="ctr"/>
+            <a:r>
+              <a:rPr lang="en-US" sz="1200" dirty="0">
+                <a:latin typeface="Amazon Ember" panose="020B0603020204020204" pitchFamily="34" charset="0"/>
+                <a:ea typeface="Amazon Ember" panose="020B0603020204020204" pitchFamily="34" charset="0"/>
+                <a:cs typeface="Amazon Ember" panose="020B0603020204020204" pitchFamily="34" charset="0"/>
+              </a:rPr>
+              <a:t>Amazon</a:t>
+            </a:r>
+          </a:p>
+          <a:p>
+            <a:pPr algn="ctr"/>
+            <a:r>
+              <a:rPr lang="en-US" sz="1200" dirty="0" err="1">
+                <a:latin typeface="Amazon Ember" panose="020B0603020204020204" pitchFamily="34" charset="0"/>
+                <a:ea typeface="Amazon Ember" panose="020B0603020204020204" pitchFamily="34" charset="0"/>
+                <a:cs typeface="Amazon Ember" panose="020B0603020204020204" pitchFamily="34" charset="0"/>
+              </a:rPr>
+              <a:t>GuardDuty</a:t>
+            </a:r>
+            <a:endParaRPr lang="en-US" sz="1200" dirty="0">
+              <a:latin typeface="Amazon Ember" panose="020B0603020204020204" pitchFamily="34" charset="0"/>
+              <a:ea typeface="Amazon Ember" panose="020B0603020204020204" pitchFamily="34" charset="0"/>
+              <a:cs typeface="Amazon Ember" panose="020B0603020204020204" pitchFamily="34" charset="0"/>
+            </a:endParaRPr>
+          </a:p>
+        </p:txBody>
+      </p:sp>
+      <p:cxnSp>
+        <p:nvCxnSpPr>
+          <p:cNvPr id="32" name="Straight Arrow Connector 31">
+            <a:extLst>
+              <a:ext uri="{FF2B5EF4-FFF2-40B4-BE49-F238E27FC236}">
+                <a16:creationId xmlns:a16="http://schemas.microsoft.com/office/drawing/2014/main" id="{C4814EA6-8146-AF4D-96C2-89B1F02B9859}"/>
+              </a:ext>
+            </a:extLst>
+          </p:cNvPr>
+          <p:cNvCxnSpPr>
+            <a:cxnSpLocks/>
+          </p:cNvCxnSpPr>
+          <p:nvPr/>
+        </p:nvCxnSpPr>
+        <p:spPr>
+          <a:xfrm flipH="1">
+            <a:off x="9323542" y="4839723"/>
+            <a:ext cx="1300844" cy="0"/>
+          </a:xfrm>
+          <a:prstGeom prst="straightConnector1">
+            <a:avLst/>
+          </a:prstGeom>
+          <a:ln w="12700">
+            <a:solidFill>
+              <a:srgbClr val="545B64"/>
+            </a:solidFill>
+            <a:headEnd type="arrow" w="med" len="sm"/>
+            <a:tailEnd type="none" w="med" len="sm"/>
+          </a:ln>
+        </p:spPr>
+        <p:style>
+          <a:lnRef idx="1">
+            <a:schemeClr val="accent1"/>
+          </a:lnRef>
+          <a:fillRef idx="0">
+            <a:schemeClr val="accent1"/>
+          </a:fillRef>
+          <a:effectRef idx="0">
+            <a:schemeClr val="accent1"/>
+          </a:effectRef>
+          <a:fontRef idx="minor">
+            <a:schemeClr val="tx1"/>
+          </a:fontRef>
+        </p:style>
+      </p:cxnSp>
+      <p:cxnSp>
+        <p:nvCxnSpPr>
+          <p:cNvPr id="34" name="Straight Arrow Connector 33">
+            <a:extLst>
+              <a:ext uri="{FF2B5EF4-FFF2-40B4-BE49-F238E27FC236}">
+                <a16:creationId xmlns:a16="http://schemas.microsoft.com/office/drawing/2014/main" id="{665D5036-DB09-2944-B16E-7AACDEA5CE8D}"/>
+              </a:ext>
+            </a:extLst>
+          </p:cNvPr>
+          <p:cNvCxnSpPr>
+            <a:cxnSpLocks/>
+          </p:cNvCxnSpPr>
+          <p:nvPr/>
+        </p:nvCxnSpPr>
+        <p:spPr>
+          <a:xfrm flipH="1">
+            <a:off x="3492753" y="3213815"/>
+            <a:ext cx="1167341" cy="0"/>
+          </a:xfrm>
+          <a:prstGeom prst="straightConnector1">
+            <a:avLst/>
+          </a:prstGeom>
+          <a:ln w="12700">
+            <a:solidFill>
+              <a:srgbClr val="545B64"/>
+            </a:solidFill>
+            <a:headEnd type="arrow" w="med" len="sm"/>
+            <a:tailEnd type="none" w="med" len="sm"/>
+          </a:ln>
+        </p:spPr>
+        <p:style>
+          <a:lnRef idx="1">
+            <a:schemeClr val="accent1"/>
+          </a:lnRef>
+          <a:fillRef idx="0">
+            <a:schemeClr val="accent1"/>
+          </a:fillRef>
+          <a:effectRef idx="0">
+            <a:schemeClr val="accent1"/>
+          </a:effectRef>
+          <a:fontRef idx="minor">
+            <a:schemeClr val="tx1"/>
+          </a:fontRef>
+        </p:style>
+      </p:cxnSp>
+      <p:cxnSp>
+        <p:nvCxnSpPr>
+          <p:cNvPr id="35" name="Straight Arrow Connector 34">
+            <a:extLst>
+              <a:ext uri="{FF2B5EF4-FFF2-40B4-BE49-F238E27FC236}">
+                <a16:creationId xmlns:a16="http://schemas.microsoft.com/office/drawing/2014/main" id="{C7AA32B7-3372-CB4F-A59A-A8F1CED83EFA}"/>
+              </a:ext>
+            </a:extLst>
+          </p:cNvPr>
+          <p:cNvCxnSpPr>
+            <a:cxnSpLocks/>
+            <a:stCxn id="9" idx="3"/>
+          </p:cNvCxnSpPr>
+          <p:nvPr/>
+        </p:nvCxnSpPr>
+        <p:spPr>
+          <a:xfrm>
+            <a:off x="7887888" y="1430682"/>
+            <a:ext cx="457640" cy="0"/>
+          </a:xfrm>
+          <a:prstGeom prst="straightConnector1">
+            <a:avLst/>
+          </a:prstGeom>
+          <a:ln w="12700">
+            <a:solidFill>
+              <a:srgbClr val="545B64"/>
+            </a:solidFill>
+            <a:headEnd type="arrow" w="med" len="sm"/>
+            <a:tailEnd type="none" w="med" len="sm"/>
+          </a:ln>
+        </p:spPr>
+        <p:style>
+          <a:lnRef idx="1">
+            <a:schemeClr val="accent1"/>
+          </a:lnRef>
+          <a:fillRef idx="0">
+            <a:schemeClr val="accent1"/>
+          </a:fillRef>
+          <a:effectRef idx="0">
+            <a:schemeClr val="accent1"/>
+          </a:effectRef>
+          <a:fontRef idx="minor">
+            <a:schemeClr val="tx1"/>
+          </a:fontRef>
+        </p:style>
+      </p:cxnSp>
+      <p:cxnSp>
+        <p:nvCxnSpPr>
+          <p:cNvPr id="37" name="Straight Arrow Connector 36">
+            <a:extLst>
+              <a:ext uri="{FF2B5EF4-FFF2-40B4-BE49-F238E27FC236}">
+                <a16:creationId xmlns:a16="http://schemas.microsoft.com/office/drawing/2014/main" id="{27221685-53A9-AF48-9225-BACEBB2D951F}"/>
+              </a:ext>
+            </a:extLst>
+          </p:cNvPr>
+          <p:cNvCxnSpPr>
+            <a:cxnSpLocks/>
+          </p:cNvCxnSpPr>
+          <p:nvPr/>
+        </p:nvCxnSpPr>
+        <p:spPr>
+          <a:xfrm flipH="1" flipV="1">
+            <a:off x="7430686" y="3276191"/>
+            <a:ext cx="1" cy="1086232"/>
+          </a:xfrm>
+          <a:prstGeom prst="straightConnector1">
+            <a:avLst/>
+          </a:prstGeom>
+          <a:ln w="12700">
+            <a:solidFill>
+              <a:srgbClr val="545B64"/>
+            </a:solidFill>
+            <a:headEnd type="arrow" w="med" len="sm"/>
+            <a:tailEnd type="none" w="med" len="sm"/>
+          </a:ln>
+        </p:spPr>
+        <p:style>
+          <a:lnRef idx="1">
+            <a:schemeClr val="accent1"/>
+          </a:lnRef>
+          <a:fillRef idx="0">
+            <a:schemeClr val="accent1"/>
+          </a:fillRef>
+          <a:effectRef idx="0">
+            <a:schemeClr val="accent1"/>
+          </a:effectRef>
+          <a:fontRef idx="minor">
+            <a:schemeClr val="tx1"/>
+          </a:fontRef>
+        </p:style>
+      </p:cxnSp>
+      <p:cxnSp>
+        <p:nvCxnSpPr>
+          <p:cNvPr id="39" name="Straight Arrow Connector 38">
+            <a:extLst>
+              <a:ext uri="{FF2B5EF4-FFF2-40B4-BE49-F238E27FC236}">
+                <a16:creationId xmlns:a16="http://schemas.microsoft.com/office/drawing/2014/main" id="{93B66BBF-C295-F949-8AE3-1B7EE18BE864}"/>
+              </a:ext>
+            </a:extLst>
+          </p:cNvPr>
+          <p:cNvCxnSpPr>
+            <a:cxnSpLocks/>
+          </p:cNvCxnSpPr>
+          <p:nvPr/>
+        </p:nvCxnSpPr>
+        <p:spPr>
+          <a:xfrm flipH="1" flipV="1">
+            <a:off x="8786743" y="3267100"/>
+            <a:ext cx="1" cy="1086232"/>
+          </a:xfrm>
+          <a:prstGeom prst="straightConnector1">
+            <a:avLst/>
+          </a:prstGeom>
+          <a:ln w="12700">
+            <a:solidFill>
+              <a:srgbClr val="545B64"/>
+            </a:solidFill>
+            <a:headEnd type="arrow" w="med" len="sm"/>
+            <a:tailEnd type="none" w="med" len="sm"/>
+          </a:ln>
+        </p:spPr>
+        <p:style>
+          <a:lnRef idx="1">
+            <a:schemeClr val="accent1"/>
+          </a:lnRef>
+          <a:fillRef idx="0">
+            <a:schemeClr val="accent1"/>
+          </a:fillRef>
+          <a:effectRef idx="0">
+            <a:schemeClr val="accent1"/>
+          </a:effectRef>
+          <a:fontRef idx="minor">
+            <a:schemeClr val="tx1"/>
+          </a:fontRef>
+        </p:style>
+      </p:cxnSp>
+      <p:cxnSp>
+        <p:nvCxnSpPr>
+          <p:cNvPr id="40" name="Straight Arrow Connector 39">
+            <a:extLst>
+              <a:ext uri="{FF2B5EF4-FFF2-40B4-BE49-F238E27FC236}">
+                <a16:creationId xmlns:a16="http://schemas.microsoft.com/office/drawing/2014/main" id="{4E2DF6C1-D7B9-6141-9DF0-9881163B2509}"/>
+              </a:ext>
+            </a:extLst>
+          </p:cNvPr>
+          <p:cNvCxnSpPr>
+            <a:cxnSpLocks/>
+          </p:cNvCxnSpPr>
+          <p:nvPr/>
+        </p:nvCxnSpPr>
+        <p:spPr>
+          <a:xfrm flipH="1">
+            <a:off x="2689324" y="3894562"/>
+            <a:ext cx="3144" cy="1077529"/>
+          </a:xfrm>
+          <a:prstGeom prst="straightConnector1">
+            <a:avLst/>
+          </a:prstGeom>
+          <a:ln w="12700">
+            <a:solidFill>
+              <a:srgbClr val="545B64"/>
+            </a:solidFill>
+            <a:headEnd type="arrow" w="med" len="sm"/>
+            <a:tailEnd type="none" w="med" len="sm"/>
+          </a:ln>
+        </p:spPr>
+        <p:style>
+          <a:lnRef idx="1">
+            <a:schemeClr val="accent1"/>
+          </a:lnRef>
+          <a:fillRef idx="0">
+            <a:schemeClr val="accent1"/>
+          </a:fillRef>
+          <a:effectRef idx="0">
+            <a:schemeClr val="accent1"/>
+          </a:effectRef>
+          <a:fontRef idx="minor">
+            <a:schemeClr val="tx1"/>
+          </a:fontRef>
+        </p:style>
+      </p:cxnSp>
+      <p:cxnSp>
+        <p:nvCxnSpPr>
+          <p:cNvPr id="42" name="Straight Arrow Connector 41">
+            <a:extLst>
+              <a:ext uri="{FF2B5EF4-FFF2-40B4-BE49-F238E27FC236}">
+                <a16:creationId xmlns:a16="http://schemas.microsoft.com/office/drawing/2014/main" id="{E262148E-5A65-C84E-8622-B0A7102869A7}"/>
+              </a:ext>
+            </a:extLst>
+          </p:cNvPr>
+          <p:cNvCxnSpPr>
+            <a:cxnSpLocks/>
+          </p:cNvCxnSpPr>
+          <p:nvPr/>
+        </p:nvCxnSpPr>
+        <p:spPr>
+          <a:xfrm flipV="1">
+            <a:off x="8001989" y="1878054"/>
+            <a:ext cx="336817" cy="1110572"/>
+          </a:xfrm>
+          <a:prstGeom prst="straightConnector1">
+            <a:avLst/>
+          </a:prstGeom>
+          <a:ln w="12700">
+            <a:solidFill>
+              <a:srgbClr val="545B64"/>
+            </a:solidFill>
+            <a:headEnd type="arrow" w="med" len="sm"/>
+            <a:tailEnd type="none" w="med" len="sm"/>
+          </a:ln>
+        </p:spPr>
+        <p:style>
+          <a:lnRef idx="1">
+            <a:schemeClr val="accent1"/>
+          </a:lnRef>
+          <a:fillRef idx="0">
+            <a:schemeClr val="accent1"/>
+          </a:fillRef>
+          <a:effectRef idx="0">
+            <a:schemeClr val="accent1"/>
+          </a:effectRef>
+          <a:fontRef idx="minor">
+            <a:schemeClr val="tx1"/>
+          </a:fontRef>
+        </p:style>
+      </p:cxnSp>
+      <p:cxnSp>
+        <p:nvCxnSpPr>
+          <p:cNvPr id="44" name="Straight Arrow Connector 43">
+            <a:extLst>
+              <a:ext uri="{FF2B5EF4-FFF2-40B4-BE49-F238E27FC236}">
+                <a16:creationId xmlns:a16="http://schemas.microsoft.com/office/drawing/2014/main" id="{50499357-0678-7144-AC34-5B5C5525DD20}"/>
+              </a:ext>
+            </a:extLst>
+          </p:cNvPr>
+          <p:cNvCxnSpPr>
+            <a:cxnSpLocks/>
+          </p:cNvCxnSpPr>
+          <p:nvPr/>
+        </p:nvCxnSpPr>
+        <p:spPr>
+          <a:xfrm flipH="1" flipV="1">
+            <a:off x="2679747" y="4972090"/>
+            <a:ext cx="4253627" cy="1"/>
+          </a:xfrm>
+          <a:prstGeom prst="straightConnector1">
+            <a:avLst/>
+          </a:prstGeom>
+          <a:ln w="12700">
+            <a:solidFill>
+              <a:schemeClr val="tx2"/>
+            </a:solidFill>
+            <a:headEnd type="none" w="med" len="sm"/>
+            <a:tailEnd type="none" w="med" len="sm"/>
+          </a:ln>
+        </p:spPr>
+        <p:style>
+          <a:lnRef idx="1">
+            <a:schemeClr val="accent1"/>
+          </a:lnRef>
+          <a:fillRef idx="0">
+            <a:schemeClr val="accent1"/>
+          </a:fillRef>
+          <a:effectRef idx="0">
+            <a:schemeClr val="accent1"/>
+          </a:effectRef>
+          <a:fontRef idx="minor">
+            <a:schemeClr val="tx1"/>
+          </a:fontRef>
+        </p:style>
+      </p:cxnSp>
+      <p:cxnSp>
+        <p:nvCxnSpPr>
+          <p:cNvPr id="46" name="Straight Arrow Connector 45">
+            <a:extLst>
+              <a:ext uri="{FF2B5EF4-FFF2-40B4-BE49-F238E27FC236}">
+                <a16:creationId xmlns:a16="http://schemas.microsoft.com/office/drawing/2014/main" id="{AB2B2482-6D6D-F04B-84D2-381BD6B6465B}"/>
+              </a:ext>
+            </a:extLst>
+          </p:cNvPr>
+          <p:cNvCxnSpPr>
+            <a:cxnSpLocks/>
+          </p:cNvCxnSpPr>
+          <p:nvPr/>
+        </p:nvCxnSpPr>
+        <p:spPr>
+          <a:xfrm>
+            <a:off x="7430288" y="3276191"/>
+            <a:ext cx="184829" cy="0"/>
+          </a:xfrm>
+          <a:prstGeom prst="straightConnector1">
+            <a:avLst/>
+          </a:prstGeom>
+          <a:ln w="12700">
+            <a:solidFill>
+              <a:schemeClr val="tx2"/>
+            </a:solidFill>
+            <a:headEnd type="none" w="med" len="sm"/>
+            <a:tailEnd type="none" w="med" len="sm"/>
+          </a:ln>
+        </p:spPr>
+        <p:style>
+          <a:lnRef idx="1">
+            <a:schemeClr val="accent1"/>
+          </a:lnRef>
+          <a:fillRef idx="0">
+            <a:schemeClr val="accent1"/>
+          </a:fillRef>
+          <a:effectRef idx="0">
+            <a:schemeClr val="accent1"/>
+          </a:effectRef>
+          <a:fontRef idx="minor">
+            <a:schemeClr val="tx1"/>
+          </a:fontRef>
+        </p:style>
+      </p:cxnSp>
+      <p:cxnSp>
+        <p:nvCxnSpPr>
+          <p:cNvPr id="49" name="Straight Arrow Connector 48">
+            <a:extLst>
+              <a:ext uri="{FF2B5EF4-FFF2-40B4-BE49-F238E27FC236}">
+                <a16:creationId xmlns:a16="http://schemas.microsoft.com/office/drawing/2014/main" id="{5C25E618-677F-3540-BD7B-D88F28F2A2D9}"/>
+              </a:ext>
+            </a:extLst>
+          </p:cNvPr>
+          <p:cNvCxnSpPr>
+            <a:cxnSpLocks/>
+          </p:cNvCxnSpPr>
+          <p:nvPr/>
+        </p:nvCxnSpPr>
+        <p:spPr>
+          <a:xfrm>
+            <a:off x="8601914" y="3265032"/>
+            <a:ext cx="184829" cy="0"/>
+          </a:xfrm>
+          <a:prstGeom prst="straightConnector1">
+            <a:avLst/>
+          </a:prstGeom>
+          <a:ln w="12700">
+            <a:solidFill>
+              <a:schemeClr val="tx2"/>
+            </a:solidFill>
+            <a:headEnd type="none" w="med" len="sm"/>
+            <a:tailEnd type="none" w="med" len="sm"/>
+          </a:ln>
+        </p:spPr>
+        <p:style>
+          <a:lnRef idx="1">
+            <a:schemeClr val="accent1"/>
+          </a:lnRef>
+          <a:fillRef idx="0">
+            <a:schemeClr val="accent1"/>
+          </a:fillRef>
+          <a:effectRef idx="0">
+            <a:schemeClr val="accent1"/>
+          </a:effectRef>
+          <a:fontRef idx="minor">
+            <a:schemeClr val="tx1"/>
+          </a:fontRef>
+        </p:style>
+      </p:cxnSp>
+      <p:pic>
+        <p:nvPicPr>
+          <p:cNvPr id="51" name="Graphic 50">
+            <a:extLst>
+              <a:ext uri="{FF2B5EF4-FFF2-40B4-BE49-F238E27FC236}">
+                <a16:creationId xmlns:a16="http://schemas.microsoft.com/office/drawing/2014/main" id="{1DFDB01E-2880-8A4A-A5DE-450D1CDCEE71}"/>
+              </a:ext>
+            </a:extLst>
+          </p:cNvPr>
+          <p:cNvPicPr>
+            <a:picLocks noChangeAspect="1"/>
+          </p:cNvPicPr>
+          <p:nvPr/>
+        </p:nvPicPr>
+        <p:blipFill>
+          <a:blip r:embed="rId25">
+            <a:extLst>
+              <a:ext uri="{96DAC541-7B7A-43D3-8B79-37D633B846F1}">
+                <asvg:svgBlip xmlns:asvg="http://schemas.microsoft.com/office/drawing/2016/SVG/main" r:embed="rId26"/>
+              </a:ext>
+            </a:extLst>
+          </a:blip>
+          <a:stretch>
+            <a:fillRect/>
+          </a:stretch>
+        </p:blipFill>
+        <p:spPr>
+          <a:xfrm>
+            <a:off x="3864680" y="2729038"/>
+            <a:ext cx="469900" cy="469900"/>
+          </a:xfrm>
+          <a:prstGeom prst="rect">
+            <a:avLst/>
+          </a:prstGeom>
+        </p:spPr>
+      </p:pic>
+      <p:sp>
+        <p:nvSpPr>
+          <p:cNvPr id="52" name="TextBox 51">
+            <a:extLst>
+              <a:ext uri="{FF2B5EF4-FFF2-40B4-BE49-F238E27FC236}">
+                <a16:creationId xmlns:a16="http://schemas.microsoft.com/office/drawing/2014/main" id="{43D86DB0-3602-B24A-AA36-479B6FF1BF05}"/>
+              </a:ext>
+            </a:extLst>
+          </p:cNvPr>
+          <p:cNvSpPr txBox="1"/>
+          <p:nvPr/>
+        </p:nvSpPr>
+        <p:spPr>
+          <a:xfrm>
+            <a:off x="3956631" y="2760593"/>
+            <a:ext cx="301686" cy="369332"/>
+          </a:xfrm>
+          <a:prstGeom prst="rect">
+            <a:avLst/>
+          </a:prstGeom>
+          <a:noFill/>
+        </p:spPr>
+        <p:txBody>
+          <a:bodyPr wrap="none" rtlCol="0">
+            <a:spAutoFit/>
+          </a:bodyPr>
+          <a:lstStyle/>
+          <a:p>
+            <a:r>
+              <a:rPr lang="en-US" dirty="0"/>
+              <a:t>1</a:t>
+            </a:r>
+          </a:p>
+        </p:txBody>
+      </p:sp>
+      <p:pic>
+        <p:nvPicPr>
+          <p:cNvPr id="53" name="Graphic 52">
+            <a:extLst>
+              <a:ext uri="{FF2B5EF4-FFF2-40B4-BE49-F238E27FC236}">
+                <a16:creationId xmlns:a16="http://schemas.microsoft.com/office/drawing/2014/main" id="{90960174-65BA-DB45-AEFB-26E3BCBC131A}"/>
+              </a:ext>
+            </a:extLst>
+          </p:cNvPr>
+          <p:cNvPicPr>
+            <a:picLocks noChangeAspect="1"/>
+          </p:cNvPicPr>
+          <p:nvPr/>
+        </p:nvPicPr>
+        <p:blipFill>
+          <a:blip r:embed="rId25">
+            <a:extLst>
+              <a:ext uri="{96DAC541-7B7A-43D3-8B79-37D633B846F1}">
+                <asvg:svgBlip xmlns:asvg="http://schemas.microsoft.com/office/drawing/2016/SVG/main" r:embed="rId26"/>
+              </a:ext>
+            </a:extLst>
+          </a:blip>
+          <a:stretch>
+            <a:fillRect/>
+          </a:stretch>
+        </p:blipFill>
+        <p:spPr>
+          <a:xfrm>
+            <a:off x="3886770" y="4510167"/>
+            <a:ext cx="469900" cy="469900"/>
+          </a:xfrm>
+          <a:prstGeom prst="rect">
+            <a:avLst/>
+          </a:prstGeom>
+        </p:spPr>
+      </p:pic>
+      <p:sp>
+        <p:nvSpPr>
+          <p:cNvPr id="54" name="TextBox 53">
+            <a:extLst>
+              <a:ext uri="{FF2B5EF4-FFF2-40B4-BE49-F238E27FC236}">
+                <a16:creationId xmlns:a16="http://schemas.microsoft.com/office/drawing/2014/main" id="{8DE9FAB8-6570-734A-87E8-16E1040C020E}"/>
+              </a:ext>
+            </a:extLst>
+          </p:cNvPr>
+          <p:cNvSpPr txBox="1"/>
+          <p:nvPr/>
+        </p:nvSpPr>
+        <p:spPr>
+          <a:xfrm>
+            <a:off x="3978721" y="4541722"/>
+            <a:ext cx="301686" cy="369332"/>
+          </a:xfrm>
+          <a:prstGeom prst="rect">
+            <a:avLst/>
+          </a:prstGeom>
+          <a:noFill/>
+        </p:spPr>
+        <p:txBody>
+          <a:bodyPr wrap="none" rtlCol="0">
+            <a:spAutoFit/>
+          </a:bodyPr>
+          <a:lstStyle/>
+          <a:p>
+            <a:r>
+              <a:rPr lang="en-US" dirty="0"/>
+              <a:t>6</a:t>
+            </a:r>
+          </a:p>
+        </p:txBody>
+      </p:sp>
+      <p:pic>
+        <p:nvPicPr>
+          <p:cNvPr id="55" name="Graphic 54">
+            <a:extLst>
+              <a:ext uri="{FF2B5EF4-FFF2-40B4-BE49-F238E27FC236}">
+                <a16:creationId xmlns:a16="http://schemas.microsoft.com/office/drawing/2014/main" id="{378AE8F2-B7AF-8D40-A9EF-46971F0363BC}"/>
+              </a:ext>
+            </a:extLst>
+          </p:cNvPr>
+          <p:cNvPicPr>
+            <a:picLocks noChangeAspect="1"/>
+          </p:cNvPicPr>
+          <p:nvPr/>
+        </p:nvPicPr>
+        <p:blipFill>
+          <a:blip r:embed="rId25">
+            <a:extLst>
+              <a:ext uri="{96DAC541-7B7A-43D3-8B79-37D633B846F1}">
+                <asvg:svgBlip xmlns:asvg="http://schemas.microsoft.com/office/drawing/2016/SVG/main" r:embed="rId26"/>
+              </a:ext>
+            </a:extLst>
+          </a:blip>
+          <a:stretch>
+            <a:fillRect/>
+          </a:stretch>
+        </p:blipFill>
+        <p:spPr>
+          <a:xfrm>
+            <a:off x="6972363" y="3459319"/>
+            <a:ext cx="469900" cy="469900"/>
+          </a:xfrm>
+          <a:prstGeom prst="rect">
+            <a:avLst/>
+          </a:prstGeom>
+        </p:spPr>
+      </p:pic>
+      <p:sp>
+        <p:nvSpPr>
+          <p:cNvPr id="56" name="TextBox 55">
+            <a:extLst>
+              <a:ext uri="{FF2B5EF4-FFF2-40B4-BE49-F238E27FC236}">
+                <a16:creationId xmlns:a16="http://schemas.microsoft.com/office/drawing/2014/main" id="{618EB945-E7A6-9947-8F6D-B6D7216B3CCA}"/>
+              </a:ext>
+            </a:extLst>
+          </p:cNvPr>
+          <p:cNvSpPr txBox="1"/>
+          <p:nvPr/>
+        </p:nvSpPr>
+        <p:spPr>
+          <a:xfrm>
+            <a:off x="7064314" y="3490874"/>
+            <a:ext cx="301686" cy="369332"/>
+          </a:xfrm>
+          <a:prstGeom prst="rect">
+            <a:avLst/>
+          </a:prstGeom>
+          <a:noFill/>
+        </p:spPr>
+        <p:txBody>
+          <a:bodyPr wrap="none" rtlCol="0">
+            <a:spAutoFit/>
+          </a:bodyPr>
+          <a:lstStyle/>
+          <a:p>
+            <a:r>
+              <a:rPr lang="en-US" dirty="0"/>
+              <a:t>4</a:t>
+            </a:r>
+          </a:p>
+        </p:txBody>
+      </p:sp>
+      <p:pic>
+        <p:nvPicPr>
+          <p:cNvPr id="57" name="Graphic 56">
+            <a:extLst>
+              <a:ext uri="{FF2B5EF4-FFF2-40B4-BE49-F238E27FC236}">
+                <a16:creationId xmlns:a16="http://schemas.microsoft.com/office/drawing/2014/main" id="{80377DFA-D736-944C-AE3B-B8DD39CF32B5}"/>
+              </a:ext>
+            </a:extLst>
+          </p:cNvPr>
+          <p:cNvPicPr>
+            <a:picLocks noChangeAspect="1"/>
+          </p:cNvPicPr>
+          <p:nvPr/>
+        </p:nvPicPr>
+        <p:blipFill>
+          <a:blip r:embed="rId25">
+            <a:extLst>
+              <a:ext uri="{96DAC541-7B7A-43D3-8B79-37D633B846F1}">
+                <asvg:svgBlip xmlns:asvg="http://schemas.microsoft.com/office/drawing/2016/SVG/main" r:embed="rId26"/>
+              </a:ext>
+            </a:extLst>
+          </a:blip>
+          <a:stretch>
+            <a:fillRect/>
+          </a:stretch>
+        </p:blipFill>
+        <p:spPr>
+          <a:xfrm>
+            <a:off x="8820767" y="3496935"/>
+            <a:ext cx="469900" cy="469900"/>
+          </a:xfrm>
+          <a:prstGeom prst="rect">
+            <a:avLst/>
+          </a:prstGeom>
+        </p:spPr>
+      </p:pic>
+      <p:sp>
+        <p:nvSpPr>
+          <p:cNvPr id="58" name="TextBox 57">
+            <a:extLst>
+              <a:ext uri="{FF2B5EF4-FFF2-40B4-BE49-F238E27FC236}">
+                <a16:creationId xmlns:a16="http://schemas.microsoft.com/office/drawing/2014/main" id="{295DEA65-C614-9C46-9F8A-1583BFA7401A}"/>
+              </a:ext>
+            </a:extLst>
+          </p:cNvPr>
+          <p:cNvSpPr txBox="1"/>
+          <p:nvPr/>
+        </p:nvSpPr>
+        <p:spPr>
+          <a:xfrm>
+            <a:off x="8912718" y="3528490"/>
+            <a:ext cx="301686" cy="369332"/>
+          </a:xfrm>
+          <a:prstGeom prst="rect">
+            <a:avLst/>
+          </a:prstGeom>
+          <a:noFill/>
+        </p:spPr>
+        <p:txBody>
+          <a:bodyPr wrap="none" rtlCol="0">
+            <a:spAutoFit/>
+          </a:bodyPr>
+          <a:lstStyle/>
+          <a:p>
+            <a:r>
+              <a:rPr lang="en-US" dirty="0"/>
+              <a:t>4</a:t>
+            </a:r>
+          </a:p>
+        </p:txBody>
+      </p:sp>
+      <p:pic>
+        <p:nvPicPr>
+          <p:cNvPr id="59" name="Graphic 58">
+            <a:extLst>
+              <a:ext uri="{FF2B5EF4-FFF2-40B4-BE49-F238E27FC236}">
+                <a16:creationId xmlns:a16="http://schemas.microsoft.com/office/drawing/2014/main" id="{CD1E6DEE-E4AD-1140-B9F7-ABFE0A02C989}"/>
+              </a:ext>
+            </a:extLst>
+          </p:cNvPr>
+          <p:cNvPicPr>
+            <a:picLocks noChangeAspect="1"/>
+          </p:cNvPicPr>
+          <p:nvPr/>
+        </p:nvPicPr>
+        <p:blipFill>
+          <a:blip r:embed="rId25">
+            <a:extLst>
+              <a:ext uri="{96DAC541-7B7A-43D3-8B79-37D633B846F1}">
+                <asvg:svgBlip xmlns:asvg="http://schemas.microsoft.com/office/drawing/2016/SVG/main" r:embed="rId26"/>
+              </a:ext>
+            </a:extLst>
+          </a:blip>
+          <a:stretch>
+            <a:fillRect/>
+          </a:stretch>
+        </p:blipFill>
+        <p:spPr>
+          <a:xfrm>
+            <a:off x="7860987" y="954119"/>
+            <a:ext cx="469900" cy="469900"/>
+          </a:xfrm>
+          <a:prstGeom prst="rect">
+            <a:avLst/>
+          </a:prstGeom>
+        </p:spPr>
+      </p:pic>
+      <p:sp>
+        <p:nvSpPr>
+          <p:cNvPr id="60" name="TextBox 59">
+            <a:extLst>
+              <a:ext uri="{FF2B5EF4-FFF2-40B4-BE49-F238E27FC236}">
+                <a16:creationId xmlns:a16="http://schemas.microsoft.com/office/drawing/2014/main" id="{E190589F-661D-1B4E-BE31-E2D6DB1375EE}"/>
+              </a:ext>
+            </a:extLst>
+          </p:cNvPr>
+          <p:cNvSpPr txBox="1"/>
+          <p:nvPr/>
+        </p:nvSpPr>
+        <p:spPr>
+          <a:xfrm>
+            <a:off x="7952938" y="985674"/>
+            <a:ext cx="301686" cy="369332"/>
+          </a:xfrm>
+          <a:prstGeom prst="rect">
+            <a:avLst/>
+          </a:prstGeom>
+          <a:noFill/>
+        </p:spPr>
+        <p:txBody>
+          <a:bodyPr wrap="none" rtlCol="0">
+            <a:spAutoFit/>
+          </a:bodyPr>
+          <a:lstStyle/>
+          <a:p>
+            <a:r>
+              <a:rPr lang="en-US" dirty="0"/>
+              <a:t>2</a:t>
+            </a:r>
+          </a:p>
+        </p:txBody>
+      </p:sp>
+      <p:pic>
+        <p:nvPicPr>
+          <p:cNvPr id="61" name="Graphic 60">
+            <a:extLst>
+              <a:ext uri="{FF2B5EF4-FFF2-40B4-BE49-F238E27FC236}">
+                <a16:creationId xmlns:a16="http://schemas.microsoft.com/office/drawing/2014/main" id="{26DDF3CD-D20E-E54B-B9E6-EAD9CC8894B6}"/>
+              </a:ext>
+            </a:extLst>
+          </p:cNvPr>
+          <p:cNvPicPr>
+            <a:picLocks noChangeAspect="1"/>
+          </p:cNvPicPr>
+          <p:nvPr/>
+        </p:nvPicPr>
+        <p:blipFill>
+          <a:blip r:embed="rId25">
+            <a:extLst>
+              <a:ext uri="{96DAC541-7B7A-43D3-8B79-37D633B846F1}">
+                <asvg:svgBlip xmlns:asvg="http://schemas.microsoft.com/office/drawing/2016/SVG/main" r:embed="rId26"/>
+              </a:ext>
+            </a:extLst>
+          </a:blip>
+          <a:stretch>
+            <a:fillRect/>
+          </a:stretch>
+        </p:blipFill>
+        <p:spPr>
+          <a:xfrm>
+            <a:off x="7784724" y="1947953"/>
+            <a:ext cx="469900" cy="469900"/>
+          </a:xfrm>
+          <a:prstGeom prst="rect">
+            <a:avLst/>
+          </a:prstGeom>
+        </p:spPr>
+      </p:pic>
+      <p:sp>
+        <p:nvSpPr>
+          <p:cNvPr id="62" name="TextBox 61">
+            <a:extLst>
+              <a:ext uri="{FF2B5EF4-FFF2-40B4-BE49-F238E27FC236}">
+                <a16:creationId xmlns:a16="http://schemas.microsoft.com/office/drawing/2014/main" id="{5977118F-99F1-7B4D-A811-BB679B97FCA3}"/>
+              </a:ext>
+            </a:extLst>
+          </p:cNvPr>
+          <p:cNvSpPr txBox="1"/>
+          <p:nvPr/>
+        </p:nvSpPr>
+        <p:spPr>
+          <a:xfrm>
+            <a:off x="7876675" y="1979508"/>
+            <a:ext cx="301686" cy="369332"/>
+          </a:xfrm>
+          <a:prstGeom prst="rect">
+            <a:avLst/>
+          </a:prstGeom>
+          <a:noFill/>
+        </p:spPr>
+        <p:txBody>
+          <a:bodyPr wrap="none" rtlCol="0">
+            <a:spAutoFit/>
+          </a:bodyPr>
+          <a:lstStyle/>
+          <a:p>
+            <a:r>
+              <a:rPr lang="en-US" dirty="0"/>
+              <a:t>3</a:t>
+            </a:r>
+          </a:p>
+        </p:txBody>
+      </p:sp>
+      <p:pic>
+        <p:nvPicPr>
+          <p:cNvPr id="64" name="Graphic 63">
+            <a:extLst>
+              <a:ext uri="{FF2B5EF4-FFF2-40B4-BE49-F238E27FC236}">
+                <a16:creationId xmlns:a16="http://schemas.microsoft.com/office/drawing/2014/main" id="{EFCFA4F0-3E05-9642-BE27-CA9B1F7CE522}"/>
+              </a:ext>
+            </a:extLst>
+          </p:cNvPr>
+          <p:cNvPicPr>
+            <a:picLocks noChangeAspect="1"/>
+          </p:cNvPicPr>
+          <p:nvPr/>
+        </p:nvPicPr>
+        <p:blipFill>
+          <a:blip r:embed="rId25">
+            <a:extLst>
+              <a:ext uri="{96DAC541-7B7A-43D3-8B79-37D633B846F1}">
+                <asvg:svgBlip xmlns:asvg="http://schemas.microsoft.com/office/drawing/2016/SVG/main" r:embed="rId26"/>
+              </a:ext>
+            </a:extLst>
+          </a:blip>
+          <a:stretch>
+            <a:fillRect/>
+          </a:stretch>
+        </p:blipFill>
+        <p:spPr>
+          <a:xfrm>
+            <a:off x="9744450" y="4398520"/>
+            <a:ext cx="469900" cy="469900"/>
+          </a:xfrm>
+          <a:prstGeom prst="rect">
+            <a:avLst/>
+          </a:prstGeom>
+        </p:spPr>
+      </p:pic>
+      <p:sp>
+        <p:nvSpPr>
+          <p:cNvPr id="65" name="TextBox 64">
+            <a:extLst>
+              <a:ext uri="{FF2B5EF4-FFF2-40B4-BE49-F238E27FC236}">
+                <a16:creationId xmlns:a16="http://schemas.microsoft.com/office/drawing/2014/main" id="{68D6F9C6-97F5-434C-8110-F5BAFA65773E}"/>
+              </a:ext>
+            </a:extLst>
+          </p:cNvPr>
+          <p:cNvSpPr txBox="1"/>
+          <p:nvPr/>
+        </p:nvSpPr>
+        <p:spPr>
+          <a:xfrm>
+            <a:off x="9836401" y="4430075"/>
+            <a:ext cx="301686" cy="369332"/>
+          </a:xfrm>
+          <a:prstGeom prst="rect">
+            <a:avLst/>
+          </a:prstGeom>
+          <a:noFill/>
+        </p:spPr>
+        <p:txBody>
+          <a:bodyPr wrap="none" rtlCol="0">
+            <a:spAutoFit/>
+          </a:bodyPr>
+          <a:lstStyle/>
+          <a:p>
+            <a:r>
+              <a:rPr lang="en-US" dirty="0"/>
+              <a:t>5</a:t>
+            </a:r>
+          </a:p>
+        </p:txBody>
+      </p:sp>
+    </p:spTree>
+    <p:extLst>
+      <p:ext uri="{BB962C8B-B14F-4D97-AF65-F5344CB8AC3E}">
+        <p14:creationId xmlns:p14="http://schemas.microsoft.com/office/powerpoint/2010/main" val="1851820017"/>
+      </p:ext>
+    </p:extLst>
+  </p:cSld>
+  <p:clrMapOvr>
+    <a:masterClrMapping/>
+  </p:clrMapOvr>
+</p:sld>
+</file>
+
+<file path=ppt/slides/slide4.xml><?xml version="1.0" encoding="utf-8"?>
+<p:sld xmlns:a="http://schemas.openxmlformats.org/drawingml/2006/main" xmlns:r="http://schemas.openxmlformats.org/officeDocument/2006/relationships" xmlns:p="http://schemas.openxmlformats.org/presentationml/2006/main">
+  <p:cSld>
+    <p:spTree>
+      <p:nvGrpSpPr>
+        <p:cNvPr id="1" name=""/>
+        <p:cNvGrpSpPr/>
+        <p:nvPr/>
+      </p:nvGrpSpPr>
+      <p:grpSpPr>
+        <a:xfrm>
+          <a:off x="0" y="0"/>
+          <a:ext cx="0" cy="0"/>
+          <a:chOff x="0" y="0"/>
+          <a:chExt cx="0" cy="0"/>
+        </a:xfrm>
+      </p:grpSpPr>
+      <p:sp>
+        <p:nvSpPr>
+          <p:cNvPr id="20" name="Rectangle 19">
+            <a:extLst>
+              <a:ext uri="{FF2B5EF4-FFF2-40B4-BE49-F238E27FC236}">
+                <a16:creationId xmlns:a16="http://schemas.microsoft.com/office/drawing/2014/main" id="{AD20CEF3-4420-434A-9D90-2DEB17DFCB77}"/>
+              </a:ext>
+            </a:extLst>
+          </p:cNvPr>
+          <p:cNvSpPr/>
+          <p:nvPr/>
+        </p:nvSpPr>
+        <p:spPr>
+          <a:xfrm>
+            <a:off x="1523409" y="1670599"/>
+            <a:ext cx="5032676" cy="3832569"/>
+          </a:xfrm>
+          <a:prstGeom prst="rect">
+            <a:avLst/>
+          </a:prstGeom>
+          <a:solidFill>
+            <a:srgbClr val="007CBC">
+              <a:alpha val="9804"/>
+            </a:srgbClr>
+          </a:solidFill>
+          <a:ln w="12700">
+            <a:noFill/>
+            <a:prstDash val="dash"/>
+          </a:ln>
+        </p:spPr>
+        <p:style>
+          <a:lnRef idx="2">
+            <a:schemeClr val="accent1">
+              <a:shade val="50000"/>
+            </a:schemeClr>
+          </a:lnRef>
+          <a:fillRef idx="1">
+            <a:schemeClr val="accent1"/>
+          </a:fillRef>
+          <a:effectRef idx="0">
+            <a:schemeClr val="accent1"/>
+          </a:effectRef>
+          <a:fontRef idx="minor">
+            <a:schemeClr val="lt1"/>
+          </a:fontRef>
+        </p:style>
+        <p:txBody>
+          <a:bodyPr rot="0" spcFirstLastPara="0" vertOverflow="overflow" horzOverflow="overflow" vert="horz" wrap="square" lIns="338328" tIns="45720" rIns="91440" bIns="45720" numCol="1" spcCol="0" rtlCol="0" fromWordArt="0" anchor="t" anchorCtr="0" forceAA="0" compatLnSpc="1">
+            <a:prstTxWarp prst="textNoShape">
+              <a:avLst/>
+            </a:prstTxWarp>
+            <a:noAutofit/>
+          </a:bodyPr>
+          <a:lstStyle/>
+          <a:p>
+            <a:pPr algn="l"/>
+            <a:endParaRPr lang="en-US" sz="1200" dirty="0">
+              <a:solidFill>
+                <a:schemeClr val="accent3"/>
+              </a:solidFill>
+            </a:endParaRPr>
+          </a:p>
+        </p:txBody>
+      </p:sp>
+      <p:sp>
+        <p:nvSpPr>
+          <p:cNvPr id="4" name="Rectangle 3">
+            <a:extLst>
+              <a:ext uri="{FF2B5EF4-FFF2-40B4-BE49-F238E27FC236}">
+                <a16:creationId xmlns:a16="http://schemas.microsoft.com/office/drawing/2014/main" id="{352AB74B-8A19-8D4E-A3FE-E1CB28F92C03}"/>
+              </a:ext>
+            </a:extLst>
+          </p:cNvPr>
+          <p:cNvSpPr/>
+          <p:nvPr/>
+        </p:nvSpPr>
+        <p:spPr>
+          <a:xfrm>
+            <a:off x="1197157" y="1329687"/>
+            <a:ext cx="5686558" cy="4496211"/>
+          </a:xfrm>
+          <a:prstGeom prst="rect">
+            <a:avLst/>
+          </a:prstGeom>
+          <a:noFill/>
+          <a:ln w="12700">
+            <a:solidFill>
+              <a:schemeClr val="accent5"/>
+            </a:solidFill>
+          </a:ln>
+        </p:spPr>
+        <p:style>
+          <a:lnRef idx="2">
+            <a:schemeClr val="accent1">
+              <a:shade val="50000"/>
+            </a:schemeClr>
+          </a:lnRef>
+          <a:fillRef idx="1">
+            <a:schemeClr val="accent1"/>
+          </a:fillRef>
+          <a:effectRef idx="0">
+            <a:schemeClr val="accent1"/>
+          </a:effectRef>
+          <a:fontRef idx="minor">
+            <a:schemeClr val="lt1"/>
+          </a:fontRef>
+        </p:style>
+        <p:txBody>
+          <a:bodyPr rot="0" spcFirstLastPara="0" vertOverflow="overflow" horzOverflow="overflow" vert="horz" wrap="square" lIns="457200" tIns="91440" rIns="91440" bIns="45720" numCol="1" spcCol="0" rtlCol="0" fromWordArt="0" anchor="t" anchorCtr="0" forceAA="0" compatLnSpc="1">
+            <a:prstTxWarp prst="textNoShape">
+              <a:avLst/>
+            </a:prstTxWarp>
+            <a:noAutofit/>
+          </a:bodyPr>
+          <a:lstStyle/>
+          <a:p>
+            <a:pPr algn="l"/>
+            <a:endParaRPr lang="en-US" sz="1200" dirty="0">
+              <a:ln w="0"/>
+              <a:solidFill>
+                <a:schemeClr val="accent5"/>
+              </a:solidFill>
+            </a:endParaRPr>
+          </a:p>
+        </p:txBody>
+      </p:sp>
+      <p:pic>
+        <p:nvPicPr>
+          <p:cNvPr id="5" name="Graphic 4">
+            <a:extLst>
+              <a:ext uri="{FF2B5EF4-FFF2-40B4-BE49-F238E27FC236}">
+                <a16:creationId xmlns:a16="http://schemas.microsoft.com/office/drawing/2014/main" id="{44660AE2-3083-AA4B-B6A3-4A1D8FA53D26}"/>
+              </a:ext>
+            </a:extLst>
+          </p:cNvPr>
+          <p:cNvPicPr>
+            <a:picLocks noChangeAspect="1"/>
+          </p:cNvPicPr>
+          <p:nvPr/>
+        </p:nvPicPr>
+        <p:blipFill>
+          <a:blip r:embed="rId3">
+            <a:extLst>
+              <a:ext uri="{96DAC541-7B7A-43D3-8B79-37D633B846F1}">
+                <asvg:svgBlip xmlns:asvg="http://schemas.microsoft.com/office/drawing/2016/SVG/main" r:embed="rId4"/>
+              </a:ext>
+            </a:extLst>
+          </a:blip>
+          <a:stretch>
+            <a:fillRect/>
+          </a:stretch>
+        </p:blipFill>
+        <p:spPr>
+          <a:xfrm>
+            <a:off x="1197157" y="1329688"/>
+            <a:ext cx="330200" cy="330200"/>
+          </a:xfrm>
+          <a:prstGeom prst="rect">
+            <a:avLst/>
+          </a:prstGeom>
+        </p:spPr>
+      </p:pic>
+      <p:pic>
+        <p:nvPicPr>
+          <p:cNvPr id="6" name="Graphic 5">
+            <a:extLst>
+              <a:ext uri="{FF2B5EF4-FFF2-40B4-BE49-F238E27FC236}">
+                <a16:creationId xmlns:a16="http://schemas.microsoft.com/office/drawing/2014/main" id="{B1686650-CD67-694D-92DC-1795FA4E977F}"/>
+              </a:ext>
+            </a:extLst>
+          </p:cNvPr>
+          <p:cNvPicPr>
+            <a:picLocks noChangeAspect="1"/>
+          </p:cNvPicPr>
+          <p:nvPr/>
+        </p:nvPicPr>
+        <p:blipFill>
+          <a:blip r:embed="rId5">
+            <a:extLst>
+              <a:ext uri="{96DAC541-7B7A-43D3-8B79-37D633B846F1}">
+                <asvg:svgBlip xmlns:asvg="http://schemas.microsoft.com/office/drawing/2016/SVG/main" r:embed="rId6"/>
+              </a:ext>
+            </a:extLst>
+          </a:blip>
+          <a:stretch>
+            <a:fillRect/>
+          </a:stretch>
+        </p:blipFill>
+        <p:spPr>
+          <a:xfrm>
+            <a:off x="901433" y="688796"/>
+            <a:ext cx="330200" cy="330200"/>
+          </a:xfrm>
+          <a:prstGeom prst="rect">
+            <a:avLst/>
+          </a:prstGeom>
+        </p:spPr>
+      </p:pic>
+      <p:sp>
+        <p:nvSpPr>
+          <p:cNvPr id="7" name="Rectangle 6">
+            <a:extLst>
+              <a:ext uri="{FF2B5EF4-FFF2-40B4-BE49-F238E27FC236}">
+                <a16:creationId xmlns:a16="http://schemas.microsoft.com/office/drawing/2014/main" id="{C0E312F0-178B-4349-891D-0B5A24953F2B}"/>
+              </a:ext>
+            </a:extLst>
+          </p:cNvPr>
+          <p:cNvSpPr/>
+          <p:nvPr/>
+        </p:nvSpPr>
+        <p:spPr>
+          <a:xfrm>
+            <a:off x="901432" y="688796"/>
+            <a:ext cx="8376389" cy="5480407"/>
+          </a:xfrm>
+          <a:prstGeom prst="rect">
+            <a:avLst/>
+          </a:prstGeom>
+          <a:noFill/>
+          <a:ln w="12700">
+            <a:solidFill>
+              <a:schemeClr val="tx1"/>
+            </a:solidFill>
+          </a:ln>
+        </p:spPr>
+        <p:style>
+          <a:lnRef idx="2">
+            <a:schemeClr val="accent1">
+              <a:shade val="50000"/>
+            </a:schemeClr>
+          </a:lnRef>
+          <a:fillRef idx="1">
+            <a:schemeClr val="accent1"/>
+          </a:fillRef>
+          <a:effectRef idx="0">
+            <a:schemeClr val="accent1"/>
+          </a:effectRef>
+          <a:fontRef idx="minor">
+            <a:schemeClr val="lt1"/>
+          </a:fontRef>
+        </p:style>
+        <p:txBody>
+          <a:bodyPr rot="0" spcFirstLastPara="0" vertOverflow="overflow" horzOverflow="overflow" vert="horz" wrap="square" lIns="457200" tIns="91440" rIns="91440" bIns="45720" numCol="1" spcCol="0" rtlCol="0" fromWordArt="0" anchor="t" anchorCtr="0" forceAA="0" compatLnSpc="1">
+            <a:prstTxWarp prst="textNoShape">
+              <a:avLst/>
+            </a:prstTxWarp>
+            <a:noAutofit/>
+          </a:bodyPr>
+          <a:lstStyle/>
+          <a:p>
+            <a:pPr algn="l"/>
+            <a:endParaRPr lang="en-US" sz="1200" dirty="0">
+              <a:ln w="0"/>
+              <a:solidFill>
+                <a:sysClr val="windowText" lastClr="000000"/>
+              </a:solidFill>
+            </a:endParaRPr>
+          </a:p>
+        </p:txBody>
+      </p:sp>
+      <p:pic>
+        <p:nvPicPr>
+          <p:cNvPr id="10" name="Graphic 9">
+            <a:extLst>
+              <a:ext uri="{FF2B5EF4-FFF2-40B4-BE49-F238E27FC236}">
+                <a16:creationId xmlns:a16="http://schemas.microsoft.com/office/drawing/2014/main" id="{42F3A835-E0A9-AD4B-A26B-3128CD099FF7}"/>
+              </a:ext>
+            </a:extLst>
+          </p:cNvPr>
+          <p:cNvPicPr>
+            <a:picLocks noChangeAspect="1"/>
+          </p:cNvPicPr>
+          <p:nvPr/>
+        </p:nvPicPr>
+        <p:blipFill>
+          <a:blip r:embed="rId7">
+            <a:extLst>
+              <a:ext uri="{96DAC541-7B7A-43D3-8B79-37D633B846F1}">
+                <asvg:svgBlip xmlns:asvg="http://schemas.microsoft.com/office/drawing/2016/SVG/main" r:embed="rId8"/>
+              </a:ext>
+            </a:extLst>
+          </a:blip>
+          <a:stretch>
+            <a:fillRect/>
+          </a:stretch>
+        </p:blipFill>
+        <p:spPr>
+          <a:xfrm>
+            <a:off x="8313249" y="973482"/>
+            <a:ext cx="914400" cy="914400"/>
+          </a:xfrm>
+          <a:prstGeom prst="rect">
+            <a:avLst/>
+          </a:prstGeom>
+        </p:spPr>
+      </p:pic>
+      <p:pic>
+        <p:nvPicPr>
+          <p:cNvPr id="11" name="Graphic 10">
+            <a:extLst>
+              <a:ext uri="{FF2B5EF4-FFF2-40B4-BE49-F238E27FC236}">
+                <a16:creationId xmlns:a16="http://schemas.microsoft.com/office/drawing/2014/main" id="{55BA43DA-400D-BC41-9608-F91822B023AF}"/>
+              </a:ext>
+            </a:extLst>
+          </p:cNvPr>
+          <p:cNvPicPr>
+            <a:picLocks noChangeAspect="1"/>
+          </p:cNvPicPr>
+          <p:nvPr/>
+        </p:nvPicPr>
+        <p:blipFill>
+          <a:blip r:embed="rId9">
+            <a:extLst>
+              <a:ext uri="{96DAC541-7B7A-43D3-8B79-37D633B846F1}">
+                <asvg:svgBlip xmlns:asvg="http://schemas.microsoft.com/office/drawing/2016/SVG/main" r:embed="rId10"/>
+              </a:ext>
+            </a:extLst>
+          </a:blip>
+          <a:stretch>
+            <a:fillRect/>
+          </a:stretch>
+        </p:blipFill>
+        <p:spPr>
+          <a:xfrm>
+            <a:off x="7569397" y="2649010"/>
+            <a:ext cx="914400" cy="914400"/>
+          </a:xfrm>
+          <a:prstGeom prst="rect">
+            <a:avLst/>
+          </a:prstGeom>
+        </p:spPr>
+      </p:pic>
+      <p:pic>
+        <p:nvPicPr>
+          <p:cNvPr id="12" name="Graphic 11">
+            <a:extLst>
+              <a:ext uri="{FF2B5EF4-FFF2-40B4-BE49-F238E27FC236}">
+                <a16:creationId xmlns:a16="http://schemas.microsoft.com/office/drawing/2014/main" id="{1C56465D-BAC0-DE44-857D-C10E76348939}"/>
+              </a:ext>
+            </a:extLst>
+          </p:cNvPr>
+          <p:cNvPicPr>
+            <a:picLocks noChangeAspect="1"/>
+          </p:cNvPicPr>
+          <p:nvPr/>
+        </p:nvPicPr>
+        <p:blipFill>
+          <a:blip r:embed="rId11">
+            <a:extLst>
+              <a:ext uri="{96DAC541-7B7A-43D3-8B79-37D633B846F1}">
+                <asvg:svgBlip xmlns:asvg="http://schemas.microsoft.com/office/drawing/2016/SVG/main" r:embed="rId12"/>
+              </a:ext>
+            </a:extLst>
+          </a:blip>
+          <a:stretch>
+            <a:fillRect/>
+          </a:stretch>
+        </p:blipFill>
+        <p:spPr>
+          <a:xfrm>
+            <a:off x="8313249" y="4370783"/>
+            <a:ext cx="914400" cy="914400"/>
+          </a:xfrm>
+          <a:prstGeom prst="rect">
+            <a:avLst/>
+          </a:prstGeom>
+        </p:spPr>
+      </p:pic>
+      <p:pic>
+        <p:nvPicPr>
+          <p:cNvPr id="16" name="Graphic 15">
+            <a:extLst>
+              <a:ext uri="{FF2B5EF4-FFF2-40B4-BE49-F238E27FC236}">
+                <a16:creationId xmlns:a16="http://schemas.microsoft.com/office/drawing/2014/main" id="{0A241AE2-5132-7F43-B824-307096105B14}"/>
+              </a:ext>
+            </a:extLst>
+          </p:cNvPr>
+          <p:cNvPicPr>
+            <a:picLocks noChangeAspect="1"/>
+          </p:cNvPicPr>
+          <p:nvPr/>
+        </p:nvPicPr>
+        <p:blipFill>
+          <a:blip r:embed="rId13">
+            <a:extLst>
+              <a:ext uri="{96DAC541-7B7A-43D3-8B79-37D633B846F1}">
+                <asvg:svgBlip xmlns:asvg="http://schemas.microsoft.com/office/drawing/2016/SVG/main" r:embed="rId14"/>
+              </a:ext>
+            </a:extLst>
+          </a:blip>
+          <a:stretch>
+            <a:fillRect/>
+          </a:stretch>
+        </p:blipFill>
+        <p:spPr>
+          <a:xfrm>
+            <a:off x="4945242" y="1812414"/>
+            <a:ext cx="914400" cy="914400"/>
+          </a:xfrm>
+          <a:prstGeom prst="rect">
+            <a:avLst/>
+          </a:prstGeom>
+        </p:spPr>
+      </p:pic>
+      <p:pic>
+        <p:nvPicPr>
+          <p:cNvPr id="17" name="Graphic 16">
+            <a:extLst>
+              <a:ext uri="{FF2B5EF4-FFF2-40B4-BE49-F238E27FC236}">
+                <a16:creationId xmlns:a16="http://schemas.microsoft.com/office/drawing/2014/main" id="{EA29E976-EF2E-6448-B49D-717C911FC69C}"/>
+              </a:ext>
+            </a:extLst>
+          </p:cNvPr>
+          <p:cNvPicPr>
+            <a:picLocks noChangeAspect="1"/>
+          </p:cNvPicPr>
+          <p:nvPr/>
+        </p:nvPicPr>
+        <p:blipFill>
+          <a:blip r:embed="rId15">
+            <a:extLst>
+              <a:ext uri="{96DAC541-7B7A-43D3-8B79-37D633B846F1}">
+                <asvg:svgBlip xmlns:asvg="http://schemas.microsoft.com/office/drawing/2016/SVG/main" r:embed="rId16"/>
+              </a:ext>
+            </a:extLst>
+          </a:blip>
+          <a:stretch>
+            <a:fillRect/>
+          </a:stretch>
+        </p:blipFill>
+        <p:spPr>
+          <a:xfrm>
+            <a:off x="10649186" y="4362423"/>
+            <a:ext cx="914400" cy="914400"/>
+          </a:xfrm>
+          <a:prstGeom prst="rect">
+            <a:avLst/>
+          </a:prstGeom>
+        </p:spPr>
+      </p:pic>
+      <p:sp>
+        <p:nvSpPr>
+          <p:cNvPr id="18" name="TextBox 17">
+            <a:extLst>
+              <a:ext uri="{FF2B5EF4-FFF2-40B4-BE49-F238E27FC236}">
+                <a16:creationId xmlns:a16="http://schemas.microsoft.com/office/drawing/2014/main" id="{3853B9A6-4B6B-A14F-98C7-4500A0A13C8E}"/>
+              </a:ext>
+            </a:extLst>
+          </p:cNvPr>
+          <p:cNvSpPr txBox="1"/>
+          <p:nvPr/>
+        </p:nvSpPr>
+        <p:spPr>
+          <a:xfrm>
+            <a:off x="1180160" y="709383"/>
+            <a:ext cx="514885" cy="276999"/>
+          </a:xfrm>
+          <a:prstGeom prst="rect">
+            <a:avLst/>
+          </a:prstGeom>
+          <a:noFill/>
+        </p:spPr>
+        <p:txBody>
+          <a:bodyPr wrap="none" rtlCol="0">
+            <a:spAutoFit/>
+          </a:bodyPr>
+          <a:lstStyle/>
+          <a:p>
+            <a:r>
+              <a:rPr lang="en-US" sz="1200" dirty="0">
+                <a:latin typeface="Amazon Ember" panose="020B0603020204020204" pitchFamily="34" charset="0"/>
+                <a:ea typeface="Amazon Ember" panose="020B0603020204020204" pitchFamily="34" charset="0"/>
+                <a:cs typeface="Amazon Ember" panose="020B0603020204020204" pitchFamily="34" charset="0"/>
+              </a:rPr>
+              <a:t>AWS</a:t>
+            </a:r>
+          </a:p>
+        </p:txBody>
+      </p:sp>
+      <p:sp>
+        <p:nvSpPr>
+          <p:cNvPr id="19" name="TextBox 18">
+            <a:extLst>
+              <a:ext uri="{FF2B5EF4-FFF2-40B4-BE49-F238E27FC236}">
+                <a16:creationId xmlns:a16="http://schemas.microsoft.com/office/drawing/2014/main" id="{B17227A5-2A94-3F42-B34B-9FA0370D04EA}"/>
+              </a:ext>
+            </a:extLst>
+          </p:cNvPr>
+          <p:cNvSpPr txBox="1"/>
+          <p:nvPr/>
+        </p:nvSpPr>
+        <p:spPr>
+          <a:xfrm>
+            <a:off x="1484695" y="1372935"/>
+            <a:ext cx="468398" cy="276999"/>
+          </a:xfrm>
+          <a:prstGeom prst="rect">
+            <a:avLst/>
+          </a:prstGeom>
+          <a:noFill/>
+        </p:spPr>
+        <p:txBody>
+          <a:bodyPr wrap="none" rtlCol="0">
+            <a:spAutoFit/>
+          </a:bodyPr>
+          <a:lstStyle/>
+          <a:p>
+            <a:r>
+              <a:rPr lang="en-US" sz="1200" dirty="0">
+                <a:latin typeface="Amazon Ember" panose="020B0603020204020204" pitchFamily="34" charset="0"/>
+                <a:ea typeface="Amazon Ember" panose="020B0603020204020204" pitchFamily="34" charset="0"/>
+                <a:cs typeface="Amazon Ember" panose="020B0603020204020204" pitchFamily="34" charset="0"/>
+              </a:rPr>
+              <a:t>VPC</a:t>
+            </a:r>
+          </a:p>
+        </p:txBody>
+      </p:sp>
+      <p:pic>
+        <p:nvPicPr>
+          <p:cNvPr id="21" name="Graphic 20">
+            <a:extLst>
+              <a:ext uri="{FF2B5EF4-FFF2-40B4-BE49-F238E27FC236}">
+                <a16:creationId xmlns:a16="http://schemas.microsoft.com/office/drawing/2014/main" id="{777409BF-3B04-8D46-8ED6-A4EFCFABDC11}"/>
+              </a:ext>
+            </a:extLst>
+          </p:cNvPr>
+          <p:cNvPicPr>
+            <a:picLocks noChangeAspect="1"/>
+          </p:cNvPicPr>
+          <p:nvPr/>
+        </p:nvPicPr>
+        <p:blipFill>
+          <a:blip r:embed="rId17">
+            <a:extLst>
+              <a:ext uri="{96DAC541-7B7A-43D3-8B79-37D633B846F1}">
+                <asvg:svgBlip xmlns:asvg="http://schemas.microsoft.com/office/drawing/2016/SVG/main" r:embed="rId18"/>
+              </a:ext>
+            </a:extLst>
+          </a:blip>
+          <a:stretch>
+            <a:fillRect/>
+          </a:stretch>
+        </p:blipFill>
+        <p:spPr>
+          <a:xfrm>
+            <a:off x="1523409" y="1668241"/>
+            <a:ext cx="274320" cy="274320"/>
+          </a:xfrm>
+          <a:prstGeom prst="rect">
+            <a:avLst/>
+          </a:prstGeom>
+        </p:spPr>
+      </p:pic>
+      <p:sp>
+        <p:nvSpPr>
+          <p:cNvPr id="22" name="TextBox 21">
+            <a:extLst>
+              <a:ext uri="{FF2B5EF4-FFF2-40B4-BE49-F238E27FC236}">
+                <a16:creationId xmlns:a16="http://schemas.microsoft.com/office/drawing/2014/main" id="{81FEB260-E897-184E-9FFA-152603C3AD47}"/>
+              </a:ext>
+            </a:extLst>
+          </p:cNvPr>
+          <p:cNvSpPr txBox="1"/>
+          <p:nvPr/>
+        </p:nvSpPr>
+        <p:spPr>
+          <a:xfrm>
+            <a:off x="1756333" y="1673915"/>
+            <a:ext cx="1213794" cy="276999"/>
+          </a:xfrm>
+          <a:prstGeom prst="rect">
+            <a:avLst/>
+          </a:prstGeom>
+          <a:noFill/>
+        </p:spPr>
+        <p:txBody>
+          <a:bodyPr wrap="none" rtlCol="0">
+            <a:spAutoFit/>
+          </a:bodyPr>
+          <a:lstStyle/>
+          <a:p>
+            <a:r>
+              <a:rPr lang="en-US" sz="1200" dirty="0">
+                <a:latin typeface="Amazon Ember" panose="020B0603020204020204" pitchFamily="34" charset="0"/>
+                <a:ea typeface="Amazon Ember" panose="020B0603020204020204" pitchFamily="34" charset="0"/>
+                <a:cs typeface="Amazon Ember" panose="020B0603020204020204" pitchFamily="34" charset="0"/>
+              </a:rPr>
+              <a:t>Private Subnet</a:t>
+            </a:r>
+          </a:p>
+        </p:txBody>
+      </p:sp>
+      <p:pic>
+        <p:nvPicPr>
+          <p:cNvPr id="24" name="Graphic 23">
+            <a:extLst>
+              <a:ext uri="{FF2B5EF4-FFF2-40B4-BE49-F238E27FC236}">
+                <a16:creationId xmlns:a16="http://schemas.microsoft.com/office/drawing/2014/main" id="{15B90226-D6CA-2D4F-B891-8D6EF660EB73}"/>
+              </a:ext>
+            </a:extLst>
+          </p:cNvPr>
+          <p:cNvPicPr>
+            <a:picLocks noChangeAspect="1"/>
+          </p:cNvPicPr>
+          <p:nvPr/>
+        </p:nvPicPr>
+        <p:blipFill>
+          <a:blip r:embed="rId19">
+            <a:extLst>
+              <a:ext uri="{96DAC541-7B7A-43D3-8B79-37D633B846F1}">
+                <asvg:svgBlip xmlns:asvg="http://schemas.microsoft.com/office/drawing/2016/SVG/main" r:embed="rId20"/>
+              </a:ext>
+            </a:extLst>
+          </a:blip>
+          <a:stretch>
+            <a:fillRect/>
+          </a:stretch>
+        </p:blipFill>
+        <p:spPr>
+          <a:xfrm>
+            <a:off x="4579898" y="2838707"/>
+            <a:ext cx="1645088" cy="1371600"/>
+          </a:xfrm>
+          <a:prstGeom prst="rect">
+            <a:avLst/>
+          </a:prstGeom>
+        </p:spPr>
+      </p:pic>
+      <p:sp>
+        <p:nvSpPr>
+          <p:cNvPr id="25" name="TextBox 24">
+            <a:extLst>
+              <a:ext uri="{FF2B5EF4-FFF2-40B4-BE49-F238E27FC236}">
+                <a16:creationId xmlns:a16="http://schemas.microsoft.com/office/drawing/2014/main" id="{9485E412-218E-4445-925F-5C2936601208}"/>
+              </a:ext>
+            </a:extLst>
+          </p:cNvPr>
+          <p:cNvSpPr txBox="1"/>
+          <p:nvPr/>
+        </p:nvSpPr>
+        <p:spPr>
+          <a:xfrm>
+            <a:off x="4811651" y="3299318"/>
+            <a:ext cx="1143150" cy="461665"/>
+          </a:xfrm>
+          <a:prstGeom prst="rect">
+            <a:avLst/>
+          </a:prstGeom>
+          <a:noFill/>
+        </p:spPr>
+        <p:txBody>
+          <a:bodyPr wrap="square" rtlCol="0">
+            <a:spAutoFit/>
+          </a:bodyPr>
+          <a:lstStyle/>
+          <a:p>
+            <a:pPr algn="ctr"/>
+            <a:r>
+              <a:rPr lang="en-US" sz="1200" dirty="0">
+                <a:latin typeface="Amazon Ember" panose="020B0603020204020204" pitchFamily="34" charset="0"/>
+                <a:ea typeface="Amazon Ember" panose="020B0603020204020204" pitchFamily="34" charset="0"/>
+                <a:cs typeface="Amazon Ember" panose="020B0603020204020204" pitchFamily="34" charset="0"/>
+              </a:rPr>
+              <a:t>Malicious</a:t>
+            </a:r>
+          </a:p>
+          <a:p>
+            <a:pPr algn="ctr"/>
+            <a:r>
+              <a:rPr lang="en-US" sz="1200" dirty="0">
+                <a:latin typeface="Amazon Ember" panose="020B0603020204020204" pitchFamily="34" charset="0"/>
+                <a:ea typeface="Amazon Ember" panose="020B0603020204020204" pitchFamily="34" charset="0"/>
+                <a:cs typeface="Amazon Ember" panose="020B0603020204020204" pitchFamily="34" charset="0"/>
+              </a:rPr>
+              <a:t>Instance</a:t>
+            </a:r>
+          </a:p>
+        </p:txBody>
+      </p:sp>
+      <p:sp>
+        <p:nvSpPr>
+          <p:cNvPr id="26" name="TextBox 25">
+            <a:extLst>
+              <a:ext uri="{FF2B5EF4-FFF2-40B4-BE49-F238E27FC236}">
+                <a16:creationId xmlns:a16="http://schemas.microsoft.com/office/drawing/2014/main" id="{487358D7-051F-E140-AE17-B250D6AA7BFC}"/>
+              </a:ext>
+            </a:extLst>
+          </p:cNvPr>
+          <p:cNvSpPr txBox="1"/>
+          <p:nvPr/>
+        </p:nvSpPr>
+        <p:spPr>
+          <a:xfrm>
+            <a:off x="4846149" y="2375185"/>
+            <a:ext cx="1143150" cy="461665"/>
+          </a:xfrm>
+          <a:prstGeom prst="rect">
+            <a:avLst/>
+          </a:prstGeom>
+          <a:noFill/>
+        </p:spPr>
+        <p:txBody>
+          <a:bodyPr wrap="square" rtlCol="0">
+            <a:spAutoFit/>
+          </a:bodyPr>
+          <a:lstStyle/>
+          <a:p>
+            <a:pPr algn="ctr"/>
+            <a:r>
+              <a:rPr lang="en-US" sz="1200" dirty="0">
+                <a:latin typeface="Amazon Ember" panose="020B0603020204020204" pitchFamily="34" charset="0"/>
+                <a:ea typeface="Amazon Ember" panose="020B0603020204020204" pitchFamily="34" charset="0"/>
+                <a:cs typeface="Amazon Ember" panose="020B0603020204020204" pitchFamily="34" charset="0"/>
+              </a:rPr>
+              <a:t>Elastic IP-</a:t>
+            </a:r>
+          </a:p>
+          <a:p>
+            <a:pPr algn="ctr"/>
+            <a:r>
+              <a:rPr lang="en-US" sz="1200" dirty="0">
+                <a:latin typeface="Amazon Ember" panose="020B0603020204020204" pitchFamily="34" charset="0"/>
+                <a:ea typeface="Amazon Ember" panose="020B0603020204020204" pitchFamily="34" charset="0"/>
+                <a:cs typeface="Amazon Ember" panose="020B0603020204020204" pitchFamily="34" charset="0"/>
+              </a:rPr>
+              <a:t>In Threat List</a:t>
+            </a:r>
+          </a:p>
+        </p:txBody>
+      </p:sp>
+      <p:sp>
+        <p:nvSpPr>
+          <p:cNvPr id="27" name="TextBox 26">
+            <a:extLst>
+              <a:ext uri="{FF2B5EF4-FFF2-40B4-BE49-F238E27FC236}">
+                <a16:creationId xmlns:a16="http://schemas.microsoft.com/office/drawing/2014/main" id="{F2623216-84EA-0E40-B19A-095577A20F2B}"/>
+              </a:ext>
+            </a:extLst>
+          </p:cNvPr>
+          <p:cNvSpPr txBox="1"/>
+          <p:nvPr/>
+        </p:nvSpPr>
+        <p:spPr>
+          <a:xfrm>
+            <a:off x="6907835" y="1840934"/>
+            <a:ext cx="899606" cy="461665"/>
+          </a:xfrm>
+          <a:prstGeom prst="rect">
+            <a:avLst/>
+          </a:prstGeom>
+          <a:noFill/>
+        </p:spPr>
+        <p:txBody>
+          <a:bodyPr wrap="none" rtlCol="0">
+            <a:spAutoFit/>
+          </a:bodyPr>
+          <a:lstStyle/>
+          <a:p>
+            <a:pPr algn="ctr"/>
+            <a:r>
+              <a:rPr lang="en-US" sz="1200" dirty="0">
+                <a:latin typeface="Amazon Ember" panose="020B0603020204020204" pitchFamily="34" charset="0"/>
+                <a:ea typeface="Amazon Ember" panose="020B0603020204020204" pitchFamily="34" charset="0"/>
+                <a:cs typeface="Amazon Ember" panose="020B0603020204020204" pitchFamily="34" charset="0"/>
+              </a:rPr>
+              <a:t>AWS</a:t>
+            </a:r>
+          </a:p>
+          <a:p>
+            <a:pPr algn="ctr"/>
+            <a:r>
+              <a:rPr lang="en-US" sz="1200" dirty="0">
+                <a:latin typeface="Amazon Ember" panose="020B0603020204020204" pitchFamily="34" charset="0"/>
+                <a:ea typeface="Amazon Ember" panose="020B0603020204020204" pitchFamily="34" charset="0"/>
+                <a:cs typeface="Amazon Ember" panose="020B0603020204020204" pitchFamily="34" charset="0"/>
+              </a:rPr>
+              <a:t>CloudTrail</a:t>
+            </a:r>
+          </a:p>
+        </p:txBody>
+      </p:sp>
+      <p:sp>
+        <p:nvSpPr>
+          <p:cNvPr id="28" name="TextBox 27">
+            <a:extLst>
+              <a:ext uri="{FF2B5EF4-FFF2-40B4-BE49-F238E27FC236}">
+                <a16:creationId xmlns:a16="http://schemas.microsoft.com/office/drawing/2014/main" id="{2904577E-547B-EE40-B4A9-CBF54656F099}"/>
+              </a:ext>
+            </a:extLst>
+          </p:cNvPr>
+          <p:cNvSpPr txBox="1"/>
+          <p:nvPr/>
+        </p:nvSpPr>
+        <p:spPr>
+          <a:xfrm>
+            <a:off x="7509468" y="3486763"/>
+            <a:ext cx="1034257" cy="646331"/>
+          </a:xfrm>
+          <a:prstGeom prst="rect">
+            <a:avLst/>
+          </a:prstGeom>
+          <a:noFill/>
+        </p:spPr>
+        <p:txBody>
+          <a:bodyPr wrap="none" rtlCol="0">
+            <a:spAutoFit/>
+          </a:bodyPr>
+          <a:lstStyle/>
+          <a:p>
+            <a:pPr algn="ctr"/>
+            <a:r>
+              <a:rPr lang="en-US" sz="1200" dirty="0">
+                <a:latin typeface="Amazon Ember" panose="020B0603020204020204" pitchFamily="34" charset="0"/>
+                <a:ea typeface="Amazon Ember" panose="020B0603020204020204" pitchFamily="34" charset="0"/>
+                <a:cs typeface="Amazon Ember" panose="020B0603020204020204" pitchFamily="34" charset="0"/>
+              </a:rPr>
+              <a:t>Amazon</a:t>
+            </a:r>
+          </a:p>
+          <a:p>
+            <a:pPr algn="ctr"/>
+            <a:r>
+              <a:rPr lang="en-US" sz="1200" dirty="0">
+                <a:latin typeface="Amazon Ember" panose="020B0603020204020204" pitchFamily="34" charset="0"/>
+                <a:ea typeface="Amazon Ember" panose="020B0603020204020204" pitchFamily="34" charset="0"/>
+                <a:cs typeface="Amazon Ember" panose="020B0603020204020204" pitchFamily="34" charset="0"/>
+              </a:rPr>
+              <a:t>CloudWatch</a:t>
+            </a:r>
+          </a:p>
+          <a:p>
+            <a:pPr algn="ctr"/>
+            <a:r>
+              <a:rPr lang="en-US" sz="1200" dirty="0">
+                <a:latin typeface="Amazon Ember" panose="020B0603020204020204" pitchFamily="34" charset="0"/>
+                <a:ea typeface="Amazon Ember" panose="020B0603020204020204" pitchFamily="34" charset="0"/>
+                <a:cs typeface="Amazon Ember" panose="020B0603020204020204" pitchFamily="34" charset="0"/>
+              </a:rPr>
+              <a:t>Event Rule</a:t>
+            </a:r>
+          </a:p>
+        </p:txBody>
+      </p:sp>
+      <p:sp>
+        <p:nvSpPr>
+          <p:cNvPr id="30" name="TextBox 29">
+            <a:extLst>
+              <a:ext uri="{FF2B5EF4-FFF2-40B4-BE49-F238E27FC236}">
+                <a16:creationId xmlns:a16="http://schemas.microsoft.com/office/drawing/2014/main" id="{342C93BA-36AC-0D4D-A5B4-6AFFDFC3231E}"/>
+              </a:ext>
+            </a:extLst>
+          </p:cNvPr>
+          <p:cNvSpPr txBox="1"/>
+          <p:nvPr/>
+        </p:nvSpPr>
+        <p:spPr>
+          <a:xfrm>
+            <a:off x="8382461" y="5265527"/>
+            <a:ext cx="756937" cy="461665"/>
+          </a:xfrm>
+          <a:prstGeom prst="rect">
+            <a:avLst/>
+          </a:prstGeom>
+          <a:noFill/>
+        </p:spPr>
+        <p:txBody>
+          <a:bodyPr wrap="none" rtlCol="0">
+            <a:spAutoFit/>
+          </a:bodyPr>
+          <a:lstStyle/>
+          <a:p>
+            <a:pPr algn="ctr"/>
+            <a:r>
+              <a:rPr lang="en-US" sz="1200" dirty="0">
+                <a:latin typeface="Amazon Ember" panose="020B0603020204020204" pitchFamily="34" charset="0"/>
+                <a:ea typeface="Amazon Ember" panose="020B0603020204020204" pitchFamily="34" charset="0"/>
+                <a:cs typeface="Amazon Ember" panose="020B0603020204020204" pitchFamily="34" charset="0"/>
+              </a:rPr>
+              <a:t>Amazon</a:t>
+            </a:r>
+          </a:p>
+          <a:p>
+            <a:pPr algn="ctr"/>
+            <a:r>
+              <a:rPr lang="en-US" sz="1200" dirty="0">
+                <a:latin typeface="Amazon Ember" panose="020B0603020204020204" pitchFamily="34" charset="0"/>
+                <a:ea typeface="Amazon Ember" panose="020B0603020204020204" pitchFamily="34" charset="0"/>
+                <a:cs typeface="Amazon Ember" panose="020B0603020204020204" pitchFamily="34" charset="0"/>
+              </a:rPr>
+              <a:t>SNS</a:t>
+            </a:r>
+          </a:p>
+        </p:txBody>
+      </p:sp>
+      <p:sp>
+        <p:nvSpPr>
+          <p:cNvPr id="31" name="TextBox 30">
+            <a:extLst>
+              <a:ext uri="{FF2B5EF4-FFF2-40B4-BE49-F238E27FC236}">
+                <a16:creationId xmlns:a16="http://schemas.microsoft.com/office/drawing/2014/main" id="{BACD3561-D9C2-6745-87B0-2526036F814C}"/>
+              </a:ext>
+            </a:extLst>
+          </p:cNvPr>
+          <p:cNvSpPr txBox="1"/>
+          <p:nvPr/>
+        </p:nvSpPr>
+        <p:spPr>
+          <a:xfrm>
+            <a:off x="8299807" y="1878054"/>
+            <a:ext cx="941283" cy="461665"/>
+          </a:xfrm>
+          <a:prstGeom prst="rect">
+            <a:avLst/>
+          </a:prstGeom>
+          <a:noFill/>
+        </p:spPr>
+        <p:txBody>
+          <a:bodyPr wrap="none" rtlCol="0">
+            <a:spAutoFit/>
+          </a:bodyPr>
+          <a:lstStyle/>
+          <a:p>
+            <a:pPr algn="ctr"/>
+            <a:r>
+              <a:rPr lang="en-US" sz="1200" dirty="0">
+                <a:latin typeface="Amazon Ember" panose="020B0603020204020204" pitchFamily="34" charset="0"/>
+                <a:ea typeface="Amazon Ember" panose="020B0603020204020204" pitchFamily="34" charset="0"/>
+                <a:cs typeface="Amazon Ember" panose="020B0603020204020204" pitchFamily="34" charset="0"/>
+              </a:rPr>
+              <a:t>Amazon</a:t>
+            </a:r>
+          </a:p>
+          <a:p>
+            <a:pPr algn="ctr"/>
+            <a:r>
+              <a:rPr lang="en-US" sz="1200" dirty="0" err="1">
+                <a:latin typeface="Amazon Ember" panose="020B0603020204020204" pitchFamily="34" charset="0"/>
+                <a:ea typeface="Amazon Ember" panose="020B0603020204020204" pitchFamily="34" charset="0"/>
+                <a:cs typeface="Amazon Ember" panose="020B0603020204020204" pitchFamily="34" charset="0"/>
+              </a:rPr>
+              <a:t>GuardDuty</a:t>
+            </a:r>
+            <a:endParaRPr lang="en-US" sz="1200" dirty="0">
+              <a:latin typeface="Amazon Ember" panose="020B0603020204020204" pitchFamily="34" charset="0"/>
+              <a:ea typeface="Amazon Ember" panose="020B0603020204020204" pitchFamily="34" charset="0"/>
+              <a:cs typeface="Amazon Ember" panose="020B0603020204020204" pitchFamily="34" charset="0"/>
+            </a:endParaRPr>
+          </a:p>
+        </p:txBody>
+      </p:sp>
+      <p:cxnSp>
+        <p:nvCxnSpPr>
+          <p:cNvPr id="32" name="Straight Arrow Connector 31">
+            <a:extLst>
+              <a:ext uri="{FF2B5EF4-FFF2-40B4-BE49-F238E27FC236}">
+                <a16:creationId xmlns:a16="http://schemas.microsoft.com/office/drawing/2014/main" id="{C4814EA6-8146-AF4D-96C2-89B1F02B9859}"/>
+              </a:ext>
+            </a:extLst>
+          </p:cNvPr>
+          <p:cNvCxnSpPr>
+            <a:cxnSpLocks/>
+          </p:cNvCxnSpPr>
+          <p:nvPr/>
+        </p:nvCxnSpPr>
+        <p:spPr>
+          <a:xfrm flipH="1">
+            <a:off x="9277822" y="4839723"/>
+            <a:ext cx="1300844" cy="0"/>
+          </a:xfrm>
+          <a:prstGeom prst="straightConnector1">
+            <a:avLst/>
+          </a:prstGeom>
+          <a:ln w="12700">
+            <a:solidFill>
+              <a:srgbClr val="545B64"/>
+            </a:solidFill>
+            <a:headEnd type="arrow" w="med" len="sm"/>
+            <a:tailEnd type="none" w="med" len="sm"/>
+          </a:ln>
+        </p:spPr>
+        <p:style>
+          <a:lnRef idx="1">
+            <a:schemeClr val="accent1"/>
+          </a:lnRef>
+          <a:fillRef idx="0">
+            <a:schemeClr val="accent1"/>
+          </a:fillRef>
+          <a:effectRef idx="0">
+            <a:schemeClr val="accent1"/>
+          </a:effectRef>
+          <a:fontRef idx="minor">
+            <a:schemeClr val="tx1"/>
+          </a:fontRef>
+        </p:style>
+      </p:cxnSp>
+      <p:cxnSp>
+        <p:nvCxnSpPr>
+          <p:cNvPr id="35" name="Straight Arrow Connector 34">
+            <a:extLst>
+              <a:ext uri="{FF2B5EF4-FFF2-40B4-BE49-F238E27FC236}">
+                <a16:creationId xmlns:a16="http://schemas.microsoft.com/office/drawing/2014/main" id="{C7AA32B7-3372-CB4F-A59A-A8F1CED83EFA}"/>
+              </a:ext>
+            </a:extLst>
+          </p:cNvPr>
+          <p:cNvCxnSpPr>
+            <a:cxnSpLocks/>
+          </p:cNvCxnSpPr>
+          <p:nvPr/>
+        </p:nvCxnSpPr>
+        <p:spPr>
+          <a:xfrm>
+            <a:off x="7873802" y="1428854"/>
+            <a:ext cx="457640" cy="0"/>
+          </a:xfrm>
+          <a:prstGeom prst="straightConnector1">
+            <a:avLst/>
+          </a:prstGeom>
+          <a:ln w="12700">
+            <a:solidFill>
+              <a:srgbClr val="545B64"/>
+            </a:solidFill>
+            <a:headEnd type="arrow" w="med" len="sm"/>
+            <a:tailEnd type="none" w="med" len="sm"/>
+          </a:ln>
+        </p:spPr>
+        <p:style>
+          <a:lnRef idx="1">
+            <a:schemeClr val="accent1"/>
+          </a:lnRef>
+          <a:fillRef idx="0">
+            <a:schemeClr val="accent1"/>
+          </a:fillRef>
+          <a:effectRef idx="0">
+            <a:schemeClr val="accent1"/>
+          </a:effectRef>
+          <a:fontRef idx="minor">
+            <a:schemeClr val="tx1"/>
+          </a:fontRef>
+        </p:style>
+      </p:cxnSp>
+      <p:cxnSp>
+        <p:nvCxnSpPr>
+          <p:cNvPr id="39" name="Straight Arrow Connector 38">
+            <a:extLst>
+              <a:ext uri="{FF2B5EF4-FFF2-40B4-BE49-F238E27FC236}">
+                <a16:creationId xmlns:a16="http://schemas.microsoft.com/office/drawing/2014/main" id="{93B66BBF-C295-F949-8AE3-1B7EE18BE864}"/>
+              </a:ext>
+            </a:extLst>
+          </p:cNvPr>
+          <p:cNvCxnSpPr>
+            <a:cxnSpLocks/>
+          </p:cNvCxnSpPr>
+          <p:nvPr/>
+        </p:nvCxnSpPr>
+        <p:spPr>
+          <a:xfrm flipH="1" flipV="1">
+            <a:off x="8741023" y="3267100"/>
+            <a:ext cx="1" cy="1086232"/>
+          </a:xfrm>
+          <a:prstGeom prst="straightConnector1">
+            <a:avLst/>
+          </a:prstGeom>
+          <a:ln w="12700">
+            <a:solidFill>
+              <a:srgbClr val="545B64"/>
+            </a:solidFill>
+            <a:headEnd type="arrow" w="med" len="sm"/>
+            <a:tailEnd type="none" w="med" len="sm"/>
+          </a:ln>
+        </p:spPr>
+        <p:style>
+          <a:lnRef idx="1">
+            <a:schemeClr val="accent1"/>
+          </a:lnRef>
+          <a:fillRef idx="0">
+            <a:schemeClr val="accent1"/>
+          </a:fillRef>
+          <a:effectRef idx="0">
+            <a:schemeClr val="accent1"/>
+          </a:effectRef>
+          <a:fontRef idx="minor">
+            <a:schemeClr val="tx1"/>
+          </a:fontRef>
+        </p:style>
+      </p:cxnSp>
+      <p:cxnSp>
+        <p:nvCxnSpPr>
+          <p:cNvPr id="42" name="Straight Arrow Connector 41">
+            <a:extLst>
+              <a:ext uri="{FF2B5EF4-FFF2-40B4-BE49-F238E27FC236}">
+                <a16:creationId xmlns:a16="http://schemas.microsoft.com/office/drawing/2014/main" id="{E262148E-5A65-C84E-8622-B0A7102869A7}"/>
+              </a:ext>
+            </a:extLst>
+          </p:cNvPr>
+          <p:cNvCxnSpPr>
+            <a:cxnSpLocks/>
+          </p:cNvCxnSpPr>
+          <p:nvPr/>
+        </p:nvCxnSpPr>
+        <p:spPr>
+          <a:xfrm flipV="1">
+            <a:off x="7956269" y="1878054"/>
+            <a:ext cx="336817" cy="1110572"/>
+          </a:xfrm>
+          <a:prstGeom prst="straightConnector1">
+            <a:avLst/>
+          </a:prstGeom>
+          <a:ln w="12700">
+            <a:solidFill>
+              <a:srgbClr val="545B64"/>
+            </a:solidFill>
+            <a:headEnd type="arrow" w="med" len="sm"/>
+            <a:tailEnd type="none" w="med" len="sm"/>
+          </a:ln>
+        </p:spPr>
+        <p:style>
+          <a:lnRef idx="1">
+            <a:schemeClr val="accent1"/>
+          </a:lnRef>
+          <a:fillRef idx="0">
+            <a:schemeClr val="accent1"/>
+          </a:fillRef>
+          <a:effectRef idx="0">
+            <a:schemeClr val="accent1"/>
+          </a:effectRef>
+          <a:fontRef idx="minor">
+            <a:schemeClr val="tx1"/>
+          </a:fontRef>
+        </p:style>
+      </p:cxnSp>
+      <p:cxnSp>
+        <p:nvCxnSpPr>
+          <p:cNvPr id="49" name="Straight Arrow Connector 48">
+            <a:extLst>
+              <a:ext uri="{FF2B5EF4-FFF2-40B4-BE49-F238E27FC236}">
+                <a16:creationId xmlns:a16="http://schemas.microsoft.com/office/drawing/2014/main" id="{5C25E618-677F-3540-BD7B-D88F28F2A2D9}"/>
+              </a:ext>
+            </a:extLst>
+          </p:cNvPr>
+          <p:cNvCxnSpPr>
+            <a:cxnSpLocks/>
+          </p:cNvCxnSpPr>
+          <p:nvPr/>
+        </p:nvCxnSpPr>
+        <p:spPr>
+          <a:xfrm>
+            <a:off x="8556194" y="3265032"/>
+            <a:ext cx="184829" cy="0"/>
+          </a:xfrm>
+          <a:prstGeom prst="straightConnector1">
+            <a:avLst/>
+          </a:prstGeom>
+          <a:ln w="12700">
+            <a:solidFill>
+              <a:schemeClr val="tx2"/>
+            </a:solidFill>
+            <a:headEnd type="none" w="med" len="sm"/>
+            <a:tailEnd type="none" w="med" len="sm"/>
+          </a:ln>
+        </p:spPr>
+        <p:style>
+          <a:lnRef idx="1">
+            <a:schemeClr val="accent1"/>
+          </a:lnRef>
+          <a:fillRef idx="0">
+            <a:schemeClr val="accent1"/>
+          </a:fillRef>
+          <a:effectRef idx="0">
+            <a:schemeClr val="accent1"/>
+          </a:effectRef>
+          <a:fontRef idx="minor">
+            <a:schemeClr val="tx1"/>
+          </a:fontRef>
+        </p:style>
+      </p:cxnSp>
+      <p:pic>
+        <p:nvPicPr>
+          <p:cNvPr id="57" name="Graphic 56">
+            <a:extLst>
+              <a:ext uri="{FF2B5EF4-FFF2-40B4-BE49-F238E27FC236}">
+                <a16:creationId xmlns:a16="http://schemas.microsoft.com/office/drawing/2014/main" id="{80377DFA-D736-944C-AE3B-B8DD39CF32B5}"/>
+              </a:ext>
+            </a:extLst>
+          </p:cNvPr>
+          <p:cNvPicPr>
+            <a:picLocks noChangeAspect="1"/>
+          </p:cNvPicPr>
+          <p:nvPr/>
+        </p:nvPicPr>
+        <p:blipFill>
+          <a:blip r:embed="rId21">
+            <a:extLst>
+              <a:ext uri="{96DAC541-7B7A-43D3-8B79-37D633B846F1}">
+                <asvg:svgBlip xmlns:asvg="http://schemas.microsoft.com/office/drawing/2016/SVG/main" r:embed="rId22"/>
+              </a:ext>
+            </a:extLst>
+          </a:blip>
+          <a:stretch>
+            <a:fillRect/>
+          </a:stretch>
+        </p:blipFill>
+        <p:spPr>
+          <a:xfrm>
+            <a:off x="8775047" y="3496935"/>
+            <a:ext cx="469900" cy="469900"/>
+          </a:xfrm>
+          <a:prstGeom prst="rect">
+            <a:avLst/>
+          </a:prstGeom>
+        </p:spPr>
+      </p:pic>
+      <p:sp>
+        <p:nvSpPr>
+          <p:cNvPr id="58" name="TextBox 57">
+            <a:extLst>
+              <a:ext uri="{FF2B5EF4-FFF2-40B4-BE49-F238E27FC236}">
+                <a16:creationId xmlns:a16="http://schemas.microsoft.com/office/drawing/2014/main" id="{295DEA65-C614-9C46-9F8A-1583BFA7401A}"/>
+              </a:ext>
+            </a:extLst>
+          </p:cNvPr>
+          <p:cNvSpPr txBox="1"/>
+          <p:nvPr/>
+        </p:nvSpPr>
+        <p:spPr>
+          <a:xfrm>
+            <a:off x="8866998" y="3528490"/>
+            <a:ext cx="301686" cy="369332"/>
+          </a:xfrm>
+          <a:prstGeom prst="rect">
+            <a:avLst/>
+          </a:prstGeom>
+          <a:noFill/>
+        </p:spPr>
+        <p:txBody>
+          <a:bodyPr wrap="none" rtlCol="0">
+            <a:spAutoFit/>
+          </a:bodyPr>
+          <a:lstStyle/>
+          <a:p>
+            <a:r>
+              <a:rPr lang="en-US" dirty="0"/>
+              <a:t>4</a:t>
+            </a:r>
+          </a:p>
+        </p:txBody>
+      </p:sp>
+      <p:pic>
+        <p:nvPicPr>
+          <p:cNvPr id="59" name="Graphic 58">
+            <a:extLst>
+              <a:ext uri="{FF2B5EF4-FFF2-40B4-BE49-F238E27FC236}">
+                <a16:creationId xmlns:a16="http://schemas.microsoft.com/office/drawing/2014/main" id="{CD1E6DEE-E4AD-1140-B9F7-ABFE0A02C989}"/>
+              </a:ext>
+            </a:extLst>
+          </p:cNvPr>
+          <p:cNvPicPr>
+            <a:picLocks noChangeAspect="1"/>
+          </p:cNvPicPr>
+          <p:nvPr/>
+        </p:nvPicPr>
+        <p:blipFill>
+          <a:blip r:embed="rId21">
+            <a:extLst>
+              <a:ext uri="{96DAC541-7B7A-43D3-8B79-37D633B846F1}">
+                <asvg:svgBlip xmlns:asvg="http://schemas.microsoft.com/office/drawing/2016/SVG/main" r:embed="rId22"/>
+              </a:ext>
+            </a:extLst>
+          </a:blip>
+          <a:stretch>
+            <a:fillRect/>
+          </a:stretch>
+        </p:blipFill>
+        <p:spPr>
+          <a:xfrm>
+            <a:off x="7846901" y="952291"/>
+            <a:ext cx="469900" cy="469900"/>
+          </a:xfrm>
+          <a:prstGeom prst="rect">
+            <a:avLst/>
+          </a:prstGeom>
+        </p:spPr>
+      </p:pic>
+      <p:sp>
+        <p:nvSpPr>
+          <p:cNvPr id="60" name="TextBox 59">
+            <a:extLst>
+              <a:ext uri="{FF2B5EF4-FFF2-40B4-BE49-F238E27FC236}">
+                <a16:creationId xmlns:a16="http://schemas.microsoft.com/office/drawing/2014/main" id="{E190589F-661D-1B4E-BE31-E2D6DB1375EE}"/>
+              </a:ext>
+            </a:extLst>
+          </p:cNvPr>
+          <p:cNvSpPr txBox="1"/>
+          <p:nvPr/>
+        </p:nvSpPr>
+        <p:spPr>
+          <a:xfrm>
+            <a:off x="7938852" y="983846"/>
+            <a:ext cx="301686" cy="369332"/>
+          </a:xfrm>
+          <a:prstGeom prst="rect">
+            <a:avLst/>
+          </a:prstGeom>
+          <a:noFill/>
+        </p:spPr>
+        <p:txBody>
+          <a:bodyPr wrap="none" rtlCol="0">
+            <a:spAutoFit/>
+          </a:bodyPr>
+          <a:lstStyle/>
+          <a:p>
+            <a:r>
+              <a:rPr lang="en-US" dirty="0"/>
+              <a:t>2</a:t>
+            </a:r>
+          </a:p>
+        </p:txBody>
+      </p:sp>
+      <p:pic>
+        <p:nvPicPr>
+          <p:cNvPr id="61" name="Graphic 60">
+            <a:extLst>
+              <a:ext uri="{FF2B5EF4-FFF2-40B4-BE49-F238E27FC236}">
+                <a16:creationId xmlns:a16="http://schemas.microsoft.com/office/drawing/2014/main" id="{26DDF3CD-D20E-E54B-B9E6-EAD9CC8894B6}"/>
+              </a:ext>
+            </a:extLst>
+          </p:cNvPr>
+          <p:cNvPicPr>
+            <a:picLocks noChangeAspect="1"/>
+          </p:cNvPicPr>
+          <p:nvPr/>
+        </p:nvPicPr>
+        <p:blipFill>
+          <a:blip r:embed="rId21">
+            <a:extLst>
+              <a:ext uri="{96DAC541-7B7A-43D3-8B79-37D633B846F1}">
+                <asvg:svgBlip xmlns:asvg="http://schemas.microsoft.com/office/drawing/2016/SVG/main" r:embed="rId22"/>
+              </a:ext>
+            </a:extLst>
+          </a:blip>
+          <a:stretch>
+            <a:fillRect/>
+          </a:stretch>
+        </p:blipFill>
+        <p:spPr>
+          <a:xfrm>
+            <a:off x="7661391" y="2211959"/>
+            <a:ext cx="469900" cy="469900"/>
+          </a:xfrm>
+          <a:prstGeom prst="rect">
+            <a:avLst/>
+          </a:prstGeom>
+        </p:spPr>
+      </p:pic>
+      <p:sp>
+        <p:nvSpPr>
+          <p:cNvPr id="62" name="TextBox 61">
+            <a:extLst>
+              <a:ext uri="{FF2B5EF4-FFF2-40B4-BE49-F238E27FC236}">
+                <a16:creationId xmlns:a16="http://schemas.microsoft.com/office/drawing/2014/main" id="{5977118F-99F1-7B4D-A811-BB679B97FCA3}"/>
+              </a:ext>
+            </a:extLst>
+          </p:cNvPr>
+          <p:cNvSpPr txBox="1"/>
+          <p:nvPr/>
+        </p:nvSpPr>
+        <p:spPr>
+          <a:xfrm>
+            <a:off x="7753342" y="2243514"/>
+            <a:ext cx="301686" cy="369332"/>
+          </a:xfrm>
+          <a:prstGeom prst="rect">
+            <a:avLst/>
+          </a:prstGeom>
+          <a:noFill/>
+        </p:spPr>
+        <p:txBody>
+          <a:bodyPr wrap="none" rtlCol="0">
+            <a:spAutoFit/>
+          </a:bodyPr>
+          <a:lstStyle/>
+          <a:p>
+            <a:r>
+              <a:rPr lang="en-US" dirty="0"/>
+              <a:t>3</a:t>
+            </a:r>
+          </a:p>
+        </p:txBody>
+      </p:sp>
+      <p:pic>
+        <p:nvPicPr>
+          <p:cNvPr id="63" name="Graphic 62">
+            <a:extLst>
+              <a:ext uri="{FF2B5EF4-FFF2-40B4-BE49-F238E27FC236}">
+                <a16:creationId xmlns:a16="http://schemas.microsoft.com/office/drawing/2014/main" id="{2C6A8663-CB81-D845-8445-5427632605EC}"/>
+              </a:ext>
+            </a:extLst>
+          </p:cNvPr>
+          <p:cNvPicPr>
+            <a:picLocks noChangeAspect="1"/>
+          </p:cNvPicPr>
+          <p:nvPr/>
+        </p:nvPicPr>
+        <p:blipFill>
+          <a:blip r:embed="rId23">
+            <a:extLst>
+              <a:ext uri="{96DAC541-7B7A-43D3-8B79-37D633B846F1}">
+                <asvg:svgBlip xmlns:asvg="http://schemas.microsoft.com/office/drawing/2016/SVG/main" r:embed="rId24"/>
+              </a:ext>
+            </a:extLst>
+          </a:blip>
+          <a:stretch>
+            <a:fillRect/>
+          </a:stretch>
+        </p:blipFill>
+        <p:spPr>
+          <a:xfrm>
+            <a:off x="6941649" y="980395"/>
+            <a:ext cx="914400" cy="914400"/>
+          </a:xfrm>
+          <a:prstGeom prst="rect">
+            <a:avLst/>
+          </a:prstGeom>
+        </p:spPr>
+      </p:pic>
+      <p:pic>
+        <p:nvPicPr>
+          <p:cNvPr id="64" name="Graphic 63">
+            <a:extLst>
+              <a:ext uri="{FF2B5EF4-FFF2-40B4-BE49-F238E27FC236}">
+                <a16:creationId xmlns:a16="http://schemas.microsoft.com/office/drawing/2014/main" id="{F6CF8965-B14A-3745-B344-9303376A14D4}"/>
+              </a:ext>
+            </a:extLst>
+          </p:cNvPr>
+          <p:cNvPicPr>
+            <a:picLocks noChangeAspect="1"/>
+          </p:cNvPicPr>
+          <p:nvPr/>
+        </p:nvPicPr>
+        <p:blipFill>
+          <a:blip r:embed="rId25">
+            <a:extLst>
+              <a:ext uri="{96DAC541-7B7A-43D3-8B79-37D633B846F1}">
+                <asvg:svgBlip xmlns:asvg="http://schemas.microsoft.com/office/drawing/2016/SVG/main" r:embed="rId26"/>
+              </a:ext>
+            </a:extLst>
+          </a:blip>
+          <a:stretch>
+            <a:fillRect/>
+          </a:stretch>
+        </p:blipFill>
+        <p:spPr>
+          <a:xfrm>
+            <a:off x="5859642" y="698612"/>
+            <a:ext cx="469900" cy="469900"/>
+          </a:xfrm>
+          <a:prstGeom prst="rect">
+            <a:avLst/>
+          </a:prstGeom>
+        </p:spPr>
+      </p:pic>
+      <p:sp>
+        <p:nvSpPr>
+          <p:cNvPr id="65" name="TextBox 64">
+            <a:extLst>
+              <a:ext uri="{FF2B5EF4-FFF2-40B4-BE49-F238E27FC236}">
+                <a16:creationId xmlns:a16="http://schemas.microsoft.com/office/drawing/2014/main" id="{FD3A721A-4FAE-914C-A24C-3C9101AFE9F0}"/>
+              </a:ext>
+            </a:extLst>
+          </p:cNvPr>
+          <p:cNvSpPr txBox="1"/>
+          <p:nvPr/>
+        </p:nvSpPr>
+        <p:spPr>
+          <a:xfrm>
+            <a:off x="5746757" y="1140110"/>
+            <a:ext cx="713657" cy="400110"/>
+          </a:xfrm>
+          <a:prstGeom prst="rect">
+            <a:avLst/>
+          </a:prstGeom>
+          <a:noFill/>
+        </p:spPr>
+        <p:txBody>
+          <a:bodyPr wrap="none" rtlCol="0">
+            <a:spAutoFit/>
+          </a:bodyPr>
+          <a:lstStyle/>
+          <a:p>
+            <a:pPr algn="ctr"/>
+            <a:r>
+              <a:rPr lang="en-US" sz="1000" dirty="0">
+                <a:latin typeface="Amazon Ember" panose="020B0603020204020204" pitchFamily="34" charset="0"/>
+                <a:ea typeface="Amazon Ember" panose="020B0603020204020204" pitchFamily="34" charset="0"/>
+                <a:cs typeface="Amazon Ember" panose="020B0603020204020204" pitchFamily="34" charset="0"/>
+              </a:rPr>
+              <a:t>AWS API</a:t>
+            </a:r>
+          </a:p>
+          <a:p>
+            <a:pPr algn="ctr"/>
+            <a:r>
+              <a:rPr lang="en-US" sz="1000" dirty="0">
+                <a:latin typeface="Amazon Ember" panose="020B0603020204020204" pitchFamily="34" charset="0"/>
+                <a:ea typeface="Amazon Ember" panose="020B0603020204020204" pitchFamily="34" charset="0"/>
+                <a:cs typeface="Amazon Ember" panose="020B0603020204020204" pitchFamily="34" charset="0"/>
+              </a:rPr>
+              <a:t>Endpoint</a:t>
+            </a:r>
+          </a:p>
+        </p:txBody>
+      </p:sp>
+      <p:cxnSp>
+        <p:nvCxnSpPr>
+          <p:cNvPr id="66" name="Straight Arrow Connector 65">
+            <a:extLst>
+              <a:ext uri="{FF2B5EF4-FFF2-40B4-BE49-F238E27FC236}">
+                <a16:creationId xmlns:a16="http://schemas.microsoft.com/office/drawing/2014/main" id="{45CD8902-94B4-5240-B16B-C7C1D69E3266}"/>
+              </a:ext>
+            </a:extLst>
+          </p:cNvPr>
+          <p:cNvCxnSpPr>
+            <a:cxnSpLocks/>
+          </p:cNvCxnSpPr>
+          <p:nvPr/>
+        </p:nvCxnSpPr>
+        <p:spPr>
+          <a:xfrm flipH="1">
+            <a:off x="5508588" y="933562"/>
+            <a:ext cx="351054" cy="0"/>
+          </a:xfrm>
+          <a:prstGeom prst="straightConnector1">
+            <a:avLst/>
+          </a:prstGeom>
+          <a:ln w="12700">
+            <a:solidFill>
+              <a:srgbClr val="545B64"/>
+            </a:solidFill>
+            <a:headEnd type="arrow" w="med" len="sm"/>
+            <a:tailEnd type="none" w="med" len="sm"/>
+          </a:ln>
+        </p:spPr>
+        <p:style>
+          <a:lnRef idx="1">
+            <a:schemeClr val="accent1"/>
+          </a:lnRef>
+          <a:fillRef idx="0">
+            <a:schemeClr val="accent1"/>
+          </a:fillRef>
+          <a:effectRef idx="0">
+            <a:schemeClr val="accent1"/>
+          </a:effectRef>
+          <a:fontRef idx="minor">
+            <a:schemeClr val="tx1"/>
+          </a:fontRef>
+        </p:style>
+      </p:cxnSp>
+      <p:cxnSp>
+        <p:nvCxnSpPr>
+          <p:cNvPr id="67" name="Straight Arrow Connector 66">
+            <a:extLst>
+              <a:ext uri="{FF2B5EF4-FFF2-40B4-BE49-F238E27FC236}">
+                <a16:creationId xmlns:a16="http://schemas.microsoft.com/office/drawing/2014/main" id="{2869199A-1C61-3D47-8726-239F3851EDD4}"/>
+              </a:ext>
+            </a:extLst>
+          </p:cNvPr>
+          <p:cNvCxnSpPr>
+            <a:cxnSpLocks/>
+          </p:cNvCxnSpPr>
+          <p:nvPr/>
+        </p:nvCxnSpPr>
+        <p:spPr>
+          <a:xfrm>
+            <a:off x="5505228" y="933562"/>
+            <a:ext cx="0" cy="1259935"/>
+          </a:xfrm>
+          <a:prstGeom prst="straightConnector1">
+            <a:avLst/>
+          </a:prstGeom>
+          <a:ln w="12700">
+            <a:solidFill>
+              <a:schemeClr val="tx2"/>
+            </a:solidFill>
+            <a:headEnd type="none" w="med" len="sm"/>
+            <a:tailEnd type="none" w="med" len="sm"/>
+          </a:ln>
+        </p:spPr>
+        <p:style>
+          <a:lnRef idx="1">
+            <a:schemeClr val="accent1"/>
+          </a:lnRef>
+          <a:fillRef idx="0">
+            <a:schemeClr val="accent1"/>
+          </a:fillRef>
+          <a:effectRef idx="0">
+            <a:schemeClr val="accent1"/>
+          </a:effectRef>
+          <a:fontRef idx="minor">
+            <a:schemeClr val="tx1"/>
+          </a:fontRef>
+        </p:style>
+      </p:cxnSp>
+      <p:cxnSp>
+        <p:nvCxnSpPr>
+          <p:cNvPr id="68" name="Elbow Connector 67">
+            <a:extLst>
+              <a:ext uri="{FF2B5EF4-FFF2-40B4-BE49-F238E27FC236}">
+                <a16:creationId xmlns:a16="http://schemas.microsoft.com/office/drawing/2014/main" id="{F07F4D1A-B81F-784C-B2D3-267D558F151B}"/>
+              </a:ext>
+            </a:extLst>
+          </p:cNvPr>
+          <p:cNvCxnSpPr>
+            <a:cxnSpLocks/>
+          </p:cNvCxnSpPr>
+          <p:nvPr/>
+        </p:nvCxnSpPr>
+        <p:spPr>
+          <a:xfrm>
+            <a:off x="6317061" y="939148"/>
+            <a:ext cx="566654" cy="200961"/>
+          </a:xfrm>
+          <a:prstGeom prst="bentConnector3">
+            <a:avLst>
+              <a:gd name="adj1" fmla="val 50000"/>
+            </a:avLst>
+          </a:prstGeom>
+          <a:ln w="12700">
+            <a:solidFill>
+              <a:srgbClr val="545B64"/>
+            </a:solidFill>
+            <a:headEnd type="none" w="med" len="sm"/>
+            <a:tailEnd type="arrow" w="med" len="sm"/>
+          </a:ln>
+        </p:spPr>
+        <p:style>
+          <a:lnRef idx="1">
+            <a:schemeClr val="accent1"/>
+          </a:lnRef>
+          <a:fillRef idx="0">
+            <a:schemeClr val="accent1"/>
+          </a:fillRef>
+          <a:effectRef idx="0">
+            <a:schemeClr val="accent1"/>
+          </a:effectRef>
+          <a:fontRef idx="minor">
+            <a:schemeClr val="tx1"/>
+          </a:fontRef>
+        </p:style>
+      </p:cxnSp>
+      <p:pic>
+        <p:nvPicPr>
+          <p:cNvPr id="70" name="Graphic 69">
+            <a:extLst>
+              <a:ext uri="{FF2B5EF4-FFF2-40B4-BE49-F238E27FC236}">
+                <a16:creationId xmlns:a16="http://schemas.microsoft.com/office/drawing/2014/main" id="{033D2838-594A-BF40-A2AA-FA5613C36352}"/>
+              </a:ext>
+            </a:extLst>
+          </p:cNvPr>
+          <p:cNvPicPr>
+            <a:picLocks noChangeAspect="1"/>
+          </p:cNvPicPr>
+          <p:nvPr/>
+        </p:nvPicPr>
+        <p:blipFill>
+          <a:blip r:embed="rId21">
+            <a:extLst>
+              <a:ext uri="{96DAC541-7B7A-43D3-8B79-37D633B846F1}">
+                <asvg:svgBlip xmlns:asvg="http://schemas.microsoft.com/office/drawing/2016/SVG/main" r:embed="rId22"/>
+              </a:ext>
+            </a:extLst>
+          </a:blip>
+          <a:stretch>
+            <a:fillRect/>
+          </a:stretch>
+        </p:blipFill>
+        <p:spPr>
+          <a:xfrm>
+            <a:off x="5027484" y="1350911"/>
+            <a:ext cx="469900" cy="469900"/>
+          </a:xfrm>
+          <a:prstGeom prst="rect">
+            <a:avLst/>
+          </a:prstGeom>
+        </p:spPr>
+      </p:pic>
+      <p:sp>
+        <p:nvSpPr>
+          <p:cNvPr id="71" name="TextBox 70">
+            <a:extLst>
+              <a:ext uri="{FF2B5EF4-FFF2-40B4-BE49-F238E27FC236}">
+                <a16:creationId xmlns:a16="http://schemas.microsoft.com/office/drawing/2014/main" id="{EA53D982-51BA-E64A-989F-CF416AD00E85}"/>
+              </a:ext>
+            </a:extLst>
+          </p:cNvPr>
+          <p:cNvSpPr txBox="1"/>
+          <p:nvPr/>
+        </p:nvSpPr>
+        <p:spPr>
+          <a:xfrm>
+            <a:off x="5119435" y="1382466"/>
+            <a:ext cx="301686" cy="369332"/>
+          </a:xfrm>
+          <a:prstGeom prst="rect">
+            <a:avLst/>
+          </a:prstGeom>
+          <a:noFill/>
+        </p:spPr>
+        <p:txBody>
+          <a:bodyPr wrap="none" rtlCol="0">
+            <a:spAutoFit/>
+          </a:bodyPr>
+          <a:lstStyle/>
+          <a:p>
+            <a:r>
+              <a:rPr lang="en-US" dirty="0"/>
+              <a:t>1</a:t>
+            </a:r>
+          </a:p>
+        </p:txBody>
+      </p:sp>
+      <p:pic>
+        <p:nvPicPr>
+          <p:cNvPr id="72" name="Graphic 71">
+            <a:extLst>
+              <a:ext uri="{FF2B5EF4-FFF2-40B4-BE49-F238E27FC236}">
+                <a16:creationId xmlns:a16="http://schemas.microsoft.com/office/drawing/2014/main" id="{26C323F2-4A7C-8D48-8711-81FF52DCF5FB}"/>
+              </a:ext>
+            </a:extLst>
+          </p:cNvPr>
+          <p:cNvPicPr>
+            <a:picLocks noChangeAspect="1"/>
+          </p:cNvPicPr>
+          <p:nvPr/>
+        </p:nvPicPr>
+        <p:blipFill>
+          <a:blip r:embed="rId21">
+            <a:extLst>
+              <a:ext uri="{96DAC541-7B7A-43D3-8B79-37D633B846F1}">
+                <asvg:svgBlip xmlns:asvg="http://schemas.microsoft.com/office/drawing/2016/SVG/main" r:embed="rId22"/>
+              </a:ext>
+            </a:extLst>
+          </a:blip>
+          <a:stretch>
+            <a:fillRect/>
+          </a:stretch>
+        </p:blipFill>
+        <p:spPr>
+          <a:xfrm>
+            <a:off x="9642489" y="4349504"/>
+            <a:ext cx="469900" cy="469900"/>
+          </a:xfrm>
+          <a:prstGeom prst="rect">
+            <a:avLst/>
+          </a:prstGeom>
+        </p:spPr>
+      </p:pic>
+      <p:sp>
+        <p:nvSpPr>
+          <p:cNvPr id="73" name="TextBox 72">
+            <a:extLst>
+              <a:ext uri="{FF2B5EF4-FFF2-40B4-BE49-F238E27FC236}">
+                <a16:creationId xmlns:a16="http://schemas.microsoft.com/office/drawing/2014/main" id="{62D93CDE-ED6A-1549-9A05-F4B58B584CEB}"/>
+              </a:ext>
+            </a:extLst>
+          </p:cNvPr>
+          <p:cNvSpPr txBox="1"/>
+          <p:nvPr/>
+        </p:nvSpPr>
+        <p:spPr>
+          <a:xfrm>
+            <a:off x="9734440" y="4381059"/>
+            <a:ext cx="301686" cy="369332"/>
+          </a:xfrm>
+          <a:prstGeom prst="rect">
+            <a:avLst/>
+          </a:prstGeom>
+          <a:noFill/>
+        </p:spPr>
+        <p:txBody>
+          <a:bodyPr wrap="none" rtlCol="0">
+            <a:spAutoFit/>
+          </a:bodyPr>
+          <a:lstStyle/>
+          <a:p>
+            <a:r>
+              <a:rPr lang="en-US" dirty="0"/>
+              <a:t>5</a:t>
+            </a:r>
+          </a:p>
+        </p:txBody>
+      </p:sp>
+    </p:spTree>
+    <p:extLst>
+      <p:ext uri="{BB962C8B-B14F-4D97-AF65-F5344CB8AC3E}">
+        <p14:creationId xmlns:p14="http://schemas.microsoft.com/office/powerpoint/2010/main" val="4087237555"/>
+      </p:ext>
+    </p:extLst>
+  </p:cSld>
+  <p:clrMapOvr>
+    <a:masterClrMapping/>
+  </p:clrMapOvr>
+</p:sld>
+</file>
+
+<file path=ppt/slides/slide5.xml><?xml version="1.0" encoding="utf-8"?>
+<p:sld xmlns:a="http://schemas.openxmlformats.org/drawingml/2006/main" xmlns:r="http://schemas.openxmlformats.org/officeDocument/2006/relationships" xmlns:p="http://schemas.openxmlformats.org/presentationml/2006/main">
+  <p:cSld>
+    <p:spTree>
+      <p:nvGrpSpPr>
+        <p:cNvPr id="1" name=""/>
+        <p:cNvGrpSpPr/>
+        <p:nvPr/>
+      </p:nvGrpSpPr>
+      <p:grpSpPr>
+        <a:xfrm>
+          <a:off x="0" y="0"/>
+          <a:ext cx="0" cy="0"/>
+          <a:chOff x="0" y="0"/>
+          <a:chExt cx="0" cy="0"/>
+        </a:xfrm>
+      </p:grpSpPr>
+      <p:sp>
+        <p:nvSpPr>
+          <p:cNvPr id="4" name="Rectangle 3">
+            <a:extLst>
+              <a:ext uri="{FF2B5EF4-FFF2-40B4-BE49-F238E27FC236}">
+                <a16:creationId xmlns:a16="http://schemas.microsoft.com/office/drawing/2014/main" id="{6734E33F-C82F-A140-87CF-567B47C8966C}"/>
+              </a:ext>
+            </a:extLst>
+          </p:cNvPr>
+          <p:cNvSpPr/>
+          <p:nvPr/>
+        </p:nvSpPr>
+        <p:spPr>
+          <a:xfrm>
+            <a:off x="1557699" y="2070649"/>
+            <a:ext cx="5032676" cy="3832569"/>
+          </a:xfrm>
+          <a:prstGeom prst="rect">
+            <a:avLst/>
+          </a:prstGeom>
+          <a:solidFill>
+            <a:srgbClr val="007CBC">
+              <a:alpha val="9804"/>
+            </a:srgbClr>
+          </a:solidFill>
+          <a:ln w="12700">
+            <a:noFill/>
+            <a:prstDash val="dash"/>
+          </a:ln>
+        </p:spPr>
+        <p:style>
+          <a:lnRef idx="2">
+            <a:schemeClr val="accent1">
+              <a:shade val="50000"/>
+            </a:schemeClr>
+          </a:lnRef>
+          <a:fillRef idx="1">
+            <a:schemeClr val="accent1"/>
+          </a:fillRef>
+          <a:effectRef idx="0">
+            <a:schemeClr val="accent1"/>
+          </a:effectRef>
+          <a:fontRef idx="minor">
+            <a:schemeClr val="lt1"/>
+          </a:fontRef>
+        </p:style>
+        <p:txBody>
+          <a:bodyPr rot="0" spcFirstLastPara="0" vertOverflow="overflow" horzOverflow="overflow" vert="horz" wrap="square" lIns="338328" tIns="45720" rIns="91440" bIns="45720" numCol="1" spcCol="0" rtlCol="0" fromWordArt="0" anchor="t" anchorCtr="0" forceAA="0" compatLnSpc="1">
+            <a:prstTxWarp prst="textNoShape">
+              <a:avLst/>
+            </a:prstTxWarp>
+            <a:noAutofit/>
+          </a:bodyPr>
+          <a:lstStyle/>
+          <a:p>
+            <a:pPr algn="l"/>
+            <a:endParaRPr lang="en-US" sz="1200" dirty="0">
+              <a:solidFill>
+                <a:schemeClr val="accent3"/>
+              </a:solidFill>
+            </a:endParaRPr>
+          </a:p>
+        </p:txBody>
+      </p:sp>
+      <p:sp>
+        <p:nvSpPr>
+          <p:cNvPr id="5" name="Rectangle 4">
+            <a:extLst>
+              <a:ext uri="{FF2B5EF4-FFF2-40B4-BE49-F238E27FC236}">
+                <a16:creationId xmlns:a16="http://schemas.microsoft.com/office/drawing/2014/main" id="{0C655121-84C7-A446-AB3A-A998A2843268}"/>
+              </a:ext>
+            </a:extLst>
+          </p:cNvPr>
+          <p:cNvSpPr/>
+          <p:nvPr/>
+        </p:nvSpPr>
+        <p:spPr>
+          <a:xfrm>
+            <a:off x="1231447" y="1729737"/>
+            <a:ext cx="5686558" cy="4496211"/>
+          </a:xfrm>
+          <a:prstGeom prst="rect">
+            <a:avLst/>
+          </a:prstGeom>
+          <a:noFill/>
+          <a:ln w="12700">
+            <a:solidFill>
+              <a:schemeClr val="accent5"/>
+            </a:solidFill>
+          </a:ln>
+        </p:spPr>
+        <p:style>
+          <a:lnRef idx="2">
+            <a:schemeClr val="accent1">
+              <a:shade val="50000"/>
+            </a:schemeClr>
+          </a:lnRef>
+          <a:fillRef idx="1">
+            <a:schemeClr val="accent1"/>
+          </a:fillRef>
+          <a:effectRef idx="0">
+            <a:schemeClr val="accent1"/>
+          </a:effectRef>
+          <a:fontRef idx="minor">
+            <a:schemeClr val="lt1"/>
+          </a:fontRef>
+        </p:style>
+        <p:txBody>
+          <a:bodyPr rot="0" spcFirstLastPara="0" vertOverflow="overflow" horzOverflow="overflow" vert="horz" wrap="square" lIns="457200" tIns="91440" rIns="91440" bIns="45720" numCol="1" spcCol="0" rtlCol="0" fromWordArt="0" anchor="t" anchorCtr="0" forceAA="0" compatLnSpc="1">
+            <a:prstTxWarp prst="textNoShape">
+              <a:avLst/>
+            </a:prstTxWarp>
+            <a:noAutofit/>
+          </a:bodyPr>
+          <a:lstStyle/>
+          <a:p>
+            <a:pPr algn="l"/>
+            <a:endParaRPr lang="en-US" sz="1200" dirty="0">
+              <a:ln w="0"/>
+              <a:solidFill>
+                <a:schemeClr val="accent5"/>
+              </a:solidFill>
+            </a:endParaRPr>
+          </a:p>
+        </p:txBody>
+      </p:sp>
+      <p:pic>
+        <p:nvPicPr>
+          <p:cNvPr id="6" name="Graphic 5">
+            <a:extLst>
+              <a:ext uri="{FF2B5EF4-FFF2-40B4-BE49-F238E27FC236}">
+                <a16:creationId xmlns:a16="http://schemas.microsoft.com/office/drawing/2014/main" id="{96BF02EF-DFE7-0F41-9EB2-644E24AD5C85}"/>
+              </a:ext>
+            </a:extLst>
+          </p:cNvPr>
+          <p:cNvPicPr>
+            <a:picLocks noChangeAspect="1"/>
+          </p:cNvPicPr>
+          <p:nvPr/>
+        </p:nvPicPr>
+        <p:blipFill>
+          <a:blip r:embed="rId2">
+            <a:extLst>
+              <a:ext uri="{96DAC541-7B7A-43D3-8B79-37D633B846F1}">
+                <asvg:svgBlip xmlns:asvg="http://schemas.microsoft.com/office/drawing/2016/SVG/main" r:embed="rId3"/>
+              </a:ext>
+            </a:extLst>
+          </a:blip>
+          <a:stretch>
+            <a:fillRect/>
+          </a:stretch>
+        </p:blipFill>
+        <p:spPr>
+          <a:xfrm>
+            <a:off x="1231447" y="1729738"/>
+            <a:ext cx="330200" cy="330200"/>
+          </a:xfrm>
+          <a:prstGeom prst="rect">
+            <a:avLst/>
+          </a:prstGeom>
+        </p:spPr>
+      </p:pic>
+      <p:pic>
+        <p:nvPicPr>
+          <p:cNvPr id="7" name="Graphic 6">
+            <a:extLst>
+              <a:ext uri="{FF2B5EF4-FFF2-40B4-BE49-F238E27FC236}">
+                <a16:creationId xmlns:a16="http://schemas.microsoft.com/office/drawing/2014/main" id="{7FE862BC-05C3-104E-A2A7-590419248498}"/>
+              </a:ext>
+            </a:extLst>
+          </p:cNvPr>
+          <p:cNvPicPr>
+            <a:picLocks noChangeAspect="1"/>
+          </p:cNvPicPr>
+          <p:nvPr/>
+        </p:nvPicPr>
+        <p:blipFill>
+          <a:blip r:embed="rId4">
+            <a:extLst>
+              <a:ext uri="{96DAC541-7B7A-43D3-8B79-37D633B846F1}">
+                <asvg:svgBlip xmlns:asvg="http://schemas.microsoft.com/office/drawing/2016/SVG/main" r:embed="rId5"/>
+              </a:ext>
+            </a:extLst>
+          </a:blip>
+          <a:stretch>
+            <a:fillRect/>
+          </a:stretch>
+        </p:blipFill>
+        <p:spPr>
+          <a:xfrm>
+            <a:off x="935723" y="1088846"/>
+            <a:ext cx="330200" cy="330200"/>
+          </a:xfrm>
+          <a:prstGeom prst="rect">
+            <a:avLst/>
+          </a:prstGeom>
+        </p:spPr>
+      </p:pic>
+      <p:sp>
+        <p:nvSpPr>
+          <p:cNvPr id="8" name="Rectangle 7">
+            <a:extLst>
+              <a:ext uri="{FF2B5EF4-FFF2-40B4-BE49-F238E27FC236}">
+                <a16:creationId xmlns:a16="http://schemas.microsoft.com/office/drawing/2014/main" id="{51C2E1E1-365A-304A-AE87-ED4300F528D2}"/>
+              </a:ext>
+            </a:extLst>
+          </p:cNvPr>
+          <p:cNvSpPr/>
+          <p:nvPr/>
+        </p:nvSpPr>
+        <p:spPr>
+          <a:xfrm>
+            <a:off x="935722" y="1088846"/>
+            <a:ext cx="8376389" cy="5480407"/>
+          </a:xfrm>
+          <a:prstGeom prst="rect">
+            <a:avLst/>
+          </a:prstGeom>
+          <a:noFill/>
+          <a:ln w="12700">
+            <a:solidFill>
+              <a:schemeClr val="tx1"/>
+            </a:solidFill>
+          </a:ln>
+        </p:spPr>
+        <p:style>
+          <a:lnRef idx="2">
+            <a:schemeClr val="accent1">
+              <a:shade val="50000"/>
+            </a:schemeClr>
+          </a:lnRef>
+          <a:fillRef idx="1">
+            <a:schemeClr val="accent1"/>
+          </a:fillRef>
+          <a:effectRef idx="0">
+            <a:schemeClr val="accent1"/>
+          </a:effectRef>
+          <a:fontRef idx="minor">
+            <a:schemeClr val="lt1"/>
+          </a:fontRef>
+        </p:style>
+        <p:txBody>
+          <a:bodyPr rot="0" spcFirstLastPara="0" vertOverflow="overflow" horzOverflow="overflow" vert="horz" wrap="square" lIns="457200" tIns="91440" rIns="91440" bIns="45720" numCol="1" spcCol="0" rtlCol="0" fromWordArt="0" anchor="t" anchorCtr="0" forceAA="0" compatLnSpc="1">
+            <a:prstTxWarp prst="textNoShape">
+              <a:avLst/>
+            </a:prstTxWarp>
+            <a:noAutofit/>
+          </a:bodyPr>
+          <a:lstStyle/>
+          <a:p>
+            <a:pPr algn="l"/>
+            <a:endParaRPr lang="en-US" sz="1200" dirty="0">
+              <a:ln w="0"/>
+              <a:solidFill>
+                <a:sysClr val="windowText" lastClr="000000"/>
+              </a:solidFill>
+            </a:endParaRPr>
+          </a:p>
+        </p:txBody>
+      </p:sp>
+      <p:pic>
+        <p:nvPicPr>
+          <p:cNvPr id="9" name="Graphic 8">
+            <a:extLst>
+              <a:ext uri="{FF2B5EF4-FFF2-40B4-BE49-F238E27FC236}">
+                <a16:creationId xmlns:a16="http://schemas.microsoft.com/office/drawing/2014/main" id="{151F42B3-6DF1-F04C-8539-6A3642557801}"/>
+              </a:ext>
+            </a:extLst>
+          </p:cNvPr>
+          <p:cNvPicPr>
+            <a:picLocks noChangeAspect="1"/>
+          </p:cNvPicPr>
+          <p:nvPr/>
+        </p:nvPicPr>
+        <p:blipFill>
+          <a:blip r:embed="rId6">
+            <a:extLst>
+              <a:ext uri="{96DAC541-7B7A-43D3-8B79-37D633B846F1}">
+                <asvg:svgBlip xmlns:asvg="http://schemas.microsoft.com/office/drawing/2016/SVG/main" r:embed="rId7"/>
+              </a:ext>
+            </a:extLst>
+          </a:blip>
+          <a:stretch>
+            <a:fillRect/>
+          </a:stretch>
+        </p:blipFill>
+        <p:spPr>
+          <a:xfrm>
+            <a:off x="8347539" y="1373532"/>
+            <a:ext cx="914400" cy="914400"/>
+          </a:xfrm>
+          <a:prstGeom prst="rect">
+            <a:avLst/>
+          </a:prstGeom>
+        </p:spPr>
+      </p:pic>
+      <p:pic>
+        <p:nvPicPr>
+          <p:cNvPr id="10" name="Graphic 9">
+            <a:extLst>
+              <a:ext uri="{FF2B5EF4-FFF2-40B4-BE49-F238E27FC236}">
+                <a16:creationId xmlns:a16="http://schemas.microsoft.com/office/drawing/2014/main" id="{FD0889AC-CFAE-6B4B-B23F-7F6950DE8767}"/>
+              </a:ext>
+            </a:extLst>
+          </p:cNvPr>
+          <p:cNvPicPr>
+            <a:picLocks noChangeAspect="1"/>
+          </p:cNvPicPr>
+          <p:nvPr/>
+        </p:nvPicPr>
+        <p:blipFill>
+          <a:blip r:embed="rId8">
+            <a:extLst>
+              <a:ext uri="{96DAC541-7B7A-43D3-8B79-37D633B846F1}">
+                <asvg:svgBlip xmlns:asvg="http://schemas.microsoft.com/office/drawing/2016/SVG/main" r:embed="rId9"/>
+              </a:ext>
+            </a:extLst>
+          </a:blip>
+          <a:stretch>
+            <a:fillRect/>
+          </a:stretch>
+        </p:blipFill>
+        <p:spPr>
+          <a:xfrm>
+            <a:off x="7603687" y="3049060"/>
+            <a:ext cx="914400" cy="914400"/>
+          </a:xfrm>
+          <a:prstGeom prst="rect">
+            <a:avLst/>
+          </a:prstGeom>
+        </p:spPr>
+      </p:pic>
+      <p:pic>
+        <p:nvPicPr>
+          <p:cNvPr id="11" name="Graphic 10">
+            <a:extLst>
+              <a:ext uri="{FF2B5EF4-FFF2-40B4-BE49-F238E27FC236}">
+                <a16:creationId xmlns:a16="http://schemas.microsoft.com/office/drawing/2014/main" id="{4BCDE101-0959-924F-86A0-6561FD308714}"/>
+              </a:ext>
+            </a:extLst>
+          </p:cNvPr>
+          <p:cNvPicPr>
+            <a:picLocks noChangeAspect="1"/>
+          </p:cNvPicPr>
+          <p:nvPr/>
+        </p:nvPicPr>
+        <p:blipFill>
+          <a:blip r:embed="rId10">
+            <a:extLst>
+              <a:ext uri="{96DAC541-7B7A-43D3-8B79-37D633B846F1}">
+                <asvg:svgBlip xmlns:asvg="http://schemas.microsoft.com/office/drawing/2016/SVG/main" r:embed="rId11"/>
+              </a:ext>
+            </a:extLst>
+          </a:blip>
+          <a:stretch>
+            <a:fillRect/>
+          </a:stretch>
+        </p:blipFill>
+        <p:spPr>
+          <a:xfrm>
+            <a:off x="8347539" y="4770833"/>
+            <a:ext cx="914400" cy="914400"/>
+          </a:xfrm>
+          <a:prstGeom prst="rect">
+            <a:avLst/>
+          </a:prstGeom>
+        </p:spPr>
+      </p:pic>
+      <p:pic>
+        <p:nvPicPr>
+          <p:cNvPr id="13" name="Graphic 12">
+            <a:extLst>
+              <a:ext uri="{FF2B5EF4-FFF2-40B4-BE49-F238E27FC236}">
+                <a16:creationId xmlns:a16="http://schemas.microsoft.com/office/drawing/2014/main" id="{8FD2BF09-4B1F-6B46-B47C-AF9DB9D4A6C1}"/>
+              </a:ext>
+            </a:extLst>
+          </p:cNvPr>
+          <p:cNvPicPr>
+            <a:picLocks noChangeAspect="1"/>
+          </p:cNvPicPr>
+          <p:nvPr/>
+        </p:nvPicPr>
+        <p:blipFill>
+          <a:blip r:embed="rId12">
+            <a:extLst>
+              <a:ext uri="{96DAC541-7B7A-43D3-8B79-37D633B846F1}">
+                <asvg:svgBlip xmlns:asvg="http://schemas.microsoft.com/office/drawing/2016/SVG/main" r:embed="rId13"/>
+              </a:ext>
+            </a:extLst>
+          </a:blip>
+          <a:stretch>
+            <a:fillRect/>
+          </a:stretch>
+        </p:blipFill>
+        <p:spPr>
+          <a:xfrm>
+            <a:off x="10683476" y="4762473"/>
+            <a:ext cx="914400" cy="914400"/>
+          </a:xfrm>
+          <a:prstGeom prst="rect">
+            <a:avLst/>
+          </a:prstGeom>
+        </p:spPr>
+      </p:pic>
+      <p:sp>
+        <p:nvSpPr>
+          <p:cNvPr id="14" name="TextBox 13">
+            <a:extLst>
+              <a:ext uri="{FF2B5EF4-FFF2-40B4-BE49-F238E27FC236}">
+                <a16:creationId xmlns:a16="http://schemas.microsoft.com/office/drawing/2014/main" id="{F0EDF14A-7BAA-F14E-8FBE-EEB94CAA0F32}"/>
+              </a:ext>
+            </a:extLst>
+          </p:cNvPr>
+          <p:cNvSpPr txBox="1"/>
+          <p:nvPr/>
+        </p:nvSpPr>
+        <p:spPr>
+          <a:xfrm>
+            <a:off x="1214450" y="1109433"/>
+            <a:ext cx="514885" cy="276999"/>
+          </a:xfrm>
+          <a:prstGeom prst="rect">
+            <a:avLst/>
+          </a:prstGeom>
+          <a:noFill/>
+        </p:spPr>
+        <p:txBody>
+          <a:bodyPr wrap="none" rtlCol="0">
+            <a:spAutoFit/>
+          </a:bodyPr>
+          <a:lstStyle/>
+          <a:p>
+            <a:r>
+              <a:rPr lang="en-US" sz="1200" dirty="0">
+                <a:latin typeface="Amazon Ember" panose="020B0603020204020204" pitchFamily="34" charset="0"/>
+                <a:ea typeface="Amazon Ember" panose="020B0603020204020204" pitchFamily="34" charset="0"/>
+                <a:cs typeface="Amazon Ember" panose="020B0603020204020204" pitchFamily="34" charset="0"/>
+              </a:rPr>
+              <a:t>AWS</a:t>
+            </a:r>
+          </a:p>
+        </p:txBody>
+      </p:sp>
+      <p:sp>
+        <p:nvSpPr>
+          <p:cNvPr id="15" name="TextBox 14">
+            <a:extLst>
+              <a:ext uri="{FF2B5EF4-FFF2-40B4-BE49-F238E27FC236}">
+                <a16:creationId xmlns:a16="http://schemas.microsoft.com/office/drawing/2014/main" id="{6FD10E82-EE5C-D54A-A643-99CE9B74E51C}"/>
+              </a:ext>
+            </a:extLst>
+          </p:cNvPr>
+          <p:cNvSpPr txBox="1"/>
+          <p:nvPr/>
+        </p:nvSpPr>
+        <p:spPr>
+          <a:xfrm>
+            <a:off x="1518985" y="1772985"/>
+            <a:ext cx="468398" cy="276999"/>
+          </a:xfrm>
+          <a:prstGeom prst="rect">
+            <a:avLst/>
+          </a:prstGeom>
+          <a:noFill/>
+        </p:spPr>
+        <p:txBody>
+          <a:bodyPr wrap="none" rtlCol="0">
+            <a:spAutoFit/>
+          </a:bodyPr>
+          <a:lstStyle/>
+          <a:p>
+            <a:r>
+              <a:rPr lang="en-US" sz="1200" dirty="0">
+                <a:latin typeface="Amazon Ember" panose="020B0603020204020204" pitchFamily="34" charset="0"/>
+                <a:ea typeface="Amazon Ember" panose="020B0603020204020204" pitchFamily="34" charset="0"/>
+                <a:cs typeface="Amazon Ember" panose="020B0603020204020204" pitchFamily="34" charset="0"/>
+              </a:rPr>
+              <a:t>VPC</a:t>
+            </a:r>
+          </a:p>
+        </p:txBody>
+      </p:sp>
+      <p:pic>
+        <p:nvPicPr>
+          <p:cNvPr id="16" name="Graphic 15">
+            <a:extLst>
+              <a:ext uri="{FF2B5EF4-FFF2-40B4-BE49-F238E27FC236}">
+                <a16:creationId xmlns:a16="http://schemas.microsoft.com/office/drawing/2014/main" id="{BFD99A4E-BAB3-8642-9BA0-58232EE7BBDC}"/>
+              </a:ext>
+            </a:extLst>
+          </p:cNvPr>
+          <p:cNvPicPr>
+            <a:picLocks noChangeAspect="1"/>
+          </p:cNvPicPr>
+          <p:nvPr/>
+        </p:nvPicPr>
+        <p:blipFill>
+          <a:blip r:embed="rId14">
+            <a:extLst>
+              <a:ext uri="{96DAC541-7B7A-43D3-8B79-37D633B846F1}">
+                <asvg:svgBlip xmlns:asvg="http://schemas.microsoft.com/office/drawing/2016/SVG/main" r:embed="rId15"/>
+              </a:ext>
+            </a:extLst>
+          </a:blip>
+          <a:stretch>
+            <a:fillRect/>
+          </a:stretch>
+        </p:blipFill>
+        <p:spPr>
+          <a:xfrm>
+            <a:off x="1557699" y="2068291"/>
+            <a:ext cx="274320" cy="274320"/>
+          </a:xfrm>
+          <a:prstGeom prst="rect">
+            <a:avLst/>
+          </a:prstGeom>
+        </p:spPr>
+      </p:pic>
+      <p:sp>
+        <p:nvSpPr>
+          <p:cNvPr id="17" name="TextBox 16">
+            <a:extLst>
+              <a:ext uri="{FF2B5EF4-FFF2-40B4-BE49-F238E27FC236}">
+                <a16:creationId xmlns:a16="http://schemas.microsoft.com/office/drawing/2014/main" id="{37EBE5AE-3384-C14C-AB3D-8AC044C09A1B}"/>
+              </a:ext>
+            </a:extLst>
+          </p:cNvPr>
+          <p:cNvSpPr txBox="1"/>
+          <p:nvPr/>
+        </p:nvSpPr>
+        <p:spPr>
+          <a:xfrm>
+            <a:off x="1790623" y="2073965"/>
+            <a:ext cx="1213794" cy="276999"/>
+          </a:xfrm>
+          <a:prstGeom prst="rect">
+            <a:avLst/>
+          </a:prstGeom>
+          <a:noFill/>
+        </p:spPr>
+        <p:txBody>
+          <a:bodyPr wrap="none" rtlCol="0">
+            <a:spAutoFit/>
+          </a:bodyPr>
+          <a:lstStyle/>
+          <a:p>
+            <a:r>
+              <a:rPr lang="en-US" sz="1200" dirty="0">
+                <a:latin typeface="Amazon Ember" panose="020B0603020204020204" pitchFamily="34" charset="0"/>
+                <a:ea typeface="Amazon Ember" panose="020B0603020204020204" pitchFamily="34" charset="0"/>
+                <a:cs typeface="Amazon Ember" panose="020B0603020204020204" pitchFamily="34" charset="0"/>
+              </a:rPr>
+              <a:t>Private Subnet</a:t>
+            </a:r>
+          </a:p>
+        </p:txBody>
+      </p:sp>
+      <p:sp>
+        <p:nvSpPr>
+          <p:cNvPr id="21" name="TextBox 20">
+            <a:extLst>
+              <a:ext uri="{FF2B5EF4-FFF2-40B4-BE49-F238E27FC236}">
+                <a16:creationId xmlns:a16="http://schemas.microsoft.com/office/drawing/2014/main" id="{01D125A9-C6B5-1C4A-A1AF-D9BCE0648C03}"/>
+              </a:ext>
+            </a:extLst>
+          </p:cNvPr>
+          <p:cNvSpPr txBox="1"/>
+          <p:nvPr/>
+        </p:nvSpPr>
+        <p:spPr>
+          <a:xfrm>
+            <a:off x="6942125" y="2240984"/>
+            <a:ext cx="899606" cy="461665"/>
+          </a:xfrm>
+          <a:prstGeom prst="rect">
+            <a:avLst/>
+          </a:prstGeom>
+          <a:noFill/>
+        </p:spPr>
+        <p:txBody>
+          <a:bodyPr wrap="none" rtlCol="0">
+            <a:spAutoFit/>
+          </a:bodyPr>
+          <a:lstStyle/>
+          <a:p>
+            <a:pPr algn="ctr"/>
+            <a:r>
+              <a:rPr lang="en-US" sz="1200" dirty="0">
+                <a:latin typeface="Amazon Ember" panose="020B0603020204020204" pitchFamily="34" charset="0"/>
+                <a:ea typeface="Amazon Ember" panose="020B0603020204020204" pitchFamily="34" charset="0"/>
+                <a:cs typeface="Amazon Ember" panose="020B0603020204020204" pitchFamily="34" charset="0"/>
+              </a:rPr>
+              <a:t>AWS</a:t>
+            </a:r>
+          </a:p>
+          <a:p>
+            <a:pPr algn="ctr"/>
+            <a:r>
+              <a:rPr lang="en-US" sz="1200" dirty="0">
+                <a:latin typeface="Amazon Ember" panose="020B0603020204020204" pitchFamily="34" charset="0"/>
+                <a:ea typeface="Amazon Ember" panose="020B0603020204020204" pitchFamily="34" charset="0"/>
+                <a:cs typeface="Amazon Ember" panose="020B0603020204020204" pitchFamily="34" charset="0"/>
+              </a:rPr>
+              <a:t>CloudTrail</a:t>
+            </a:r>
+          </a:p>
+        </p:txBody>
+      </p:sp>
+      <p:sp>
+        <p:nvSpPr>
+          <p:cNvPr id="22" name="TextBox 21">
+            <a:extLst>
+              <a:ext uri="{FF2B5EF4-FFF2-40B4-BE49-F238E27FC236}">
+                <a16:creationId xmlns:a16="http://schemas.microsoft.com/office/drawing/2014/main" id="{8F8CA636-5C08-724F-8D96-D6A0D16AAFC8}"/>
+              </a:ext>
+            </a:extLst>
+          </p:cNvPr>
+          <p:cNvSpPr txBox="1"/>
+          <p:nvPr/>
+        </p:nvSpPr>
+        <p:spPr>
+          <a:xfrm>
+            <a:off x="7543758" y="3886813"/>
+            <a:ext cx="1034257" cy="646331"/>
+          </a:xfrm>
+          <a:prstGeom prst="rect">
+            <a:avLst/>
+          </a:prstGeom>
+          <a:noFill/>
+        </p:spPr>
+        <p:txBody>
+          <a:bodyPr wrap="none" rtlCol="0">
+            <a:spAutoFit/>
+          </a:bodyPr>
+          <a:lstStyle/>
+          <a:p>
+            <a:pPr algn="ctr"/>
+            <a:r>
+              <a:rPr lang="en-US" sz="1200" dirty="0">
+                <a:latin typeface="Amazon Ember" panose="020B0603020204020204" pitchFamily="34" charset="0"/>
+                <a:ea typeface="Amazon Ember" panose="020B0603020204020204" pitchFamily="34" charset="0"/>
+                <a:cs typeface="Amazon Ember" panose="020B0603020204020204" pitchFamily="34" charset="0"/>
+              </a:rPr>
+              <a:t>Amazon</a:t>
+            </a:r>
+          </a:p>
+          <a:p>
+            <a:pPr algn="ctr"/>
+            <a:r>
+              <a:rPr lang="en-US" sz="1200" dirty="0">
+                <a:latin typeface="Amazon Ember" panose="020B0603020204020204" pitchFamily="34" charset="0"/>
+                <a:ea typeface="Amazon Ember" panose="020B0603020204020204" pitchFamily="34" charset="0"/>
+                <a:cs typeface="Amazon Ember" panose="020B0603020204020204" pitchFamily="34" charset="0"/>
+              </a:rPr>
+              <a:t>CloudWatch</a:t>
+            </a:r>
+          </a:p>
+          <a:p>
+            <a:pPr algn="ctr"/>
+            <a:r>
+              <a:rPr lang="en-US" sz="1200" dirty="0">
+                <a:latin typeface="Amazon Ember" panose="020B0603020204020204" pitchFamily="34" charset="0"/>
+                <a:ea typeface="Amazon Ember" panose="020B0603020204020204" pitchFamily="34" charset="0"/>
+                <a:cs typeface="Amazon Ember" panose="020B0603020204020204" pitchFamily="34" charset="0"/>
+              </a:rPr>
+              <a:t>Event Rule</a:t>
+            </a:r>
+          </a:p>
+        </p:txBody>
+      </p:sp>
+      <p:sp>
+        <p:nvSpPr>
+          <p:cNvPr id="23" name="TextBox 22">
+            <a:extLst>
+              <a:ext uri="{FF2B5EF4-FFF2-40B4-BE49-F238E27FC236}">
+                <a16:creationId xmlns:a16="http://schemas.microsoft.com/office/drawing/2014/main" id="{C0BE7F99-BF73-ED46-BA0C-CB2E18273086}"/>
+              </a:ext>
+            </a:extLst>
+          </p:cNvPr>
+          <p:cNvSpPr txBox="1"/>
+          <p:nvPr/>
+        </p:nvSpPr>
+        <p:spPr>
+          <a:xfrm>
+            <a:off x="8416751" y="5665577"/>
+            <a:ext cx="756937" cy="461665"/>
+          </a:xfrm>
+          <a:prstGeom prst="rect">
+            <a:avLst/>
+          </a:prstGeom>
+          <a:noFill/>
+        </p:spPr>
+        <p:txBody>
+          <a:bodyPr wrap="none" rtlCol="0">
+            <a:spAutoFit/>
+          </a:bodyPr>
+          <a:lstStyle/>
+          <a:p>
+            <a:pPr algn="ctr"/>
+            <a:r>
+              <a:rPr lang="en-US" sz="1200" dirty="0">
+                <a:latin typeface="Amazon Ember" panose="020B0603020204020204" pitchFamily="34" charset="0"/>
+                <a:ea typeface="Amazon Ember" panose="020B0603020204020204" pitchFamily="34" charset="0"/>
+                <a:cs typeface="Amazon Ember" panose="020B0603020204020204" pitchFamily="34" charset="0"/>
+              </a:rPr>
+              <a:t>Amazon</a:t>
+            </a:r>
+          </a:p>
+          <a:p>
+            <a:pPr algn="ctr"/>
+            <a:r>
+              <a:rPr lang="en-US" sz="1200" dirty="0">
+                <a:latin typeface="Amazon Ember" panose="020B0603020204020204" pitchFamily="34" charset="0"/>
+                <a:ea typeface="Amazon Ember" panose="020B0603020204020204" pitchFamily="34" charset="0"/>
+                <a:cs typeface="Amazon Ember" panose="020B0603020204020204" pitchFamily="34" charset="0"/>
+              </a:rPr>
+              <a:t>SNS</a:t>
+            </a:r>
+          </a:p>
+        </p:txBody>
+      </p:sp>
+      <p:sp>
+        <p:nvSpPr>
+          <p:cNvPr id="24" name="TextBox 23">
+            <a:extLst>
+              <a:ext uri="{FF2B5EF4-FFF2-40B4-BE49-F238E27FC236}">
+                <a16:creationId xmlns:a16="http://schemas.microsoft.com/office/drawing/2014/main" id="{1A808C31-E992-664B-866C-96725030483A}"/>
+              </a:ext>
+            </a:extLst>
+          </p:cNvPr>
+          <p:cNvSpPr txBox="1"/>
+          <p:nvPr/>
+        </p:nvSpPr>
+        <p:spPr>
+          <a:xfrm>
+            <a:off x="8334097" y="2278104"/>
+            <a:ext cx="941283" cy="461665"/>
+          </a:xfrm>
+          <a:prstGeom prst="rect">
+            <a:avLst/>
+          </a:prstGeom>
+          <a:noFill/>
+        </p:spPr>
+        <p:txBody>
+          <a:bodyPr wrap="none" rtlCol="0">
+            <a:spAutoFit/>
+          </a:bodyPr>
+          <a:lstStyle/>
+          <a:p>
+            <a:pPr algn="ctr"/>
+            <a:r>
+              <a:rPr lang="en-US" sz="1200" dirty="0">
+                <a:latin typeface="Amazon Ember" panose="020B0603020204020204" pitchFamily="34" charset="0"/>
+                <a:ea typeface="Amazon Ember" panose="020B0603020204020204" pitchFamily="34" charset="0"/>
+                <a:cs typeface="Amazon Ember" panose="020B0603020204020204" pitchFamily="34" charset="0"/>
+              </a:rPr>
+              <a:t>Amazon</a:t>
+            </a:r>
+          </a:p>
+          <a:p>
+            <a:pPr algn="ctr"/>
+            <a:r>
+              <a:rPr lang="en-US" sz="1200" dirty="0" err="1">
+                <a:latin typeface="Amazon Ember" panose="020B0603020204020204" pitchFamily="34" charset="0"/>
+                <a:ea typeface="Amazon Ember" panose="020B0603020204020204" pitchFamily="34" charset="0"/>
+                <a:cs typeface="Amazon Ember" panose="020B0603020204020204" pitchFamily="34" charset="0"/>
+              </a:rPr>
+              <a:t>GuardDuty</a:t>
+            </a:r>
+            <a:endParaRPr lang="en-US" sz="1200" dirty="0">
+              <a:latin typeface="Amazon Ember" panose="020B0603020204020204" pitchFamily="34" charset="0"/>
+              <a:ea typeface="Amazon Ember" panose="020B0603020204020204" pitchFamily="34" charset="0"/>
+              <a:cs typeface="Amazon Ember" panose="020B0603020204020204" pitchFamily="34" charset="0"/>
+            </a:endParaRPr>
+          </a:p>
+        </p:txBody>
+      </p:sp>
+      <p:cxnSp>
+        <p:nvCxnSpPr>
+          <p:cNvPr id="25" name="Straight Arrow Connector 24">
+            <a:extLst>
+              <a:ext uri="{FF2B5EF4-FFF2-40B4-BE49-F238E27FC236}">
+                <a16:creationId xmlns:a16="http://schemas.microsoft.com/office/drawing/2014/main" id="{236184EE-64F7-2F47-9CB3-726C01645316}"/>
+              </a:ext>
+            </a:extLst>
+          </p:cNvPr>
+          <p:cNvCxnSpPr>
+            <a:cxnSpLocks/>
+          </p:cNvCxnSpPr>
+          <p:nvPr/>
+        </p:nvCxnSpPr>
+        <p:spPr>
+          <a:xfrm flipH="1">
+            <a:off x="9312112" y="5239773"/>
+            <a:ext cx="1300844" cy="0"/>
+          </a:xfrm>
+          <a:prstGeom prst="straightConnector1">
+            <a:avLst/>
+          </a:prstGeom>
+          <a:ln w="12700">
+            <a:solidFill>
+              <a:srgbClr val="545B64"/>
+            </a:solidFill>
+            <a:headEnd type="arrow" w="med" len="sm"/>
+            <a:tailEnd type="none" w="med" len="sm"/>
+          </a:ln>
+        </p:spPr>
+        <p:style>
+          <a:lnRef idx="1">
+            <a:schemeClr val="accent1"/>
+          </a:lnRef>
+          <a:fillRef idx="0">
+            <a:schemeClr val="accent1"/>
+          </a:fillRef>
+          <a:effectRef idx="0">
+            <a:schemeClr val="accent1"/>
+          </a:effectRef>
+          <a:fontRef idx="minor">
+            <a:schemeClr val="tx1"/>
+          </a:fontRef>
+        </p:style>
+      </p:cxnSp>
+      <p:cxnSp>
+        <p:nvCxnSpPr>
+          <p:cNvPr id="26" name="Straight Arrow Connector 25">
+            <a:extLst>
+              <a:ext uri="{FF2B5EF4-FFF2-40B4-BE49-F238E27FC236}">
+                <a16:creationId xmlns:a16="http://schemas.microsoft.com/office/drawing/2014/main" id="{8C488199-C8C5-1B4B-9ECE-39A8CF6DA602}"/>
+              </a:ext>
+            </a:extLst>
+          </p:cNvPr>
+          <p:cNvCxnSpPr>
+            <a:cxnSpLocks/>
+          </p:cNvCxnSpPr>
+          <p:nvPr/>
+        </p:nvCxnSpPr>
+        <p:spPr>
+          <a:xfrm>
+            <a:off x="7908092" y="1828904"/>
+            <a:ext cx="457640" cy="0"/>
+          </a:xfrm>
+          <a:prstGeom prst="straightConnector1">
+            <a:avLst/>
+          </a:prstGeom>
+          <a:ln w="12700">
+            <a:solidFill>
+              <a:srgbClr val="545B64"/>
+            </a:solidFill>
+            <a:headEnd type="arrow" w="med" len="sm"/>
+            <a:tailEnd type="none" w="med" len="sm"/>
+          </a:ln>
+        </p:spPr>
+        <p:style>
+          <a:lnRef idx="1">
+            <a:schemeClr val="accent1"/>
+          </a:lnRef>
+          <a:fillRef idx="0">
+            <a:schemeClr val="accent1"/>
+          </a:fillRef>
+          <a:effectRef idx="0">
+            <a:schemeClr val="accent1"/>
+          </a:effectRef>
+          <a:fontRef idx="minor">
+            <a:schemeClr val="tx1"/>
+          </a:fontRef>
+        </p:style>
+      </p:cxnSp>
+      <p:cxnSp>
+        <p:nvCxnSpPr>
+          <p:cNvPr id="27" name="Straight Arrow Connector 26">
+            <a:extLst>
+              <a:ext uri="{FF2B5EF4-FFF2-40B4-BE49-F238E27FC236}">
+                <a16:creationId xmlns:a16="http://schemas.microsoft.com/office/drawing/2014/main" id="{F8FDA30E-1A01-ED46-B078-89FEA6DBC1E7}"/>
+              </a:ext>
+            </a:extLst>
+          </p:cNvPr>
+          <p:cNvCxnSpPr>
+            <a:cxnSpLocks/>
+          </p:cNvCxnSpPr>
+          <p:nvPr/>
+        </p:nvCxnSpPr>
+        <p:spPr>
+          <a:xfrm flipH="1" flipV="1">
+            <a:off x="8775313" y="3667150"/>
+            <a:ext cx="1" cy="1086232"/>
+          </a:xfrm>
+          <a:prstGeom prst="straightConnector1">
+            <a:avLst/>
+          </a:prstGeom>
+          <a:ln w="12700">
+            <a:solidFill>
+              <a:srgbClr val="545B64"/>
+            </a:solidFill>
+            <a:headEnd type="arrow" w="med" len="sm"/>
+            <a:tailEnd type="none" w="med" len="sm"/>
+          </a:ln>
+        </p:spPr>
+        <p:style>
+          <a:lnRef idx="1">
+            <a:schemeClr val="accent1"/>
+          </a:lnRef>
+          <a:fillRef idx="0">
+            <a:schemeClr val="accent1"/>
+          </a:fillRef>
+          <a:effectRef idx="0">
+            <a:schemeClr val="accent1"/>
+          </a:effectRef>
+          <a:fontRef idx="minor">
+            <a:schemeClr val="tx1"/>
+          </a:fontRef>
+        </p:style>
+      </p:cxnSp>
+      <p:cxnSp>
+        <p:nvCxnSpPr>
+          <p:cNvPr id="28" name="Straight Arrow Connector 27">
+            <a:extLst>
+              <a:ext uri="{FF2B5EF4-FFF2-40B4-BE49-F238E27FC236}">
+                <a16:creationId xmlns:a16="http://schemas.microsoft.com/office/drawing/2014/main" id="{69C7F02A-1004-5C46-BFF1-98971C595AB7}"/>
+              </a:ext>
+            </a:extLst>
+          </p:cNvPr>
+          <p:cNvCxnSpPr>
+            <a:cxnSpLocks/>
+          </p:cNvCxnSpPr>
+          <p:nvPr/>
+        </p:nvCxnSpPr>
+        <p:spPr>
+          <a:xfrm flipV="1">
+            <a:off x="7990559" y="2278104"/>
+            <a:ext cx="336817" cy="1110572"/>
+          </a:xfrm>
+          <a:prstGeom prst="straightConnector1">
+            <a:avLst/>
+          </a:prstGeom>
+          <a:ln w="12700">
+            <a:solidFill>
+              <a:srgbClr val="545B64"/>
+            </a:solidFill>
+            <a:headEnd type="arrow" w="med" len="sm"/>
+            <a:tailEnd type="none" w="med" len="sm"/>
+          </a:ln>
+        </p:spPr>
+        <p:style>
+          <a:lnRef idx="1">
+            <a:schemeClr val="accent1"/>
+          </a:lnRef>
+          <a:fillRef idx="0">
+            <a:schemeClr val="accent1"/>
+          </a:fillRef>
+          <a:effectRef idx="0">
+            <a:schemeClr val="accent1"/>
+          </a:effectRef>
+          <a:fontRef idx="minor">
+            <a:schemeClr val="tx1"/>
+          </a:fontRef>
+        </p:style>
+      </p:cxnSp>
+      <p:cxnSp>
+        <p:nvCxnSpPr>
+          <p:cNvPr id="29" name="Straight Arrow Connector 28">
+            <a:extLst>
+              <a:ext uri="{FF2B5EF4-FFF2-40B4-BE49-F238E27FC236}">
+                <a16:creationId xmlns:a16="http://schemas.microsoft.com/office/drawing/2014/main" id="{72A65054-CB87-544D-8805-AEEDE3706A1A}"/>
+              </a:ext>
+            </a:extLst>
+          </p:cNvPr>
+          <p:cNvCxnSpPr>
+            <a:cxnSpLocks/>
+          </p:cNvCxnSpPr>
+          <p:nvPr/>
+        </p:nvCxnSpPr>
+        <p:spPr>
+          <a:xfrm>
+            <a:off x="8590484" y="3665082"/>
+            <a:ext cx="184829" cy="0"/>
+          </a:xfrm>
+          <a:prstGeom prst="straightConnector1">
+            <a:avLst/>
+          </a:prstGeom>
+          <a:ln w="12700">
+            <a:solidFill>
+              <a:schemeClr val="tx2"/>
+            </a:solidFill>
+            <a:headEnd type="none" w="med" len="sm"/>
+            <a:tailEnd type="none" w="med" len="sm"/>
+          </a:ln>
+        </p:spPr>
+        <p:style>
+          <a:lnRef idx="1">
+            <a:schemeClr val="accent1"/>
+          </a:lnRef>
+          <a:fillRef idx="0">
+            <a:schemeClr val="accent1"/>
+          </a:fillRef>
+          <a:effectRef idx="0">
+            <a:schemeClr val="accent1"/>
+          </a:effectRef>
+          <a:fontRef idx="minor">
+            <a:schemeClr val="tx1"/>
+          </a:fontRef>
+        </p:style>
+      </p:cxnSp>
+      <p:pic>
+        <p:nvPicPr>
+          <p:cNvPr id="30" name="Graphic 29">
+            <a:extLst>
+              <a:ext uri="{FF2B5EF4-FFF2-40B4-BE49-F238E27FC236}">
+                <a16:creationId xmlns:a16="http://schemas.microsoft.com/office/drawing/2014/main" id="{BF97E596-8910-B342-AAD0-2FE41198DF2E}"/>
+              </a:ext>
+            </a:extLst>
+          </p:cNvPr>
+          <p:cNvPicPr>
+            <a:picLocks noChangeAspect="1"/>
+          </p:cNvPicPr>
+          <p:nvPr/>
+        </p:nvPicPr>
+        <p:blipFill>
+          <a:blip r:embed="rId16">
+            <a:extLst>
+              <a:ext uri="{96DAC541-7B7A-43D3-8B79-37D633B846F1}">
+                <asvg:svgBlip xmlns:asvg="http://schemas.microsoft.com/office/drawing/2016/SVG/main" r:embed="rId17"/>
+              </a:ext>
+            </a:extLst>
+          </a:blip>
+          <a:stretch>
+            <a:fillRect/>
+          </a:stretch>
+        </p:blipFill>
+        <p:spPr>
+          <a:xfrm>
+            <a:off x="8809337" y="3896985"/>
+            <a:ext cx="469900" cy="469900"/>
+          </a:xfrm>
+          <a:prstGeom prst="rect">
+            <a:avLst/>
+          </a:prstGeom>
+        </p:spPr>
+      </p:pic>
+      <p:sp>
+        <p:nvSpPr>
+          <p:cNvPr id="31" name="TextBox 30">
+            <a:extLst>
+              <a:ext uri="{FF2B5EF4-FFF2-40B4-BE49-F238E27FC236}">
+                <a16:creationId xmlns:a16="http://schemas.microsoft.com/office/drawing/2014/main" id="{65AEE035-1281-4241-B8C3-D1A073C66DFB}"/>
+              </a:ext>
+            </a:extLst>
+          </p:cNvPr>
+          <p:cNvSpPr txBox="1"/>
+          <p:nvPr/>
+        </p:nvSpPr>
+        <p:spPr>
+          <a:xfrm>
+            <a:off x="8901288" y="3928540"/>
+            <a:ext cx="301686" cy="369332"/>
+          </a:xfrm>
+          <a:prstGeom prst="rect">
+            <a:avLst/>
+          </a:prstGeom>
+          <a:noFill/>
+        </p:spPr>
+        <p:txBody>
+          <a:bodyPr wrap="none" rtlCol="0">
+            <a:spAutoFit/>
+          </a:bodyPr>
+          <a:lstStyle/>
+          <a:p>
+            <a:r>
+              <a:rPr lang="en-US" dirty="0"/>
+              <a:t>4</a:t>
+            </a:r>
+          </a:p>
+        </p:txBody>
+      </p:sp>
+      <p:pic>
+        <p:nvPicPr>
+          <p:cNvPr id="32" name="Graphic 31">
+            <a:extLst>
+              <a:ext uri="{FF2B5EF4-FFF2-40B4-BE49-F238E27FC236}">
+                <a16:creationId xmlns:a16="http://schemas.microsoft.com/office/drawing/2014/main" id="{5672B514-37C5-174A-A8FF-269F41D76592}"/>
+              </a:ext>
+            </a:extLst>
+          </p:cNvPr>
+          <p:cNvPicPr>
+            <a:picLocks noChangeAspect="1"/>
+          </p:cNvPicPr>
+          <p:nvPr/>
+        </p:nvPicPr>
+        <p:blipFill>
+          <a:blip r:embed="rId16">
+            <a:extLst>
+              <a:ext uri="{96DAC541-7B7A-43D3-8B79-37D633B846F1}">
+                <asvg:svgBlip xmlns:asvg="http://schemas.microsoft.com/office/drawing/2016/SVG/main" r:embed="rId17"/>
+              </a:ext>
+            </a:extLst>
+          </a:blip>
+          <a:stretch>
+            <a:fillRect/>
+          </a:stretch>
+        </p:blipFill>
+        <p:spPr>
+          <a:xfrm>
+            <a:off x="5592507" y="495088"/>
+            <a:ext cx="469900" cy="469900"/>
+          </a:xfrm>
+          <a:prstGeom prst="rect">
+            <a:avLst/>
+          </a:prstGeom>
+        </p:spPr>
+      </p:pic>
+      <p:sp>
+        <p:nvSpPr>
+          <p:cNvPr id="33" name="TextBox 32">
+            <a:extLst>
+              <a:ext uri="{FF2B5EF4-FFF2-40B4-BE49-F238E27FC236}">
+                <a16:creationId xmlns:a16="http://schemas.microsoft.com/office/drawing/2014/main" id="{8E4E4A85-6F3C-0644-B846-EFEFB4368B44}"/>
+              </a:ext>
+            </a:extLst>
+          </p:cNvPr>
+          <p:cNvSpPr txBox="1"/>
+          <p:nvPr/>
+        </p:nvSpPr>
+        <p:spPr>
+          <a:xfrm>
+            <a:off x="5684458" y="526643"/>
+            <a:ext cx="301686" cy="369332"/>
+          </a:xfrm>
+          <a:prstGeom prst="rect">
+            <a:avLst/>
+          </a:prstGeom>
+          <a:noFill/>
+        </p:spPr>
+        <p:txBody>
+          <a:bodyPr wrap="none" rtlCol="0">
+            <a:spAutoFit/>
+          </a:bodyPr>
+          <a:lstStyle/>
+          <a:p>
+            <a:r>
+              <a:rPr lang="en-US" dirty="0"/>
+              <a:t>2</a:t>
+            </a:r>
+          </a:p>
+        </p:txBody>
+      </p:sp>
+      <p:pic>
+        <p:nvPicPr>
+          <p:cNvPr id="34" name="Graphic 33">
+            <a:extLst>
+              <a:ext uri="{FF2B5EF4-FFF2-40B4-BE49-F238E27FC236}">
+                <a16:creationId xmlns:a16="http://schemas.microsoft.com/office/drawing/2014/main" id="{32CF292B-864D-534A-BE90-64E730D18DE2}"/>
+              </a:ext>
+            </a:extLst>
+          </p:cNvPr>
+          <p:cNvPicPr>
+            <a:picLocks noChangeAspect="1"/>
+          </p:cNvPicPr>
+          <p:nvPr/>
+        </p:nvPicPr>
+        <p:blipFill>
+          <a:blip r:embed="rId16">
+            <a:extLst>
+              <a:ext uri="{96DAC541-7B7A-43D3-8B79-37D633B846F1}">
+                <asvg:svgBlip xmlns:asvg="http://schemas.microsoft.com/office/drawing/2016/SVG/main" r:embed="rId17"/>
+              </a:ext>
+            </a:extLst>
+          </a:blip>
+          <a:stretch>
+            <a:fillRect/>
+          </a:stretch>
+        </p:blipFill>
+        <p:spPr>
+          <a:xfrm>
+            <a:off x="7695681" y="2612009"/>
+            <a:ext cx="469900" cy="469900"/>
+          </a:xfrm>
+          <a:prstGeom prst="rect">
+            <a:avLst/>
+          </a:prstGeom>
+        </p:spPr>
+      </p:pic>
+      <p:sp>
+        <p:nvSpPr>
+          <p:cNvPr id="35" name="TextBox 34">
+            <a:extLst>
+              <a:ext uri="{FF2B5EF4-FFF2-40B4-BE49-F238E27FC236}">
+                <a16:creationId xmlns:a16="http://schemas.microsoft.com/office/drawing/2014/main" id="{CB284421-2ECA-2341-AB40-32A660CCF60C}"/>
+              </a:ext>
+            </a:extLst>
+          </p:cNvPr>
+          <p:cNvSpPr txBox="1"/>
+          <p:nvPr/>
+        </p:nvSpPr>
+        <p:spPr>
+          <a:xfrm>
+            <a:off x="7787632" y="2643564"/>
+            <a:ext cx="301686" cy="369332"/>
+          </a:xfrm>
+          <a:prstGeom prst="rect">
+            <a:avLst/>
+          </a:prstGeom>
+          <a:noFill/>
+        </p:spPr>
+        <p:txBody>
+          <a:bodyPr wrap="none" rtlCol="0">
+            <a:spAutoFit/>
+          </a:bodyPr>
+          <a:lstStyle/>
+          <a:p>
+            <a:r>
+              <a:rPr lang="en-US" dirty="0"/>
+              <a:t>3</a:t>
+            </a:r>
+          </a:p>
+        </p:txBody>
+      </p:sp>
+      <p:pic>
+        <p:nvPicPr>
+          <p:cNvPr id="36" name="Graphic 35">
+            <a:extLst>
+              <a:ext uri="{FF2B5EF4-FFF2-40B4-BE49-F238E27FC236}">
+                <a16:creationId xmlns:a16="http://schemas.microsoft.com/office/drawing/2014/main" id="{32AA6618-C465-1D4D-A0A8-0A93239B5902}"/>
+              </a:ext>
+            </a:extLst>
+          </p:cNvPr>
+          <p:cNvPicPr>
+            <a:picLocks noChangeAspect="1"/>
+          </p:cNvPicPr>
+          <p:nvPr/>
+        </p:nvPicPr>
+        <p:blipFill>
+          <a:blip r:embed="rId18">
+            <a:extLst>
+              <a:ext uri="{96DAC541-7B7A-43D3-8B79-37D633B846F1}">
+                <asvg:svgBlip xmlns:asvg="http://schemas.microsoft.com/office/drawing/2016/SVG/main" r:embed="rId19"/>
+              </a:ext>
+            </a:extLst>
+          </a:blip>
+          <a:stretch>
+            <a:fillRect/>
+          </a:stretch>
+        </p:blipFill>
+        <p:spPr>
+          <a:xfrm>
+            <a:off x="6975939" y="1380445"/>
+            <a:ext cx="914400" cy="914400"/>
+          </a:xfrm>
+          <a:prstGeom prst="rect">
+            <a:avLst/>
+          </a:prstGeom>
+        </p:spPr>
+      </p:pic>
+      <p:pic>
+        <p:nvPicPr>
+          <p:cNvPr id="37" name="Graphic 36">
+            <a:extLst>
+              <a:ext uri="{FF2B5EF4-FFF2-40B4-BE49-F238E27FC236}">
+                <a16:creationId xmlns:a16="http://schemas.microsoft.com/office/drawing/2014/main" id="{F642D0DE-7DB8-8C4C-8E1C-DF673AE02F92}"/>
+              </a:ext>
+            </a:extLst>
+          </p:cNvPr>
+          <p:cNvPicPr>
+            <a:picLocks noChangeAspect="1"/>
+          </p:cNvPicPr>
+          <p:nvPr/>
+        </p:nvPicPr>
+        <p:blipFill>
+          <a:blip r:embed="rId20">
+            <a:extLst>
+              <a:ext uri="{96DAC541-7B7A-43D3-8B79-37D633B846F1}">
+                <asvg:svgBlip xmlns:asvg="http://schemas.microsoft.com/office/drawing/2016/SVG/main" r:embed="rId21"/>
+              </a:ext>
+            </a:extLst>
+          </a:blip>
+          <a:stretch>
+            <a:fillRect/>
+          </a:stretch>
+        </p:blipFill>
+        <p:spPr>
+          <a:xfrm>
+            <a:off x="5893932" y="1098662"/>
+            <a:ext cx="469900" cy="469900"/>
+          </a:xfrm>
+          <a:prstGeom prst="rect">
+            <a:avLst/>
+          </a:prstGeom>
+        </p:spPr>
+      </p:pic>
+      <p:sp>
+        <p:nvSpPr>
+          <p:cNvPr id="38" name="TextBox 37">
+            <a:extLst>
+              <a:ext uri="{FF2B5EF4-FFF2-40B4-BE49-F238E27FC236}">
+                <a16:creationId xmlns:a16="http://schemas.microsoft.com/office/drawing/2014/main" id="{893B0616-6053-D245-9B9E-251384130E92}"/>
+              </a:ext>
+            </a:extLst>
+          </p:cNvPr>
+          <p:cNvSpPr txBox="1"/>
+          <p:nvPr/>
+        </p:nvSpPr>
+        <p:spPr>
+          <a:xfrm>
+            <a:off x="5781047" y="1540160"/>
+            <a:ext cx="713657" cy="400110"/>
+          </a:xfrm>
+          <a:prstGeom prst="rect">
+            <a:avLst/>
+          </a:prstGeom>
+          <a:noFill/>
+        </p:spPr>
+        <p:txBody>
+          <a:bodyPr wrap="none" rtlCol="0">
+            <a:spAutoFit/>
+          </a:bodyPr>
+          <a:lstStyle/>
+          <a:p>
+            <a:pPr algn="ctr"/>
+            <a:r>
+              <a:rPr lang="en-US" sz="1000" dirty="0">
+                <a:latin typeface="Amazon Ember" panose="020B0603020204020204" pitchFamily="34" charset="0"/>
+                <a:ea typeface="Amazon Ember" panose="020B0603020204020204" pitchFamily="34" charset="0"/>
+                <a:cs typeface="Amazon Ember" panose="020B0603020204020204" pitchFamily="34" charset="0"/>
+              </a:rPr>
+              <a:t>AWS API</a:t>
+            </a:r>
+          </a:p>
+          <a:p>
+            <a:pPr algn="ctr"/>
+            <a:r>
+              <a:rPr lang="en-US" sz="1000" dirty="0">
+                <a:latin typeface="Amazon Ember" panose="020B0603020204020204" pitchFamily="34" charset="0"/>
+                <a:ea typeface="Amazon Ember" panose="020B0603020204020204" pitchFamily="34" charset="0"/>
+                <a:cs typeface="Amazon Ember" panose="020B0603020204020204" pitchFamily="34" charset="0"/>
+              </a:rPr>
+              <a:t>Endpoint</a:t>
+            </a:r>
+          </a:p>
+        </p:txBody>
+      </p:sp>
+      <p:cxnSp>
+        <p:nvCxnSpPr>
+          <p:cNvPr id="39" name="Straight Arrow Connector 38">
+            <a:extLst>
+              <a:ext uri="{FF2B5EF4-FFF2-40B4-BE49-F238E27FC236}">
+                <a16:creationId xmlns:a16="http://schemas.microsoft.com/office/drawing/2014/main" id="{AD6948FB-F6AC-864D-A9F6-A90B28B4DBDB}"/>
+              </a:ext>
+            </a:extLst>
+          </p:cNvPr>
+          <p:cNvCxnSpPr>
+            <a:cxnSpLocks/>
+          </p:cNvCxnSpPr>
+          <p:nvPr/>
+        </p:nvCxnSpPr>
+        <p:spPr>
+          <a:xfrm flipH="1">
+            <a:off x="5542878" y="1346930"/>
+            <a:ext cx="351054" cy="0"/>
+          </a:xfrm>
+          <a:prstGeom prst="straightConnector1">
+            <a:avLst/>
+          </a:prstGeom>
+          <a:ln w="12700">
+            <a:solidFill>
+              <a:srgbClr val="545B64"/>
+            </a:solidFill>
+            <a:headEnd type="arrow" w="med" len="sm"/>
+            <a:tailEnd type="none" w="med" len="sm"/>
+          </a:ln>
+        </p:spPr>
+        <p:style>
+          <a:lnRef idx="1">
+            <a:schemeClr val="accent1"/>
+          </a:lnRef>
+          <a:fillRef idx="0">
+            <a:schemeClr val="accent1"/>
+          </a:fillRef>
+          <a:effectRef idx="0">
+            <a:schemeClr val="accent1"/>
+          </a:effectRef>
+          <a:fontRef idx="minor">
+            <a:schemeClr val="tx1"/>
+          </a:fontRef>
+        </p:style>
+      </p:cxnSp>
+      <p:cxnSp>
+        <p:nvCxnSpPr>
+          <p:cNvPr id="40" name="Straight Arrow Connector 39">
+            <a:extLst>
+              <a:ext uri="{FF2B5EF4-FFF2-40B4-BE49-F238E27FC236}">
+                <a16:creationId xmlns:a16="http://schemas.microsoft.com/office/drawing/2014/main" id="{42CBAE60-34AC-9E42-90E9-3BAA83679E42}"/>
+              </a:ext>
+            </a:extLst>
+          </p:cNvPr>
+          <p:cNvCxnSpPr>
+            <a:cxnSpLocks/>
+          </p:cNvCxnSpPr>
+          <p:nvPr/>
+        </p:nvCxnSpPr>
+        <p:spPr>
+          <a:xfrm>
+            <a:off x="5539518" y="434340"/>
+            <a:ext cx="0" cy="918001"/>
+          </a:xfrm>
+          <a:prstGeom prst="straightConnector1">
+            <a:avLst/>
+          </a:prstGeom>
+          <a:ln w="12700">
+            <a:solidFill>
+              <a:schemeClr val="tx2"/>
+            </a:solidFill>
+            <a:headEnd type="none" w="med" len="sm"/>
+            <a:tailEnd type="none" w="med" len="sm"/>
+          </a:ln>
+        </p:spPr>
+        <p:style>
+          <a:lnRef idx="1">
+            <a:schemeClr val="accent1"/>
+          </a:lnRef>
+          <a:fillRef idx="0">
+            <a:schemeClr val="accent1"/>
+          </a:fillRef>
+          <a:effectRef idx="0">
+            <a:schemeClr val="accent1"/>
+          </a:effectRef>
+          <a:fontRef idx="minor">
+            <a:schemeClr val="tx1"/>
+          </a:fontRef>
+        </p:style>
+      </p:cxnSp>
+      <p:cxnSp>
+        <p:nvCxnSpPr>
+          <p:cNvPr id="41" name="Elbow Connector 40">
+            <a:extLst>
+              <a:ext uri="{FF2B5EF4-FFF2-40B4-BE49-F238E27FC236}">
+                <a16:creationId xmlns:a16="http://schemas.microsoft.com/office/drawing/2014/main" id="{6492D6A1-0E07-8343-8B2B-8CAE1AD87F1D}"/>
+              </a:ext>
+            </a:extLst>
+          </p:cNvPr>
+          <p:cNvCxnSpPr>
+            <a:cxnSpLocks/>
+          </p:cNvCxnSpPr>
+          <p:nvPr/>
+        </p:nvCxnSpPr>
+        <p:spPr>
+          <a:xfrm>
+            <a:off x="6351351" y="1339198"/>
+            <a:ext cx="566654" cy="200961"/>
+          </a:xfrm>
+          <a:prstGeom prst="bentConnector3">
+            <a:avLst>
+              <a:gd name="adj1" fmla="val 50000"/>
+            </a:avLst>
+          </a:prstGeom>
+          <a:ln w="12700">
+            <a:solidFill>
+              <a:srgbClr val="545B64"/>
+            </a:solidFill>
+            <a:headEnd type="none" w="med" len="sm"/>
+            <a:tailEnd type="arrow" w="med" len="sm"/>
+          </a:ln>
+        </p:spPr>
+        <p:style>
+          <a:lnRef idx="1">
+            <a:schemeClr val="accent1"/>
+          </a:lnRef>
+          <a:fillRef idx="0">
+            <a:schemeClr val="accent1"/>
+          </a:fillRef>
+          <a:effectRef idx="0">
+            <a:schemeClr val="accent1"/>
+          </a:effectRef>
+          <a:fontRef idx="minor">
+            <a:schemeClr val="tx1"/>
+          </a:fontRef>
+        </p:style>
+      </p:cxnSp>
+      <p:pic>
+        <p:nvPicPr>
+          <p:cNvPr id="42" name="Graphic 41">
+            <a:extLst>
+              <a:ext uri="{FF2B5EF4-FFF2-40B4-BE49-F238E27FC236}">
+                <a16:creationId xmlns:a16="http://schemas.microsoft.com/office/drawing/2014/main" id="{5799F9B1-B188-6E45-9CBE-BEE4BFDEEA5C}"/>
+              </a:ext>
+            </a:extLst>
+          </p:cNvPr>
+          <p:cNvPicPr>
+            <a:picLocks noChangeAspect="1"/>
+          </p:cNvPicPr>
+          <p:nvPr/>
+        </p:nvPicPr>
+        <p:blipFill>
+          <a:blip r:embed="rId16">
+            <a:extLst>
+              <a:ext uri="{96DAC541-7B7A-43D3-8B79-37D633B846F1}">
+                <asvg:svgBlip xmlns:asvg="http://schemas.microsoft.com/office/drawing/2016/SVG/main" r:embed="rId17"/>
+              </a:ext>
+            </a:extLst>
+          </a:blip>
+          <a:stretch>
+            <a:fillRect/>
+          </a:stretch>
+        </p:blipFill>
+        <p:spPr>
+          <a:xfrm>
+            <a:off x="3163320" y="1191154"/>
+            <a:ext cx="469900" cy="469900"/>
+          </a:xfrm>
+          <a:prstGeom prst="rect">
+            <a:avLst/>
+          </a:prstGeom>
+        </p:spPr>
+      </p:pic>
+      <p:sp>
+        <p:nvSpPr>
+          <p:cNvPr id="43" name="TextBox 42">
+            <a:extLst>
+              <a:ext uri="{FF2B5EF4-FFF2-40B4-BE49-F238E27FC236}">
+                <a16:creationId xmlns:a16="http://schemas.microsoft.com/office/drawing/2014/main" id="{3594D3AD-0D14-B04A-B8E0-FAB0A7730C20}"/>
+              </a:ext>
+            </a:extLst>
+          </p:cNvPr>
+          <p:cNvSpPr txBox="1"/>
+          <p:nvPr/>
+        </p:nvSpPr>
+        <p:spPr>
+          <a:xfrm>
+            <a:off x="3255271" y="1222709"/>
+            <a:ext cx="301686" cy="369332"/>
+          </a:xfrm>
+          <a:prstGeom prst="rect">
+            <a:avLst/>
+          </a:prstGeom>
+          <a:noFill/>
+        </p:spPr>
+        <p:txBody>
+          <a:bodyPr wrap="none" rtlCol="0">
+            <a:spAutoFit/>
+          </a:bodyPr>
+          <a:lstStyle/>
+          <a:p>
+            <a:r>
+              <a:rPr lang="en-US" dirty="0"/>
+              <a:t>1</a:t>
+            </a:r>
+          </a:p>
+        </p:txBody>
+      </p:sp>
+      <p:pic>
+        <p:nvPicPr>
+          <p:cNvPr id="44" name="Graphic 43">
+            <a:extLst>
+              <a:ext uri="{FF2B5EF4-FFF2-40B4-BE49-F238E27FC236}">
+                <a16:creationId xmlns:a16="http://schemas.microsoft.com/office/drawing/2014/main" id="{F085F6F2-3ACF-DA47-B1B6-86D4D98E5DBF}"/>
+              </a:ext>
+            </a:extLst>
+          </p:cNvPr>
+          <p:cNvPicPr>
+            <a:picLocks noChangeAspect="1"/>
+          </p:cNvPicPr>
+          <p:nvPr/>
+        </p:nvPicPr>
+        <p:blipFill>
+          <a:blip r:embed="rId16">
+            <a:extLst>
+              <a:ext uri="{96DAC541-7B7A-43D3-8B79-37D633B846F1}">
+                <asvg:svgBlip xmlns:asvg="http://schemas.microsoft.com/office/drawing/2016/SVG/main" r:embed="rId17"/>
+              </a:ext>
+            </a:extLst>
+          </a:blip>
+          <a:stretch>
+            <a:fillRect/>
+          </a:stretch>
+        </p:blipFill>
+        <p:spPr>
+          <a:xfrm>
+            <a:off x="9676779" y="4749554"/>
+            <a:ext cx="469900" cy="469900"/>
+          </a:xfrm>
+          <a:prstGeom prst="rect">
+            <a:avLst/>
+          </a:prstGeom>
+        </p:spPr>
+      </p:pic>
+      <p:sp>
+        <p:nvSpPr>
+          <p:cNvPr id="45" name="TextBox 44">
+            <a:extLst>
+              <a:ext uri="{FF2B5EF4-FFF2-40B4-BE49-F238E27FC236}">
+                <a16:creationId xmlns:a16="http://schemas.microsoft.com/office/drawing/2014/main" id="{D755B65F-1350-ED48-93EF-9A0F44DC8CA0}"/>
+              </a:ext>
+            </a:extLst>
+          </p:cNvPr>
+          <p:cNvSpPr txBox="1"/>
+          <p:nvPr/>
+        </p:nvSpPr>
+        <p:spPr>
+          <a:xfrm>
+            <a:off x="9768730" y="4781109"/>
+            <a:ext cx="301686" cy="369332"/>
+          </a:xfrm>
+          <a:prstGeom prst="rect">
+            <a:avLst/>
+          </a:prstGeom>
+          <a:noFill/>
+        </p:spPr>
+        <p:txBody>
+          <a:bodyPr wrap="none" rtlCol="0">
+            <a:spAutoFit/>
+          </a:bodyPr>
+          <a:lstStyle/>
+          <a:p>
+            <a:r>
+              <a:rPr lang="en-US" dirty="0"/>
+              <a:t>5</a:t>
+            </a:r>
+          </a:p>
+        </p:txBody>
+      </p:sp>
+      <p:pic>
+        <p:nvPicPr>
+          <p:cNvPr id="46" name="Graphic 45">
+            <a:extLst>
+              <a:ext uri="{FF2B5EF4-FFF2-40B4-BE49-F238E27FC236}">
+                <a16:creationId xmlns:a16="http://schemas.microsoft.com/office/drawing/2014/main" id="{7C7A648C-05D1-9D44-9ECE-E8129F9E5A0D}"/>
+              </a:ext>
+            </a:extLst>
+          </p:cNvPr>
+          <p:cNvPicPr>
+            <a:picLocks noChangeAspect="1"/>
+          </p:cNvPicPr>
+          <p:nvPr/>
+        </p:nvPicPr>
+        <p:blipFill>
+          <a:blip r:embed="rId22">
+            <a:extLst>
+              <a:ext uri="{96DAC541-7B7A-43D3-8B79-37D633B846F1}">
+                <asvg:svgBlip xmlns:asvg="http://schemas.microsoft.com/office/drawing/2016/SVG/main" r:embed="rId23"/>
+              </a:ext>
+            </a:extLst>
+          </a:blip>
+          <a:stretch>
+            <a:fillRect/>
+          </a:stretch>
+        </p:blipFill>
+        <p:spPr>
+          <a:xfrm>
+            <a:off x="2277488" y="3208663"/>
+            <a:ext cx="1645088" cy="1371600"/>
+          </a:xfrm>
+          <a:prstGeom prst="rect">
+            <a:avLst/>
+          </a:prstGeom>
+        </p:spPr>
+      </p:pic>
+      <p:sp>
+        <p:nvSpPr>
+          <p:cNvPr id="47" name="TextBox 46">
+            <a:extLst>
+              <a:ext uri="{FF2B5EF4-FFF2-40B4-BE49-F238E27FC236}">
+                <a16:creationId xmlns:a16="http://schemas.microsoft.com/office/drawing/2014/main" id="{C9B71645-330F-4E4D-9B98-301E4943C53D}"/>
+              </a:ext>
+            </a:extLst>
+          </p:cNvPr>
+          <p:cNvSpPr txBox="1"/>
+          <p:nvPr/>
+        </p:nvSpPr>
+        <p:spPr>
+          <a:xfrm>
+            <a:off x="2509241" y="3669274"/>
+            <a:ext cx="1159292" cy="461665"/>
+          </a:xfrm>
+          <a:prstGeom prst="rect">
+            <a:avLst/>
+          </a:prstGeom>
+          <a:noFill/>
+        </p:spPr>
+        <p:txBody>
+          <a:bodyPr wrap="none" rtlCol="0">
+            <a:spAutoFit/>
+          </a:bodyPr>
+          <a:lstStyle/>
+          <a:p>
+            <a:r>
+              <a:rPr lang="en-US" sz="1200" dirty="0">
+                <a:latin typeface="Amazon Ember" panose="020B0603020204020204" pitchFamily="34" charset="0"/>
+                <a:ea typeface="Amazon Ember" panose="020B0603020204020204" pitchFamily="34" charset="0"/>
+                <a:cs typeface="Amazon Ember" panose="020B0603020204020204" pitchFamily="34" charset="0"/>
+              </a:rPr>
+              <a:t>Compromised</a:t>
+            </a:r>
+          </a:p>
+          <a:p>
+            <a:pPr algn="ctr"/>
+            <a:r>
+              <a:rPr lang="en-US" sz="1200" dirty="0">
+                <a:latin typeface="Amazon Ember" panose="020B0603020204020204" pitchFamily="34" charset="0"/>
+                <a:ea typeface="Amazon Ember" panose="020B0603020204020204" pitchFamily="34" charset="0"/>
+                <a:cs typeface="Amazon Ember" panose="020B0603020204020204" pitchFamily="34" charset="0"/>
+              </a:rPr>
+              <a:t>Instance</a:t>
+            </a:r>
+          </a:p>
+        </p:txBody>
+      </p:sp>
+      <p:pic>
+        <p:nvPicPr>
+          <p:cNvPr id="49" name="Picture 48">
+            <a:extLst>
+              <a:ext uri="{FF2B5EF4-FFF2-40B4-BE49-F238E27FC236}">
+                <a16:creationId xmlns:a16="http://schemas.microsoft.com/office/drawing/2014/main" id="{9CA591C9-1F9D-924B-91B4-B46A84ACFF89}"/>
+              </a:ext>
+            </a:extLst>
+          </p:cNvPr>
+          <p:cNvPicPr>
+            <a:picLocks noChangeAspect="1"/>
+          </p:cNvPicPr>
+          <p:nvPr/>
+        </p:nvPicPr>
+        <p:blipFill>
+          <a:blip r:embed="rId24"/>
+          <a:stretch>
+            <a:fillRect/>
+          </a:stretch>
+        </p:blipFill>
+        <p:spPr>
+          <a:xfrm>
+            <a:off x="2005597" y="-6559"/>
+            <a:ext cx="635000" cy="635000"/>
+          </a:xfrm>
+          <a:prstGeom prst="rect">
+            <a:avLst/>
+          </a:prstGeom>
+        </p:spPr>
+      </p:pic>
+      <p:sp>
+        <p:nvSpPr>
+          <p:cNvPr id="50" name="TextBox 49">
+            <a:extLst>
+              <a:ext uri="{FF2B5EF4-FFF2-40B4-BE49-F238E27FC236}">
+                <a16:creationId xmlns:a16="http://schemas.microsoft.com/office/drawing/2014/main" id="{DF071646-C353-8C49-AA08-4174E37C7F5A}"/>
+              </a:ext>
+            </a:extLst>
+          </p:cNvPr>
+          <p:cNvSpPr txBox="1"/>
+          <p:nvPr/>
+        </p:nvSpPr>
+        <p:spPr>
+          <a:xfrm>
+            <a:off x="1775326" y="585752"/>
+            <a:ext cx="1095172" cy="276999"/>
+          </a:xfrm>
+          <a:prstGeom prst="rect">
+            <a:avLst/>
+          </a:prstGeom>
+          <a:noFill/>
+        </p:spPr>
+        <p:txBody>
+          <a:bodyPr wrap="none" rtlCol="0">
+            <a:spAutoFit/>
+          </a:bodyPr>
+          <a:lstStyle/>
+          <a:p>
+            <a:r>
+              <a:rPr lang="en-US" sz="1200" dirty="0">
+                <a:latin typeface="Amazon Ember" panose="020B0603020204020204" pitchFamily="34" charset="0"/>
+                <a:ea typeface="Amazon Ember" panose="020B0603020204020204" pitchFamily="34" charset="0"/>
+                <a:cs typeface="Amazon Ember" panose="020B0603020204020204" pitchFamily="34" charset="0"/>
+              </a:rPr>
+              <a:t>Remote Host</a:t>
+            </a:r>
+          </a:p>
+        </p:txBody>
+      </p:sp>
+      <p:cxnSp>
+        <p:nvCxnSpPr>
+          <p:cNvPr id="51" name="Straight Arrow Connector 50">
+            <a:extLst>
+              <a:ext uri="{FF2B5EF4-FFF2-40B4-BE49-F238E27FC236}">
+                <a16:creationId xmlns:a16="http://schemas.microsoft.com/office/drawing/2014/main" id="{0D51C749-C334-9247-8D7B-83A9805BF087}"/>
+              </a:ext>
+            </a:extLst>
+          </p:cNvPr>
+          <p:cNvCxnSpPr>
+            <a:cxnSpLocks/>
+          </p:cNvCxnSpPr>
+          <p:nvPr/>
+        </p:nvCxnSpPr>
+        <p:spPr>
+          <a:xfrm flipV="1">
+            <a:off x="3007337" y="516979"/>
+            <a:ext cx="744" cy="2347562"/>
+          </a:xfrm>
+          <a:prstGeom prst="straightConnector1">
+            <a:avLst/>
+          </a:prstGeom>
+          <a:ln w="12700">
+            <a:solidFill>
+              <a:srgbClr val="545B64"/>
+            </a:solidFill>
+            <a:headEnd type="arrow" w="med" len="sm"/>
+            <a:tailEnd type="none" w="med" len="sm"/>
+          </a:ln>
+        </p:spPr>
+        <p:style>
+          <a:lnRef idx="1">
+            <a:schemeClr val="accent1"/>
+          </a:lnRef>
+          <a:fillRef idx="0">
+            <a:schemeClr val="accent1"/>
+          </a:fillRef>
+          <a:effectRef idx="0">
+            <a:schemeClr val="accent1"/>
+          </a:effectRef>
+          <a:fontRef idx="minor">
+            <a:schemeClr val="tx1"/>
+          </a:fontRef>
+        </p:style>
+      </p:cxnSp>
+      <p:cxnSp>
+        <p:nvCxnSpPr>
+          <p:cNvPr id="52" name="Straight Arrow Connector 51">
+            <a:extLst>
+              <a:ext uri="{FF2B5EF4-FFF2-40B4-BE49-F238E27FC236}">
+                <a16:creationId xmlns:a16="http://schemas.microsoft.com/office/drawing/2014/main" id="{661DC26B-262C-7147-9504-CD147CA434FA}"/>
+              </a:ext>
+            </a:extLst>
+          </p:cNvPr>
+          <p:cNvCxnSpPr>
+            <a:cxnSpLocks/>
+          </p:cNvCxnSpPr>
+          <p:nvPr/>
+        </p:nvCxnSpPr>
+        <p:spPr>
+          <a:xfrm flipV="1">
+            <a:off x="2640597" y="519308"/>
+            <a:ext cx="351972" cy="138"/>
+          </a:xfrm>
+          <a:prstGeom prst="straightConnector1">
+            <a:avLst/>
+          </a:prstGeom>
+          <a:ln w="12700">
+            <a:solidFill>
+              <a:schemeClr val="tx2"/>
+            </a:solidFill>
+            <a:headEnd type="none" w="med" len="sm"/>
+            <a:tailEnd type="none" w="med" len="sm"/>
+          </a:ln>
+        </p:spPr>
+        <p:style>
+          <a:lnRef idx="1">
+            <a:schemeClr val="accent1"/>
+          </a:lnRef>
+          <a:fillRef idx="0">
+            <a:schemeClr val="accent1"/>
+          </a:fillRef>
+          <a:effectRef idx="0">
+            <a:schemeClr val="accent1"/>
+          </a:effectRef>
+          <a:fontRef idx="minor">
+            <a:schemeClr val="tx1"/>
+          </a:fontRef>
+        </p:style>
+      </p:cxnSp>
+      <p:cxnSp>
+        <p:nvCxnSpPr>
+          <p:cNvPr id="58" name="Straight Arrow Connector 57">
+            <a:extLst>
+              <a:ext uri="{FF2B5EF4-FFF2-40B4-BE49-F238E27FC236}">
+                <a16:creationId xmlns:a16="http://schemas.microsoft.com/office/drawing/2014/main" id="{BCDA9A1D-6198-4746-BAF4-7B93EB9F0081}"/>
+              </a:ext>
+            </a:extLst>
+          </p:cNvPr>
+          <p:cNvCxnSpPr>
+            <a:cxnSpLocks/>
+          </p:cNvCxnSpPr>
+          <p:nvPr/>
+        </p:nvCxnSpPr>
+        <p:spPr>
+          <a:xfrm>
+            <a:off x="2698525" y="434340"/>
+            <a:ext cx="457640" cy="0"/>
+          </a:xfrm>
+          <a:prstGeom prst="straightConnector1">
+            <a:avLst/>
+          </a:prstGeom>
+          <a:ln w="12700">
+            <a:solidFill>
+              <a:srgbClr val="545B64"/>
+            </a:solidFill>
+            <a:headEnd type="arrow" w="med" len="sm"/>
+            <a:tailEnd type="none" w="med" len="sm"/>
+          </a:ln>
+        </p:spPr>
+        <p:style>
+          <a:lnRef idx="1">
+            <a:schemeClr val="accent1"/>
+          </a:lnRef>
+          <a:fillRef idx="0">
+            <a:schemeClr val="accent1"/>
+          </a:fillRef>
+          <a:effectRef idx="0">
+            <a:schemeClr val="accent1"/>
+          </a:effectRef>
+          <a:fontRef idx="minor">
+            <a:schemeClr val="tx1"/>
+          </a:fontRef>
+        </p:style>
+      </p:cxnSp>
+      <p:cxnSp>
+        <p:nvCxnSpPr>
+          <p:cNvPr id="59" name="Straight Arrow Connector 58">
+            <a:extLst>
+              <a:ext uri="{FF2B5EF4-FFF2-40B4-BE49-F238E27FC236}">
+                <a16:creationId xmlns:a16="http://schemas.microsoft.com/office/drawing/2014/main" id="{79634E6F-3B8A-5D4B-A272-0D10BA019395}"/>
+              </a:ext>
+            </a:extLst>
+          </p:cNvPr>
+          <p:cNvCxnSpPr>
+            <a:cxnSpLocks/>
+          </p:cNvCxnSpPr>
+          <p:nvPr/>
+        </p:nvCxnSpPr>
+        <p:spPr>
+          <a:xfrm>
+            <a:off x="3156165" y="434340"/>
+            <a:ext cx="0" cy="2412619"/>
+          </a:xfrm>
+          <a:prstGeom prst="straightConnector1">
+            <a:avLst/>
+          </a:prstGeom>
+          <a:ln w="12700">
+            <a:solidFill>
+              <a:schemeClr val="tx2"/>
+            </a:solidFill>
+            <a:headEnd type="none" w="med" len="sm"/>
+            <a:tailEnd type="none" w="med" len="sm"/>
+          </a:ln>
+        </p:spPr>
+        <p:style>
+          <a:lnRef idx="1">
+            <a:schemeClr val="accent1"/>
+          </a:lnRef>
+          <a:fillRef idx="0">
+            <a:schemeClr val="accent1"/>
+          </a:fillRef>
+          <a:effectRef idx="0">
+            <a:schemeClr val="accent1"/>
+          </a:effectRef>
+          <a:fontRef idx="minor">
+            <a:schemeClr val="tx1"/>
+          </a:fontRef>
+        </p:style>
+      </p:cxnSp>
+      <p:sp>
+        <p:nvSpPr>
+          <p:cNvPr id="61" name="TextBox 60">
+            <a:extLst>
+              <a:ext uri="{FF2B5EF4-FFF2-40B4-BE49-F238E27FC236}">
+                <a16:creationId xmlns:a16="http://schemas.microsoft.com/office/drawing/2014/main" id="{891DEC8F-679D-644E-914B-9CF006ACD123}"/>
+              </a:ext>
+            </a:extLst>
+          </p:cNvPr>
+          <p:cNvSpPr txBox="1"/>
+          <p:nvPr/>
+        </p:nvSpPr>
+        <p:spPr>
+          <a:xfrm>
+            <a:off x="2688621" y="2864542"/>
+            <a:ext cx="830677" cy="400110"/>
+          </a:xfrm>
+          <a:prstGeom prst="rect">
+            <a:avLst/>
+          </a:prstGeom>
+          <a:noFill/>
+        </p:spPr>
+        <p:txBody>
+          <a:bodyPr wrap="none" rtlCol="0">
+            <a:spAutoFit/>
+          </a:bodyPr>
+          <a:lstStyle/>
+          <a:p>
+            <a:pPr algn="ctr"/>
+            <a:r>
+              <a:rPr lang="en-US" sz="1000" dirty="0">
+                <a:latin typeface="Amazon Ember" panose="020B0603020204020204" pitchFamily="34" charset="0"/>
+                <a:ea typeface="Amazon Ember" panose="020B0603020204020204" pitchFamily="34" charset="0"/>
+                <a:cs typeface="Amazon Ember" panose="020B0603020204020204" pitchFamily="34" charset="0"/>
+              </a:rPr>
+              <a:t>Credential</a:t>
+            </a:r>
+          </a:p>
+          <a:p>
+            <a:pPr algn="ctr"/>
+            <a:r>
+              <a:rPr lang="en-US" sz="1000" dirty="0">
+                <a:latin typeface="Amazon Ember" panose="020B0603020204020204" pitchFamily="34" charset="0"/>
+                <a:ea typeface="Amazon Ember" panose="020B0603020204020204" pitchFamily="34" charset="0"/>
+                <a:cs typeface="Amazon Ember" panose="020B0603020204020204" pitchFamily="34" charset="0"/>
+              </a:rPr>
+              <a:t>Exfiltration</a:t>
+            </a:r>
+          </a:p>
+        </p:txBody>
+      </p:sp>
+      <p:pic>
+        <p:nvPicPr>
+          <p:cNvPr id="67" name="Picture 66">
+            <a:extLst>
+              <a:ext uri="{FF2B5EF4-FFF2-40B4-BE49-F238E27FC236}">
+                <a16:creationId xmlns:a16="http://schemas.microsoft.com/office/drawing/2014/main" id="{6F4D1EAD-41B1-6C4B-8B91-A35C8C22092C}"/>
+              </a:ext>
+            </a:extLst>
+          </p:cNvPr>
+          <p:cNvPicPr>
+            <a:picLocks noChangeAspect="1"/>
+          </p:cNvPicPr>
+          <p:nvPr/>
+        </p:nvPicPr>
+        <p:blipFill>
+          <a:blip r:embed="rId24"/>
+          <a:stretch>
+            <a:fillRect/>
+          </a:stretch>
+        </p:blipFill>
+        <p:spPr>
+          <a:xfrm>
+            <a:off x="4630840" y="-4058"/>
+            <a:ext cx="635000" cy="635000"/>
+          </a:xfrm>
+          <a:prstGeom prst="rect">
+            <a:avLst/>
+          </a:prstGeom>
+        </p:spPr>
+      </p:pic>
+      <p:sp>
+        <p:nvSpPr>
+          <p:cNvPr id="68" name="TextBox 67">
+            <a:extLst>
+              <a:ext uri="{FF2B5EF4-FFF2-40B4-BE49-F238E27FC236}">
+                <a16:creationId xmlns:a16="http://schemas.microsoft.com/office/drawing/2014/main" id="{15713A5A-1BED-B34C-91AF-2A04A0ACCC53}"/>
+              </a:ext>
+            </a:extLst>
+          </p:cNvPr>
+          <p:cNvSpPr txBox="1"/>
+          <p:nvPr/>
+        </p:nvSpPr>
+        <p:spPr>
+          <a:xfrm>
+            <a:off x="4340151" y="588045"/>
+            <a:ext cx="1199367" cy="461665"/>
+          </a:xfrm>
+          <a:prstGeom prst="rect">
+            <a:avLst/>
+          </a:prstGeom>
+          <a:noFill/>
+        </p:spPr>
+        <p:txBody>
+          <a:bodyPr wrap="none" rtlCol="0">
+            <a:spAutoFit/>
+          </a:bodyPr>
+          <a:lstStyle/>
+          <a:p>
+            <a:pPr algn="ctr"/>
+            <a:r>
+              <a:rPr lang="en-US" sz="1200" dirty="0">
+                <a:latin typeface="Amazon Ember" panose="020B0603020204020204" pitchFamily="34" charset="0"/>
+                <a:ea typeface="Amazon Ember" panose="020B0603020204020204" pitchFamily="34" charset="0"/>
+                <a:cs typeface="Amazon Ember" panose="020B0603020204020204" pitchFamily="34" charset="0"/>
+              </a:rPr>
+              <a:t>Compromised </a:t>
+            </a:r>
+          </a:p>
+          <a:p>
+            <a:pPr algn="ctr"/>
+            <a:r>
+              <a:rPr lang="en-US" sz="1200" dirty="0">
+                <a:latin typeface="Amazon Ember" panose="020B0603020204020204" pitchFamily="34" charset="0"/>
+                <a:ea typeface="Amazon Ember" panose="020B0603020204020204" pitchFamily="34" charset="0"/>
+                <a:cs typeface="Amazon Ember" panose="020B0603020204020204" pitchFamily="34" charset="0"/>
+              </a:rPr>
+              <a:t>Credentials</a:t>
+            </a:r>
+          </a:p>
+        </p:txBody>
+      </p:sp>
+      <p:cxnSp>
+        <p:nvCxnSpPr>
+          <p:cNvPr id="71" name="Straight Arrow Connector 70">
+            <a:extLst>
+              <a:ext uri="{FF2B5EF4-FFF2-40B4-BE49-F238E27FC236}">
+                <a16:creationId xmlns:a16="http://schemas.microsoft.com/office/drawing/2014/main" id="{C08AEE0D-DD86-0C44-9B77-80B07CF5FD45}"/>
+              </a:ext>
+            </a:extLst>
+          </p:cNvPr>
+          <p:cNvCxnSpPr>
+            <a:cxnSpLocks/>
+          </p:cNvCxnSpPr>
+          <p:nvPr/>
+        </p:nvCxnSpPr>
+        <p:spPr>
+          <a:xfrm>
+            <a:off x="5265840" y="434340"/>
+            <a:ext cx="273678" cy="0"/>
+          </a:xfrm>
+          <a:prstGeom prst="straightConnector1">
+            <a:avLst/>
+          </a:prstGeom>
+          <a:ln w="12700">
+            <a:solidFill>
+              <a:schemeClr val="tx2"/>
+            </a:solidFill>
+            <a:headEnd type="none" w="med" len="sm"/>
+            <a:tailEnd type="none" w="med" len="sm"/>
+          </a:ln>
+        </p:spPr>
+        <p:style>
+          <a:lnRef idx="1">
+            <a:schemeClr val="accent1"/>
+          </a:lnRef>
+          <a:fillRef idx="0">
+            <a:schemeClr val="accent1"/>
+          </a:fillRef>
+          <a:effectRef idx="0">
+            <a:schemeClr val="accent1"/>
+          </a:effectRef>
+          <a:fontRef idx="minor">
+            <a:schemeClr val="tx1"/>
+          </a:fontRef>
+        </p:style>
+      </p:cxnSp>
+      <p:cxnSp>
+        <p:nvCxnSpPr>
+          <p:cNvPr id="73" name="Straight Arrow Connector 72">
+            <a:extLst>
+              <a:ext uri="{FF2B5EF4-FFF2-40B4-BE49-F238E27FC236}">
+                <a16:creationId xmlns:a16="http://schemas.microsoft.com/office/drawing/2014/main" id="{B8691398-39DA-9B45-B022-7945110BF8F0}"/>
+              </a:ext>
+            </a:extLst>
+          </p:cNvPr>
+          <p:cNvCxnSpPr>
+            <a:cxnSpLocks/>
+          </p:cNvCxnSpPr>
+          <p:nvPr/>
+        </p:nvCxnSpPr>
+        <p:spPr>
+          <a:xfrm flipH="1">
+            <a:off x="2509928" y="127730"/>
+            <a:ext cx="2120912" cy="0"/>
+          </a:xfrm>
+          <a:prstGeom prst="straightConnector1">
+            <a:avLst/>
+          </a:prstGeom>
+          <a:ln w="9525" cap="flat" cmpd="sng" algn="ctr">
+            <a:solidFill>
+              <a:schemeClr val="dk1"/>
+            </a:solidFill>
+            <a:prstDash val="dash"/>
+            <a:round/>
+            <a:headEnd type="none" w="med" len="med"/>
+            <a:tailEnd type="none" w="med" len="med"/>
+          </a:ln>
+        </p:spPr>
+        <p:style>
+          <a:lnRef idx="0">
+            <a:scrgbClr r="0" g="0" b="0"/>
+          </a:lnRef>
+          <a:fillRef idx="0">
+            <a:scrgbClr r="0" g="0" b="0"/>
+          </a:fillRef>
+          <a:effectRef idx="0">
+            <a:scrgbClr r="0" g="0" b="0"/>
+          </a:effectRef>
+          <a:fontRef idx="minor">
+            <a:schemeClr val="tx1"/>
+          </a:fontRef>
+        </p:style>
+      </p:cxnSp>
+      <p:sp>
+        <p:nvSpPr>
+          <p:cNvPr id="78" name="TextBox 77">
+            <a:extLst>
+              <a:ext uri="{FF2B5EF4-FFF2-40B4-BE49-F238E27FC236}">
+                <a16:creationId xmlns:a16="http://schemas.microsoft.com/office/drawing/2014/main" id="{4ADA8DC1-F4E8-6D40-B56C-119DBB8E1B3F}"/>
+              </a:ext>
+            </a:extLst>
+          </p:cNvPr>
+          <p:cNvSpPr txBox="1"/>
+          <p:nvPr/>
+        </p:nvSpPr>
+        <p:spPr>
+          <a:xfrm>
+            <a:off x="3057472" y="80924"/>
+            <a:ext cx="923651" cy="246221"/>
+          </a:xfrm>
+          <a:prstGeom prst="rect">
+            <a:avLst/>
+          </a:prstGeom>
+          <a:noFill/>
+        </p:spPr>
+        <p:txBody>
+          <a:bodyPr wrap="none" rtlCol="0">
+            <a:spAutoFit/>
+          </a:bodyPr>
+          <a:lstStyle/>
+          <a:p>
+            <a:pPr algn="ctr"/>
+            <a:r>
+              <a:rPr lang="en-US" sz="1000" dirty="0">
+                <a:latin typeface="Amazon Ember" panose="020B0603020204020204" pitchFamily="34" charset="0"/>
+                <a:ea typeface="Amazon Ember" panose="020B0603020204020204" pitchFamily="34" charset="0"/>
+                <a:cs typeface="Amazon Ember" panose="020B0603020204020204" pitchFamily="34" charset="0"/>
+              </a:rPr>
+              <a:t>Assume Role</a:t>
+            </a:r>
+          </a:p>
+        </p:txBody>
+      </p:sp>
+      <p:cxnSp>
+        <p:nvCxnSpPr>
+          <p:cNvPr id="79" name="Straight Arrow Connector 78">
+            <a:extLst>
+              <a:ext uri="{FF2B5EF4-FFF2-40B4-BE49-F238E27FC236}">
+                <a16:creationId xmlns:a16="http://schemas.microsoft.com/office/drawing/2014/main" id="{2461E270-A275-E843-B546-95E06FE1E55A}"/>
+              </a:ext>
+            </a:extLst>
+          </p:cNvPr>
+          <p:cNvCxnSpPr>
+            <a:cxnSpLocks/>
+          </p:cNvCxnSpPr>
+          <p:nvPr/>
+        </p:nvCxnSpPr>
+        <p:spPr>
+          <a:xfrm flipH="1">
+            <a:off x="4630840" y="127730"/>
+            <a:ext cx="112610" cy="0"/>
+          </a:xfrm>
+          <a:prstGeom prst="straightConnector1">
+            <a:avLst/>
+          </a:prstGeom>
+          <a:ln w="12700">
+            <a:solidFill>
+              <a:srgbClr val="545B64"/>
+            </a:solidFill>
+            <a:headEnd type="arrow" w="med" len="sm"/>
+            <a:tailEnd type="none" w="med" len="sm"/>
+          </a:ln>
+        </p:spPr>
+        <p:style>
+          <a:lnRef idx="1">
+            <a:schemeClr val="accent1"/>
+          </a:lnRef>
+          <a:fillRef idx="0">
+            <a:schemeClr val="accent1"/>
+          </a:fillRef>
+          <a:effectRef idx="0">
+            <a:schemeClr val="accent1"/>
+          </a:effectRef>
+          <a:fontRef idx="minor">
+            <a:schemeClr val="tx1"/>
+          </a:fontRef>
+        </p:style>
+      </p:cxnSp>
+      <p:pic>
+        <p:nvPicPr>
+          <p:cNvPr id="83" name="Graphic 82">
+            <a:extLst>
+              <a:ext uri="{FF2B5EF4-FFF2-40B4-BE49-F238E27FC236}">
+                <a16:creationId xmlns:a16="http://schemas.microsoft.com/office/drawing/2014/main" id="{4F2E141A-32D4-3246-8D96-06556EDC077A}"/>
+              </a:ext>
+            </a:extLst>
+          </p:cNvPr>
+          <p:cNvPicPr>
+            <a:picLocks noChangeAspect="1"/>
+          </p:cNvPicPr>
+          <p:nvPr/>
+        </p:nvPicPr>
+        <p:blipFill>
+          <a:blip r:embed="rId25">
+            <a:extLst>
+              <a:ext uri="{96DAC541-7B7A-43D3-8B79-37D633B846F1}">
+                <asvg:svgBlip xmlns:asvg="http://schemas.microsoft.com/office/drawing/2016/SVG/main" r:embed="rId26"/>
+              </a:ext>
+            </a:extLst>
+          </a:blip>
+          <a:stretch>
+            <a:fillRect/>
+          </a:stretch>
+        </p:blipFill>
+        <p:spPr>
+          <a:xfrm>
+            <a:off x="6952028" y="4751177"/>
+            <a:ext cx="914400" cy="914400"/>
+          </a:xfrm>
+          <a:prstGeom prst="rect">
+            <a:avLst/>
+          </a:prstGeom>
+        </p:spPr>
+      </p:pic>
+      <p:sp>
+        <p:nvSpPr>
+          <p:cNvPr id="84" name="TextBox 83">
+            <a:extLst>
+              <a:ext uri="{FF2B5EF4-FFF2-40B4-BE49-F238E27FC236}">
+                <a16:creationId xmlns:a16="http://schemas.microsoft.com/office/drawing/2014/main" id="{9D028C18-87B4-F84E-A498-610DD85AA70A}"/>
+              </a:ext>
+            </a:extLst>
+          </p:cNvPr>
+          <p:cNvSpPr txBox="1"/>
+          <p:nvPr/>
+        </p:nvSpPr>
+        <p:spPr>
+          <a:xfrm>
+            <a:off x="7013926" y="5654281"/>
+            <a:ext cx="790601" cy="461665"/>
+          </a:xfrm>
+          <a:prstGeom prst="rect">
+            <a:avLst/>
+          </a:prstGeom>
+          <a:noFill/>
+        </p:spPr>
+        <p:txBody>
+          <a:bodyPr wrap="none" rtlCol="0">
+            <a:spAutoFit/>
+          </a:bodyPr>
+          <a:lstStyle/>
+          <a:p>
+            <a:pPr algn="ctr"/>
+            <a:r>
+              <a:rPr lang="en-US" sz="1200" dirty="0">
+                <a:latin typeface="Amazon Ember" panose="020B0603020204020204" pitchFamily="34" charset="0"/>
+                <a:ea typeface="Amazon Ember" panose="020B0603020204020204" pitchFamily="34" charset="0"/>
+                <a:cs typeface="Amazon Ember" panose="020B0603020204020204" pitchFamily="34" charset="0"/>
+              </a:rPr>
+              <a:t>Lambda</a:t>
+            </a:r>
+          </a:p>
+          <a:p>
+            <a:pPr algn="ctr"/>
+            <a:r>
+              <a:rPr lang="en-US" sz="1200" dirty="0">
+                <a:latin typeface="Amazon Ember" panose="020B0603020204020204" pitchFamily="34" charset="0"/>
+                <a:ea typeface="Amazon Ember" panose="020B0603020204020204" pitchFamily="34" charset="0"/>
+                <a:cs typeface="Amazon Ember" panose="020B0603020204020204" pitchFamily="34" charset="0"/>
+              </a:rPr>
+              <a:t>Function</a:t>
+            </a:r>
+          </a:p>
+        </p:txBody>
+      </p:sp>
+      <p:cxnSp>
+        <p:nvCxnSpPr>
+          <p:cNvPr id="85" name="Straight Arrow Connector 84">
+            <a:extLst>
+              <a:ext uri="{FF2B5EF4-FFF2-40B4-BE49-F238E27FC236}">
+                <a16:creationId xmlns:a16="http://schemas.microsoft.com/office/drawing/2014/main" id="{0C535057-E094-6E44-AFEB-A91AFFFAA25C}"/>
+              </a:ext>
+            </a:extLst>
+          </p:cNvPr>
+          <p:cNvCxnSpPr>
+            <a:cxnSpLocks/>
+          </p:cNvCxnSpPr>
+          <p:nvPr/>
+        </p:nvCxnSpPr>
+        <p:spPr>
+          <a:xfrm flipH="1" flipV="1">
+            <a:off x="7409226" y="3664945"/>
+            <a:ext cx="1" cy="1086232"/>
+          </a:xfrm>
+          <a:prstGeom prst="straightConnector1">
+            <a:avLst/>
+          </a:prstGeom>
+          <a:ln w="12700">
+            <a:solidFill>
+              <a:srgbClr val="545B64"/>
+            </a:solidFill>
+            <a:headEnd type="arrow" w="med" len="sm"/>
+            <a:tailEnd type="none" w="med" len="sm"/>
+          </a:ln>
+        </p:spPr>
+        <p:style>
+          <a:lnRef idx="1">
+            <a:schemeClr val="accent1"/>
+          </a:lnRef>
+          <a:fillRef idx="0">
+            <a:schemeClr val="accent1"/>
+          </a:fillRef>
+          <a:effectRef idx="0">
+            <a:schemeClr val="accent1"/>
+          </a:effectRef>
+          <a:fontRef idx="minor">
+            <a:schemeClr val="tx1"/>
+          </a:fontRef>
+        </p:style>
+      </p:cxnSp>
+      <p:cxnSp>
+        <p:nvCxnSpPr>
+          <p:cNvPr id="86" name="Straight Arrow Connector 85">
+            <a:extLst>
+              <a:ext uri="{FF2B5EF4-FFF2-40B4-BE49-F238E27FC236}">
+                <a16:creationId xmlns:a16="http://schemas.microsoft.com/office/drawing/2014/main" id="{94781457-0678-6044-8A4D-D5C62073B1F8}"/>
+              </a:ext>
+            </a:extLst>
+          </p:cNvPr>
+          <p:cNvCxnSpPr>
+            <a:cxnSpLocks/>
+          </p:cNvCxnSpPr>
+          <p:nvPr/>
+        </p:nvCxnSpPr>
+        <p:spPr>
+          <a:xfrm>
+            <a:off x="7408828" y="3664945"/>
+            <a:ext cx="184829" cy="0"/>
+          </a:xfrm>
+          <a:prstGeom prst="straightConnector1">
+            <a:avLst/>
+          </a:prstGeom>
+          <a:ln w="12700">
+            <a:solidFill>
+              <a:schemeClr val="tx2"/>
+            </a:solidFill>
+            <a:headEnd type="none" w="med" len="sm"/>
+            <a:tailEnd type="none" w="med" len="sm"/>
+          </a:ln>
+        </p:spPr>
+        <p:style>
+          <a:lnRef idx="1">
+            <a:schemeClr val="accent1"/>
+          </a:lnRef>
+          <a:fillRef idx="0">
+            <a:schemeClr val="accent1"/>
+          </a:fillRef>
+          <a:effectRef idx="0">
+            <a:schemeClr val="accent1"/>
+          </a:effectRef>
+          <a:fontRef idx="minor">
+            <a:schemeClr val="tx1"/>
+          </a:fontRef>
+        </p:style>
+      </p:cxnSp>
+      <p:pic>
+        <p:nvPicPr>
+          <p:cNvPr id="87" name="Graphic 86">
+            <a:extLst>
+              <a:ext uri="{FF2B5EF4-FFF2-40B4-BE49-F238E27FC236}">
+                <a16:creationId xmlns:a16="http://schemas.microsoft.com/office/drawing/2014/main" id="{4879DC6B-DE92-2341-81F4-1D2F95C25955}"/>
+              </a:ext>
+            </a:extLst>
+          </p:cNvPr>
+          <p:cNvPicPr>
+            <a:picLocks noChangeAspect="1"/>
+          </p:cNvPicPr>
+          <p:nvPr/>
+        </p:nvPicPr>
+        <p:blipFill>
+          <a:blip r:embed="rId16">
+            <a:extLst>
+              <a:ext uri="{96DAC541-7B7A-43D3-8B79-37D633B846F1}">
+                <asvg:svgBlip xmlns:asvg="http://schemas.microsoft.com/office/drawing/2016/SVG/main" r:embed="rId17"/>
+              </a:ext>
+            </a:extLst>
+          </a:blip>
+          <a:stretch>
+            <a:fillRect/>
+          </a:stretch>
+        </p:blipFill>
+        <p:spPr>
+          <a:xfrm>
+            <a:off x="6950903" y="3848073"/>
+            <a:ext cx="469900" cy="469900"/>
+          </a:xfrm>
+          <a:prstGeom prst="rect">
+            <a:avLst/>
+          </a:prstGeom>
+        </p:spPr>
+      </p:pic>
+      <p:sp>
+        <p:nvSpPr>
+          <p:cNvPr id="88" name="TextBox 87">
+            <a:extLst>
+              <a:ext uri="{FF2B5EF4-FFF2-40B4-BE49-F238E27FC236}">
+                <a16:creationId xmlns:a16="http://schemas.microsoft.com/office/drawing/2014/main" id="{02A8F335-9322-E240-98DB-3428BE3ED692}"/>
+              </a:ext>
+            </a:extLst>
+          </p:cNvPr>
+          <p:cNvSpPr txBox="1"/>
+          <p:nvPr/>
+        </p:nvSpPr>
+        <p:spPr>
+          <a:xfrm>
+            <a:off x="7042854" y="3879628"/>
+            <a:ext cx="301686" cy="369332"/>
+          </a:xfrm>
+          <a:prstGeom prst="rect">
+            <a:avLst/>
+          </a:prstGeom>
+          <a:noFill/>
+        </p:spPr>
+        <p:txBody>
+          <a:bodyPr wrap="none" rtlCol="0">
+            <a:spAutoFit/>
+          </a:bodyPr>
+          <a:lstStyle/>
+          <a:p>
+            <a:r>
+              <a:rPr lang="en-US" dirty="0"/>
+              <a:t>4</a:t>
+            </a:r>
+          </a:p>
+        </p:txBody>
+      </p:sp>
+      <p:pic>
+        <p:nvPicPr>
+          <p:cNvPr id="92" name="Picture 91">
+            <a:extLst>
+              <a:ext uri="{FF2B5EF4-FFF2-40B4-BE49-F238E27FC236}">
+                <a16:creationId xmlns:a16="http://schemas.microsoft.com/office/drawing/2014/main" id="{11D5FC05-542B-CD48-818E-C719FA8D2561}"/>
+              </a:ext>
+            </a:extLst>
+          </p:cNvPr>
+          <p:cNvPicPr>
+            <a:picLocks noChangeAspect="1"/>
+          </p:cNvPicPr>
+          <p:nvPr/>
+        </p:nvPicPr>
+        <p:blipFill>
+          <a:blip r:embed="rId27"/>
+          <a:stretch>
+            <a:fillRect/>
+          </a:stretch>
+        </p:blipFill>
+        <p:spPr>
+          <a:xfrm>
+            <a:off x="4971162" y="4274649"/>
+            <a:ext cx="635000" cy="635000"/>
+          </a:xfrm>
+          <a:prstGeom prst="rect">
+            <a:avLst/>
+          </a:prstGeom>
+        </p:spPr>
+      </p:pic>
+      <p:sp>
+        <p:nvSpPr>
+          <p:cNvPr id="93" name="TextBox 92">
+            <a:extLst>
+              <a:ext uri="{FF2B5EF4-FFF2-40B4-BE49-F238E27FC236}">
+                <a16:creationId xmlns:a16="http://schemas.microsoft.com/office/drawing/2014/main" id="{D71571E7-0310-814B-94BB-82F36FA89B14}"/>
+              </a:ext>
+            </a:extLst>
+          </p:cNvPr>
+          <p:cNvSpPr txBox="1"/>
+          <p:nvPr/>
+        </p:nvSpPr>
+        <p:spPr>
+          <a:xfrm>
+            <a:off x="4929289" y="4757789"/>
+            <a:ext cx="806632" cy="276999"/>
+          </a:xfrm>
+          <a:prstGeom prst="rect">
+            <a:avLst/>
+          </a:prstGeom>
+          <a:noFill/>
+        </p:spPr>
+        <p:txBody>
+          <a:bodyPr wrap="none" rtlCol="0">
+            <a:spAutoFit/>
+          </a:bodyPr>
+          <a:lstStyle/>
+          <a:p>
+            <a:pPr algn="ctr"/>
+            <a:r>
+              <a:rPr lang="en-US" sz="1200" dirty="0">
+                <a:latin typeface="Amazon Ember" panose="020B0603020204020204" pitchFamily="34" charset="0"/>
+                <a:ea typeface="Amazon Ember" panose="020B0603020204020204" pitchFamily="34" charset="0"/>
+                <a:cs typeface="Amazon Ember" panose="020B0603020204020204" pitchFamily="34" charset="0"/>
+              </a:rPr>
+              <a:t>IAM Role</a:t>
+            </a:r>
+          </a:p>
+        </p:txBody>
+      </p:sp>
+      <p:cxnSp>
+        <p:nvCxnSpPr>
+          <p:cNvPr id="94" name="Straight Arrow Connector 93">
+            <a:extLst>
+              <a:ext uri="{FF2B5EF4-FFF2-40B4-BE49-F238E27FC236}">
+                <a16:creationId xmlns:a16="http://schemas.microsoft.com/office/drawing/2014/main" id="{A16929E8-3164-5D4B-A61C-80DEFF9F3FCE}"/>
+              </a:ext>
+            </a:extLst>
+          </p:cNvPr>
+          <p:cNvCxnSpPr>
+            <a:cxnSpLocks/>
+          </p:cNvCxnSpPr>
+          <p:nvPr/>
+        </p:nvCxnSpPr>
+        <p:spPr>
+          <a:xfrm>
+            <a:off x="5827457" y="5251065"/>
+            <a:ext cx="1123446" cy="0"/>
+          </a:xfrm>
+          <a:prstGeom prst="straightConnector1">
+            <a:avLst/>
+          </a:prstGeom>
+          <a:ln w="12700">
+            <a:solidFill>
+              <a:schemeClr val="tx2"/>
+            </a:solidFill>
+            <a:headEnd type="none" w="med" len="sm"/>
+            <a:tailEnd type="none" w="med" len="sm"/>
+          </a:ln>
+        </p:spPr>
+        <p:style>
+          <a:lnRef idx="1">
+            <a:schemeClr val="accent1"/>
+          </a:lnRef>
+          <a:fillRef idx="0">
+            <a:schemeClr val="accent1"/>
+          </a:fillRef>
+          <a:effectRef idx="0">
+            <a:schemeClr val="accent1"/>
+          </a:effectRef>
+          <a:fontRef idx="minor">
+            <a:schemeClr val="tx1"/>
+          </a:fontRef>
+        </p:style>
+      </p:cxnSp>
+      <p:cxnSp>
+        <p:nvCxnSpPr>
+          <p:cNvPr id="96" name="Straight Arrow Connector 95">
+            <a:extLst>
+              <a:ext uri="{FF2B5EF4-FFF2-40B4-BE49-F238E27FC236}">
+                <a16:creationId xmlns:a16="http://schemas.microsoft.com/office/drawing/2014/main" id="{E125C37C-F8EF-A845-A513-1D9C476E7D0A}"/>
+              </a:ext>
+            </a:extLst>
+          </p:cNvPr>
+          <p:cNvCxnSpPr>
+            <a:cxnSpLocks/>
+          </p:cNvCxnSpPr>
+          <p:nvPr/>
+        </p:nvCxnSpPr>
+        <p:spPr>
+          <a:xfrm>
+            <a:off x="5827457" y="4580263"/>
+            <a:ext cx="0" cy="670802"/>
+          </a:xfrm>
+          <a:prstGeom prst="straightConnector1">
+            <a:avLst/>
+          </a:prstGeom>
+          <a:ln w="12700">
+            <a:solidFill>
+              <a:schemeClr val="tx2"/>
+            </a:solidFill>
+            <a:headEnd type="none" w="med" len="sm"/>
+            <a:tailEnd type="none" w="med" len="sm"/>
+          </a:ln>
+        </p:spPr>
+        <p:style>
+          <a:lnRef idx="1">
+            <a:schemeClr val="accent1"/>
+          </a:lnRef>
+          <a:fillRef idx="0">
+            <a:schemeClr val="accent1"/>
+          </a:fillRef>
+          <a:effectRef idx="0">
+            <a:schemeClr val="accent1"/>
+          </a:effectRef>
+          <a:fontRef idx="minor">
+            <a:schemeClr val="tx1"/>
+          </a:fontRef>
+        </p:style>
+      </p:cxnSp>
+      <p:cxnSp>
+        <p:nvCxnSpPr>
+          <p:cNvPr id="98" name="Straight Arrow Connector 97">
+            <a:extLst>
+              <a:ext uri="{FF2B5EF4-FFF2-40B4-BE49-F238E27FC236}">
+                <a16:creationId xmlns:a16="http://schemas.microsoft.com/office/drawing/2014/main" id="{44190F1C-8CB5-4946-871C-C20930921147}"/>
+              </a:ext>
+            </a:extLst>
+          </p:cNvPr>
+          <p:cNvCxnSpPr>
+            <a:cxnSpLocks/>
+          </p:cNvCxnSpPr>
+          <p:nvPr/>
+        </p:nvCxnSpPr>
+        <p:spPr>
+          <a:xfrm>
+            <a:off x="5606162" y="4592149"/>
+            <a:ext cx="228820" cy="0"/>
+          </a:xfrm>
+          <a:prstGeom prst="straightConnector1">
+            <a:avLst/>
+          </a:prstGeom>
+          <a:ln w="12700">
+            <a:solidFill>
+              <a:srgbClr val="545B64"/>
+            </a:solidFill>
+            <a:headEnd type="arrow" w="med" len="sm"/>
+            <a:tailEnd type="none" w="med" len="sm"/>
+          </a:ln>
+        </p:spPr>
+        <p:style>
+          <a:lnRef idx="1">
+            <a:schemeClr val="accent1"/>
+          </a:lnRef>
+          <a:fillRef idx="0">
+            <a:schemeClr val="accent1"/>
+          </a:fillRef>
+          <a:effectRef idx="0">
+            <a:schemeClr val="accent1"/>
+          </a:effectRef>
+          <a:fontRef idx="minor">
+            <a:schemeClr val="tx1"/>
+          </a:fontRef>
+        </p:style>
+      </p:cxnSp>
+      <p:pic>
+        <p:nvPicPr>
+          <p:cNvPr id="101" name="Graphic 100">
+            <a:extLst>
+              <a:ext uri="{FF2B5EF4-FFF2-40B4-BE49-F238E27FC236}">
+                <a16:creationId xmlns:a16="http://schemas.microsoft.com/office/drawing/2014/main" id="{CE914FA6-C7E0-154E-A412-176663785030}"/>
+              </a:ext>
+            </a:extLst>
+          </p:cNvPr>
+          <p:cNvPicPr>
+            <a:picLocks noChangeAspect="1"/>
+          </p:cNvPicPr>
+          <p:nvPr/>
+        </p:nvPicPr>
+        <p:blipFill>
+          <a:blip r:embed="rId16">
+            <a:extLst>
+              <a:ext uri="{96DAC541-7B7A-43D3-8B79-37D633B846F1}">
+                <asvg:svgBlip xmlns:asvg="http://schemas.microsoft.com/office/drawing/2016/SVG/main" r:embed="rId17"/>
+              </a:ext>
+            </a:extLst>
+          </a:blip>
+          <a:stretch>
+            <a:fillRect/>
+          </a:stretch>
+        </p:blipFill>
+        <p:spPr>
+          <a:xfrm>
+            <a:off x="5975672" y="4775519"/>
+            <a:ext cx="469900" cy="469900"/>
+          </a:xfrm>
+          <a:prstGeom prst="rect">
+            <a:avLst/>
+          </a:prstGeom>
+        </p:spPr>
+      </p:pic>
+      <p:sp>
+        <p:nvSpPr>
+          <p:cNvPr id="102" name="TextBox 101">
+            <a:extLst>
+              <a:ext uri="{FF2B5EF4-FFF2-40B4-BE49-F238E27FC236}">
+                <a16:creationId xmlns:a16="http://schemas.microsoft.com/office/drawing/2014/main" id="{6732C2B4-C6DB-964F-AD68-9AE74DC8AA8D}"/>
+              </a:ext>
+            </a:extLst>
+          </p:cNvPr>
+          <p:cNvSpPr txBox="1"/>
+          <p:nvPr/>
+        </p:nvSpPr>
+        <p:spPr>
+          <a:xfrm>
+            <a:off x="6067623" y="4807074"/>
+            <a:ext cx="301686" cy="369332"/>
+          </a:xfrm>
+          <a:prstGeom prst="rect">
+            <a:avLst/>
+          </a:prstGeom>
+          <a:noFill/>
+        </p:spPr>
+        <p:txBody>
+          <a:bodyPr wrap="none" rtlCol="0">
+            <a:spAutoFit/>
+          </a:bodyPr>
+          <a:lstStyle/>
+          <a:p>
+            <a:r>
+              <a:rPr lang="en-US" dirty="0"/>
+              <a:t>6</a:t>
+            </a:r>
+          </a:p>
+        </p:txBody>
+      </p:sp>
+    </p:spTree>
+    <p:extLst>
+      <p:ext uri="{BB962C8B-B14F-4D97-AF65-F5344CB8AC3E}">
+        <p14:creationId xmlns:p14="http://schemas.microsoft.com/office/powerpoint/2010/main" val="2201798892"/>
       </p:ext>
     </p:extLst>
   </p:cSld>
